--- a/IST707-Group2.pptx
+++ b/IST707-Group2.pptx
@@ -6,8 +6,12 @@
   </p:sldMasterIdLst>
   <p:sldIdLst>
     <p:sldId id="256" r:id="rId2"/>
-    <p:sldId id="258" r:id="rId3"/>
-    <p:sldId id="257" r:id="rId4"/>
+    <p:sldId id="259" r:id="rId3"/>
+    <p:sldId id="261" r:id="rId4"/>
+    <p:sldId id="260" r:id="rId5"/>
+    <p:sldId id="262" r:id="rId6"/>
+    <p:sldId id="258" r:id="rId7"/>
+    <p:sldId id="257" r:id="rId8"/>
   </p:sldIdLst>
   <p:sldSz cx="12192000" cy="6858000"/>
   <p:notesSz cx="6858000" cy="9144000"/>
@@ -106,6 +110,11 @@
       </a:defRPr>
     </a:lvl9pPr>
   </p:defaultTextStyle>
+  <p:extLst>
+    <p:ext uri="{EFAFB233-063F-42B5-8137-9DF3F51BA10A}">
+      <p15:sldGuideLst xmlns:p15="http://schemas.microsoft.com/office/powerpoint/2012/main"/>
+    </p:ext>
+  </p:extLst>
 </p:presentation>
 </file>
 
@@ -1519,7 +1528,7 @@
             <a:fld id="{B61BEF0D-F0BB-DE4B-95CE-6DB70DBA9567}" type="datetimeFigureOut">
               <a:rPr lang="en-US" smtClean="0"/>
               <a:pPr/>
-              <a:t>2/17/21</a:t>
+              <a:t>2/20/21</a:t>
             </a:fld>
             <a:endParaRPr lang="en-US" dirty="0"/>
           </a:p>
@@ -2980,7 +2989,7 @@
             <a:fld id="{B61BEF0D-F0BB-DE4B-95CE-6DB70DBA9567}" type="datetimeFigureOut">
               <a:rPr lang="en-US" smtClean="0"/>
               <a:pPr/>
-              <a:t>2/17/21</a:t>
+              <a:t>2/20/21</a:t>
             </a:fld>
             <a:endParaRPr lang="en-US" dirty="0"/>
           </a:p>
@@ -4435,7 +4444,7 @@
             <a:fld id="{B61BEF0D-F0BB-DE4B-95CE-6DB70DBA9567}" type="datetimeFigureOut">
               <a:rPr lang="en-US" smtClean="0"/>
               <a:pPr/>
-              <a:t>2/17/21</a:t>
+              <a:t>2/20/21</a:t>
             </a:fld>
             <a:endParaRPr lang="en-US" dirty="0"/>
           </a:p>
@@ -5892,7 +5901,7 @@
             <a:fld id="{B61BEF0D-F0BB-DE4B-95CE-6DB70DBA9567}" type="datetimeFigureOut">
               <a:rPr lang="en-US" smtClean="0"/>
               <a:pPr/>
-              <a:t>2/17/21</a:t>
+              <a:t>2/20/21</a:t>
             </a:fld>
             <a:endParaRPr lang="en-US" dirty="0"/>
           </a:p>
@@ -7402,7 +7411,7 @@
             <a:fld id="{B61BEF0D-F0BB-DE4B-95CE-6DB70DBA9567}" type="datetimeFigureOut">
               <a:rPr lang="en-US" smtClean="0"/>
               <a:pPr/>
-              <a:t>2/17/21</a:t>
+              <a:t>2/20/21</a:t>
             </a:fld>
             <a:endParaRPr lang="en-US" dirty="0"/>
           </a:p>
@@ -8925,7 +8934,7 @@
             <a:fld id="{B61BEF0D-F0BB-DE4B-95CE-6DB70DBA9567}" type="datetimeFigureOut">
               <a:rPr lang="en-US" smtClean="0"/>
               <a:pPr/>
-              <a:t>2/17/21</a:t>
+              <a:t>2/20/21</a:t>
             </a:fld>
             <a:endParaRPr lang="en-US" dirty="0"/>
           </a:p>
@@ -10592,7 +10601,7 @@
             <a:fld id="{B61BEF0D-F0BB-DE4B-95CE-6DB70DBA9567}" type="datetimeFigureOut">
               <a:rPr lang="en-US" smtClean="0"/>
               <a:pPr/>
-              <a:t>2/17/21</a:t>
+              <a:t>2/20/21</a:t>
             </a:fld>
             <a:endParaRPr lang="en-US" dirty="0"/>
           </a:p>
@@ -11992,7 +12001,7 @@
             <a:fld id="{B61BEF0D-F0BB-DE4B-95CE-6DB70DBA9567}" type="datetimeFigureOut">
               <a:rPr lang="en-US" smtClean="0"/>
               <a:pPr/>
-              <a:t>2/17/21</a:t>
+              <a:t>2/20/21</a:t>
             </a:fld>
             <a:endParaRPr lang="en-US" dirty="0"/>
           </a:p>
@@ -12094,7 +12103,7 @@
             <a:fld id="{B61BEF0D-F0BB-DE4B-95CE-6DB70DBA9567}" type="datetimeFigureOut">
               <a:rPr lang="en-US" smtClean="0"/>
               <a:pPr/>
-              <a:t>2/17/21</a:t>
+              <a:t>2/20/21</a:t>
             </a:fld>
             <a:endParaRPr lang="en-US" dirty="0"/>
           </a:p>
@@ -13622,7 +13631,7 @@
             <a:fld id="{B61BEF0D-F0BB-DE4B-95CE-6DB70DBA9567}" type="datetimeFigureOut">
               <a:rPr lang="en-US" smtClean="0"/>
               <a:pPr/>
-              <a:t>2/17/21</a:t>
+              <a:t>2/20/21</a:t>
             </a:fld>
             <a:endParaRPr lang="en-US" dirty="0"/>
           </a:p>
@@ -15160,7 +15169,7 @@
             <a:fld id="{B61BEF0D-F0BB-DE4B-95CE-6DB70DBA9567}" type="datetimeFigureOut">
               <a:rPr lang="en-US" smtClean="0"/>
               <a:pPr/>
-              <a:t>2/17/21</a:t>
+              <a:t>2/20/21</a:t>
             </a:fld>
             <a:endParaRPr lang="en-US" dirty="0"/>
           </a:p>
@@ -15385,7 +15394,7 @@
             <a:fld id="{B61BEF0D-F0BB-DE4B-95CE-6DB70DBA9567}" type="datetimeFigureOut">
               <a:rPr lang="en-US" smtClean="0"/>
               <a:pPr/>
-              <a:t>2/17/21</a:t>
+              <a:t>2/20/21</a:t>
             </a:fld>
             <a:endParaRPr lang="en-US" dirty="0"/>
           </a:p>
@@ -15823,6 +15832,14 @@
 <file path=ppt/slides/slide1.xml><?xml version="1.0" encoding="utf-8"?>
 <p:sld xmlns:a="http://schemas.openxmlformats.org/drawingml/2006/main" xmlns:r="http://schemas.openxmlformats.org/officeDocument/2006/relationships" xmlns:p="http://schemas.openxmlformats.org/presentationml/2006/main">
   <p:cSld>
+    <p:bg>
+      <p:bgPr>
+        <a:solidFill>
+          <a:schemeClr val="bg1"/>
+        </a:solidFill>
+        <a:effectLst/>
+      </p:bgPr>
+    </p:bg>
     <p:spTree>
       <p:nvGrpSpPr>
         <p:cNvPr id="1" name=""/>
@@ -15837,6 +15854,2312 @@
           <a:chExt cx="0" cy="0"/>
         </a:xfrm>
       </p:grpSpPr>
+      <p:sp useBgFill="1">
+        <p:nvSpPr>
+          <p:cNvPr id="9" name="Rectangle 8">
+            <a:extLst>
+              <a:ext uri="{FF2B5EF4-FFF2-40B4-BE49-F238E27FC236}">
+                <a16:creationId xmlns:a16="http://schemas.microsoft.com/office/drawing/2014/main" id="{50E14F39-21DC-440B-B08A-D6AC205F26FF}"/>
+              </a:ext>
+              <a:ext uri="{C183D7F6-B498-43B3-948B-1728B52AA6E4}">
+                <adec:decorative xmlns:adec="http://schemas.microsoft.com/office/drawing/2017/decorative" val="1"/>
+              </a:ext>
+            </a:extLst>
+          </p:cNvPr>
+          <p:cNvSpPr>
+            <a:spLocks noGrp="1" noRot="1" noChangeAspect="1" noMove="1" noResize="1" noEditPoints="1" noAdjustHandles="1" noChangeArrowheads="1" noChangeShapeType="1" noTextEdit="1"/>
+          </p:cNvSpPr>
+          <p:nvPr>
+            <p:extLst>
+              <p:ext uri="{386F3935-93C4-4BCD-93E2-E3B085C9AB24}">
+                <p16:designElem xmlns:p16="http://schemas.microsoft.com/office/powerpoint/2015/main" val="1"/>
+              </p:ext>
+            </p:extLst>
+          </p:nvPr>
+        </p:nvSpPr>
+        <p:spPr>
+          <a:xfrm>
+            <a:off x="0" y="0"/>
+            <a:ext cx="12191695" cy="6858000"/>
+          </a:xfrm>
+          <a:prstGeom prst="rect">
+            <a:avLst/>
+          </a:prstGeom>
+          <a:ln>
+            <a:noFill/>
+          </a:ln>
+        </p:spPr>
+        <p:style>
+          <a:lnRef idx="2">
+            <a:schemeClr val="accent1">
+              <a:shade val="50000"/>
+            </a:schemeClr>
+          </a:lnRef>
+          <a:fillRef idx="1">
+            <a:schemeClr val="accent1"/>
+          </a:fillRef>
+          <a:effectRef idx="0">
+            <a:schemeClr val="accent1"/>
+          </a:effectRef>
+          <a:fontRef idx="minor">
+            <a:schemeClr val="lt1"/>
+          </a:fontRef>
+        </p:style>
+        <p:txBody>
+          <a:bodyPr rtlCol="0" anchor="ctr"/>
+          <a:lstStyle/>
+          <a:p>
+            <a:pPr algn="ctr"/>
+            <a:endParaRPr lang="en-US"/>
+          </a:p>
+        </p:txBody>
+      </p:sp>
+      <p:grpSp>
+        <p:nvGrpSpPr>
+          <p:cNvPr id="11" name="Group 10">
+            <a:extLst>
+              <a:ext uri="{FF2B5EF4-FFF2-40B4-BE49-F238E27FC236}">
+                <a16:creationId xmlns:a16="http://schemas.microsoft.com/office/drawing/2014/main" id="{AAB17FC3-9E8D-4DCB-9359-9751883155C6}"/>
+              </a:ext>
+              <a:ext uri="{C183D7F6-B498-43B3-948B-1728B52AA6E4}">
+                <adec:decorative xmlns:adec="http://schemas.microsoft.com/office/drawing/2017/decorative" val="1"/>
+              </a:ext>
+            </a:extLst>
+          </p:cNvPr>
+          <p:cNvGrpSpPr>
+            <a:grpSpLocks noGrp="1" noUngrp="1" noRot="1" noChangeAspect="1" noMove="1" noResize="1"/>
+          </p:cNvGrpSpPr>
+          <p:nvPr>
+            <p:extLst>
+              <p:ext uri="{386F3935-93C4-4BCD-93E2-E3B085C9AB24}">
+                <p16:designElem xmlns:p16="http://schemas.microsoft.com/office/powerpoint/2015/main" val="1"/>
+              </p:ext>
+            </p:extLst>
+          </p:nvPr>
+        </p:nvGrpSpPr>
+        <p:grpSpPr>
+          <a:xfrm>
+            <a:off x="-329674" y="-59376"/>
+            <a:ext cx="12515851" cy="6923798"/>
+            <a:chOff x="-329674" y="-51881"/>
+            <a:chExt cx="12515851" cy="6923798"/>
+          </a:xfrm>
+        </p:grpSpPr>
+        <p:sp>
+          <p:nvSpPr>
+            <p:cNvPr id="12" name="Freeform 5">
+              <a:extLst>
+                <a:ext uri="{FF2B5EF4-FFF2-40B4-BE49-F238E27FC236}">
+                  <a16:creationId xmlns:a16="http://schemas.microsoft.com/office/drawing/2014/main" id="{C21674C5-5274-4CF2-B80C-18B7601229EC}"/>
+                </a:ext>
+                <a:ext uri="{C183D7F6-B498-43B3-948B-1728B52AA6E4}">
+                  <adec:decorative xmlns:adec="http://schemas.microsoft.com/office/drawing/2017/decorative" val="1"/>
+                </a:ext>
+              </a:extLst>
+            </p:cNvPr>
+            <p:cNvSpPr>
+              <a:spLocks/>
+            </p:cNvSpPr>
+            <p:nvPr>
+              <p:extLst>
+                <p:ext uri="{386F3935-93C4-4BCD-93E2-E3B085C9AB24}">
+                  <p16:designElem xmlns:p16="http://schemas.microsoft.com/office/powerpoint/2015/main" val="1"/>
+                </p:ext>
+              </p:extLst>
+            </p:nvPr>
+          </p:nvSpPr>
+          <p:spPr bwMode="auto">
+            <a:xfrm>
+              <a:off x="-329674" y="1298404"/>
+              <a:ext cx="9702800" cy="5573512"/>
+            </a:xfrm>
+            <a:custGeom>
+              <a:avLst/>
+              <a:gdLst>
+                <a:gd name="T0" fmla="*/ 1752 w 2038"/>
+                <a:gd name="T1" fmla="*/ 1169 h 1169"/>
+                <a:gd name="T2" fmla="*/ 1487 w 2038"/>
+                <a:gd name="T3" fmla="*/ 334 h 1169"/>
+                <a:gd name="T4" fmla="*/ 860 w 2038"/>
+                <a:gd name="T5" fmla="*/ 22 h 1169"/>
+                <a:gd name="T6" fmla="*/ 199 w 2038"/>
+                <a:gd name="T7" fmla="*/ 318 h 1169"/>
+                <a:gd name="T8" fmla="*/ 399 w 2038"/>
+                <a:gd name="T9" fmla="*/ 1165 h 1169"/>
+              </a:gdLst>
+              <a:ahLst/>
+              <a:cxnLst>
+                <a:cxn ang="0">
+                  <a:pos x="T0" y="T1"/>
+                </a:cxn>
+                <a:cxn ang="0">
+                  <a:pos x="T2" y="T3"/>
+                </a:cxn>
+                <a:cxn ang="0">
+                  <a:pos x="T4" y="T5"/>
+                </a:cxn>
+                <a:cxn ang="0">
+                  <a:pos x="T6" y="T7"/>
+                </a:cxn>
+                <a:cxn ang="0">
+                  <a:pos x="T8" y="T9"/>
+                </a:cxn>
+              </a:cxnLst>
+              <a:rect l="0" t="0" r="r" b="b"/>
+              <a:pathLst>
+                <a:path w="2038" h="1169">
+                  <a:moveTo>
+                    <a:pt x="1752" y="1169"/>
+                  </a:moveTo>
+                  <a:cubicBezTo>
+                    <a:pt x="2038" y="928"/>
+                    <a:pt x="1673" y="513"/>
+                    <a:pt x="1487" y="334"/>
+                  </a:cubicBezTo>
+                  <a:cubicBezTo>
+                    <a:pt x="1316" y="170"/>
+                    <a:pt x="1099" y="43"/>
+                    <a:pt x="860" y="22"/>
+                  </a:cubicBezTo>
+                  <a:cubicBezTo>
+                    <a:pt x="621" y="0"/>
+                    <a:pt x="341" y="128"/>
+                    <a:pt x="199" y="318"/>
+                  </a:cubicBezTo>
+                  <a:cubicBezTo>
+                    <a:pt x="0" y="586"/>
+                    <a:pt x="184" y="965"/>
+                    <a:pt x="399" y="1165"/>
+                  </a:cubicBezTo>
+                </a:path>
+              </a:pathLst>
+            </a:custGeom>
+            <a:noFill/>
+            <a:ln w="9525" cap="flat">
+              <a:solidFill>
+                <a:schemeClr val="tx1">
+                  <a:alpha val="20000"/>
+                </a:schemeClr>
+              </a:solidFill>
+              <a:prstDash val="solid"/>
+              <a:miter lim="800000"/>
+              <a:headEnd/>
+              <a:tailEnd/>
+            </a:ln>
+            <a:extLst>
+              <a:ext uri="{909E8E84-426E-40DD-AFC4-6F175D3DCCD1}">
+                <a14:hiddenFill xmlns:a14="http://schemas.microsoft.com/office/drawing/2010/main">
+                  <a:solidFill>
+                    <a:srgbClr val="FFFFFF"/>
+                  </a:solidFill>
+                </a14:hiddenFill>
+              </a:ext>
+            </a:extLst>
+          </p:spPr>
+          <p:txBody>
+            <a:bodyPr vert="horz" wrap="square" lIns="91440" tIns="45720" rIns="91440" bIns="45720" numCol="1" anchor="t" anchorCtr="0" compatLnSpc="1">
+              <a:prstTxWarp prst="textNoShape">
+                <a:avLst/>
+              </a:prstTxWarp>
+            </a:bodyPr>
+            <a:lstStyle/>
+            <a:p>
+              <a:endParaRPr lang="en-US"/>
+            </a:p>
+          </p:txBody>
+        </p:sp>
+        <p:sp>
+          <p:nvSpPr>
+            <p:cNvPr id="13" name="Freeform 6">
+              <a:extLst>
+                <a:ext uri="{FF2B5EF4-FFF2-40B4-BE49-F238E27FC236}">
+                  <a16:creationId xmlns:a16="http://schemas.microsoft.com/office/drawing/2014/main" id="{9CFAAF19-B9BE-47B5-AECF-00AFE67B96D8}"/>
+                </a:ext>
+                <a:ext uri="{C183D7F6-B498-43B3-948B-1728B52AA6E4}">
+                  <adec:decorative xmlns:adec="http://schemas.microsoft.com/office/drawing/2017/decorative" val="1"/>
+                </a:ext>
+              </a:extLst>
+            </p:cNvPr>
+            <p:cNvSpPr>
+              <a:spLocks/>
+            </p:cNvSpPr>
+            <p:nvPr>
+              <p:extLst>
+                <p:ext uri="{386F3935-93C4-4BCD-93E2-E3B085C9AB24}">
+                  <p16:designElem xmlns:p16="http://schemas.microsoft.com/office/powerpoint/2015/main" val="1"/>
+                </p:ext>
+              </p:extLst>
+            </p:nvPr>
+          </p:nvSpPr>
+          <p:spPr bwMode="auto">
+            <a:xfrm>
+              <a:off x="670451" y="2018236"/>
+              <a:ext cx="7373938" cy="4848892"/>
+            </a:xfrm>
+            <a:custGeom>
+              <a:avLst/>
+              <a:gdLst>
+                <a:gd name="T0" fmla="*/ 1025 w 1549"/>
+                <a:gd name="T1" fmla="*/ 1016 h 1017"/>
+                <a:gd name="T2" fmla="*/ 1443 w 1549"/>
+                <a:gd name="T3" fmla="*/ 592 h 1017"/>
+                <a:gd name="T4" fmla="*/ 782 w 1549"/>
+                <a:gd name="T5" fmla="*/ 53 h 1017"/>
+                <a:gd name="T6" fmla="*/ 150 w 1549"/>
+                <a:gd name="T7" fmla="*/ 329 h 1017"/>
+                <a:gd name="T8" fmla="*/ 477 w 1549"/>
+                <a:gd name="T9" fmla="*/ 1017 h 1017"/>
+              </a:gdLst>
+              <a:ahLst/>
+              <a:cxnLst>
+                <a:cxn ang="0">
+                  <a:pos x="T0" y="T1"/>
+                </a:cxn>
+                <a:cxn ang="0">
+                  <a:pos x="T2" y="T3"/>
+                </a:cxn>
+                <a:cxn ang="0">
+                  <a:pos x="T4" y="T5"/>
+                </a:cxn>
+                <a:cxn ang="0">
+                  <a:pos x="T6" y="T7"/>
+                </a:cxn>
+                <a:cxn ang="0">
+                  <a:pos x="T8" y="T9"/>
+                </a:cxn>
+              </a:cxnLst>
+              <a:rect l="0" t="0" r="r" b="b"/>
+              <a:pathLst>
+                <a:path w="1549" h="1017">
+                  <a:moveTo>
+                    <a:pt x="1025" y="1016"/>
+                  </a:moveTo>
+                  <a:cubicBezTo>
+                    <a:pt x="1223" y="971"/>
+                    <a:pt x="1549" y="857"/>
+                    <a:pt x="1443" y="592"/>
+                  </a:cubicBezTo>
+                  <a:cubicBezTo>
+                    <a:pt x="1344" y="344"/>
+                    <a:pt x="1041" y="111"/>
+                    <a:pt x="782" y="53"/>
+                  </a:cubicBezTo>
+                  <a:cubicBezTo>
+                    <a:pt x="545" y="0"/>
+                    <a:pt x="275" y="117"/>
+                    <a:pt x="150" y="329"/>
+                  </a:cubicBezTo>
+                  <a:cubicBezTo>
+                    <a:pt x="0" y="584"/>
+                    <a:pt x="243" y="911"/>
+                    <a:pt x="477" y="1017"/>
+                  </a:cubicBezTo>
+                </a:path>
+              </a:pathLst>
+            </a:custGeom>
+            <a:noFill/>
+            <a:ln w="9525" cap="flat">
+              <a:solidFill>
+                <a:schemeClr val="tx1">
+                  <a:alpha val="20000"/>
+                </a:schemeClr>
+              </a:solidFill>
+              <a:prstDash val="solid"/>
+              <a:miter lim="800000"/>
+              <a:headEnd/>
+              <a:tailEnd/>
+            </a:ln>
+            <a:extLst>
+              <a:ext uri="{909E8E84-426E-40DD-AFC4-6F175D3DCCD1}">
+                <a14:hiddenFill xmlns:a14="http://schemas.microsoft.com/office/drawing/2010/main">
+                  <a:solidFill>
+                    <a:srgbClr val="FFFFFF"/>
+                  </a:solidFill>
+                </a14:hiddenFill>
+              </a:ext>
+            </a:extLst>
+          </p:spPr>
+          <p:txBody>
+            <a:bodyPr vert="horz" wrap="square" lIns="91440" tIns="45720" rIns="91440" bIns="45720" numCol="1" anchor="t" anchorCtr="0" compatLnSpc="1">
+              <a:prstTxWarp prst="textNoShape">
+                <a:avLst/>
+              </a:prstTxWarp>
+            </a:bodyPr>
+            <a:lstStyle/>
+            <a:p>
+              <a:endParaRPr lang="en-US"/>
+            </a:p>
+          </p:txBody>
+        </p:sp>
+        <p:sp>
+          <p:nvSpPr>
+            <p:cNvPr id="14" name="Freeform 7">
+              <a:extLst>
+                <a:ext uri="{FF2B5EF4-FFF2-40B4-BE49-F238E27FC236}">
+                  <a16:creationId xmlns:a16="http://schemas.microsoft.com/office/drawing/2014/main" id="{B5671725-D6BB-4C62-8EF4-EC74B1AFE3C6}"/>
+                </a:ext>
+                <a:ext uri="{C183D7F6-B498-43B3-948B-1728B52AA6E4}">
+                  <adec:decorative xmlns:adec="http://schemas.microsoft.com/office/drawing/2017/decorative" val="1"/>
+                </a:ext>
+              </a:extLst>
+            </p:cNvPr>
+            <p:cNvSpPr>
+              <a:spLocks/>
+            </p:cNvSpPr>
+            <p:nvPr>
+              <p:extLst>
+                <p:ext uri="{386F3935-93C4-4BCD-93E2-E3B085C9AB24}">
+                  <p16:designElem xmlns:p16="http://schemas.microsoft.com/office/powerpoint/2015/main" val="1"/>
+                </p:ext>
+              </p:extLst>
+            </p:nvPr>
+          </p:nvSpPr>
+          <p:spPr bwMode="auto">
+            <a:xfrm>
+              <a:off x="251351" y="1788400"/>
+              <a:ext cx="8035925" cy="5083516"/>
+            </a:xfrm>
+            <a:custGeom>
+              <a:avLst/>
+              <a:gdLst>
+                <a:gd name="T0" fmla="*/ 1302 w 1688"/>
+                <a:gd name="T1" fmla="*/ 1066 h 1066"/>
+                <a:gd name="T2" fmla="*/ 1613 w 1688"/>
+                <a:gd name="T3" fmla="*/ 850 h 1066"/>
+                <a:gd name="T4" fmla="*/ 1517 w 1688"/>
+                <a:gd name="T5" fmla="*/ 471 h 1066"/>
+                <a:gd name="T6" fmla="*/ 798 w 1688"/>
+                <a:gd name="T7" fmla="*/ 28 h 1066"/>
+                <a:gd name="T8" fmla="*/ 181 w 1688"/>
+                <a:gd name="T9" fmla="*/ 333 h 1066"/>
+                <a:gd name="T10" fmla="*/ 420 w 1688"/>
+                <a:gd name="T11" fmla="*/ 1066 h 1066"/>
+              </a:gdLst>
+              <a:ahLst/>
+              <a:cxnLst>
+                <a:cxn ang="0">
+                  <a:pos x="T0" y="T1"/>
+                </a:cxn>
+                <a:cxn ang="0">
+                  <a:pos x="T2" y="T3"/>
+                </a:cxn>
+                <a:cxn ang="0">
+                  <a:pos x="T4" y="T5"/>
+                </a:cxn>
+                <a:cxn ang="0">
+                  <a:pos x="T6" y="T7"/>
+                </a:cxn>
+                <a:cxn ang="0">
+                  <a:pos x="T8" y="T9"/>
+                </a:cxn>
+                <a:cxn ang="0">
+                  <a:pos x="T10" y="T11"/>
+                </a:cxn>
+              </a:cxnLst>
+              <a:rect l="0" t="0" r="r" b="b"/>
+              <a:pathLst>
+                <a:path w="1688" h="1066">
+                  <a:moveTo>
+                    <a:pt x="1302" y="1066"/>
+                  </a:moveTo>
+                  <a:cubicBezTo>
+                    <a:pt x="1416" y="1024"/>
+                    <a:pt x="1551" y="962"/>
+                    <a:pt x="1613" y="850"/>
+                  </a:cubicBezTo>
+                  <a:cubicBezTo>
+                    <a:pt x="1688" y="715"/>
+                    <a:pt x="1606" y="575"/>
+                    <a:pt x="1517" y="471"/>
+                  </a:cubicBezTo>
+                  <a:cubicBezTo>
+                    <a:pt x="1336" y="258"/>
+                    <a:pt x="1084" y="62"/>
+                    <a:pt x="798" y="28"/>
+                  </a:cubicBezTo>
+                  <a:cubicBezTo>
+                    <a:pt x="559" y="0"/>
+                    <a:pt x="317" y="138"/>
+                    <a:pt x="181" y="333"/>
+                  </a:cubicBezTo>
+                  <a:cubicBezTo>
+                    <a:pt x="0" y="592"/>
+                    <a:pt x="191" y="907"/>
+                    <a:pt x="420" y="1066"/>
+                  </a:cubicBezTo>
+                </a:path>
+              </a:pathLst>
+            </a:custGeom>
+            <a:noFill/>
+            <a:ln w="9525" cap="flat">
+              <a:solidFill>
+                <a:schemeClr val="tx1">
+                  <a:alpha val="20000"/>
+                </a:schemeClr>
+              </a:solidFill>
+              <a:prstDash val="dash"/>
+              <a:miter lim="800000"/>
+              <a:headEnd/>
+              <a:tailEnd/>
+            </a:ln>
+            <a:extLst>
+              <a:ext uri="{909E8E84-426E-40DD-AFC4-6F175D3DCCD1}">
+                <a14:hiddenFill xmlns:a14="http://schemas.microsoft.com/office/drawing/2010/main">
+                  <a:solidFill>
+                    <a:srgbClr val="FFFFFF"/>
+                  </a:solidFill>
+                </a14:hiddenFill>
+              </a:ext>
+            </a:extLst>
+          </p:spPr>
+          <p:txBody>
+            <a:bodyPr vert="horz" wrap="square" lIns="91440" tIns="45720" rIns="91440" bIns="45720" numCol="1" anchor="t" anchorCtr="0" compatLnSpc="1">
+              <a:prstTxWarp prst="textNoShape">
+                <a:avLst/>
+              </a:prstTxWarp>
+            </a:bodyPr>
+            <a:lstStyle/>
+            <a:p>
+              <a:endParaRPr lang="en-US"/>
+            </a:p>
+          </p:txBody>
+        </p:sp>
+        <p:sp>
+          <p:nvSpPr>
+            <p:cNvPr id="15" name="Freeform 8">
+              <a:extLst>
+                <a:ext uri="{FF2B5EF4-FFF2-40B4-BE49-F238E27FC236}">
+                  <a16:creationId xmlns:a16="http://schemas.microsoft.com/office/drawing/2014/main" id="{85408F1B-C3B2-4B42-B505-09245EEFA9FC}"/>
+                </a:ext>
+                <a:ext uri="{C183D7F6-B498-43B3-948B-1728B52AA6E4}">
+                  <adec:decorative xmlns:adec="http://schemas.microsoft.com/office/drawing/2017/decorative" val="1"/>
+                </a:ext>
+              </a:extLst>
+            </p:cNvPr>
+            <p:cNvSpPr>
+              <a:spLocks/>
+            </p:cNvSpPr>
+            <p:nvPr>
+              <p:extLst>
+                <p:ext uri="{386F3935-93C4-4BCD-93E2-E3B085C9AB24}">
+                  <p16:designElem xmlns:p16="http://schemas.microsoft.com/office/powerpoint/2015/main" val="1"/>
+                </p:ext>
+              </p:extLst>
+            </p:nvPr>
+          </p:nvSpPr>
+          <p:spPr bwMode="auto">
+            <a:xfrm>
+              <a:off x="-1061" y="549842"/>
+              <a:ext cx="10334625" cy="6322075"/>
+            </a:xfrm>
+            <a:custGeom>
+              <a:avLst/>
+              <a:gdLst>
+                <a:gd name="T0" fmla="*/ 1873 w 2171"/>
+                <a:gd name="T1" fmla="*/ 1326 h 1326"/>
+                <a:gd name="T2" fmla="*/ 1609 w 2171"/>
+                <a:gd name="T3" fmla="*/ 473 h 1326"/>
+                <a:gd name="T4" fmla="*/ 880 w 2171"/>
+                <a:gd name="T5" fmla="*/ 63 h 1326"/>
+                <a:gd name="T6" fmla="*/ 0 w 2171"/>
+                <a:gd name="T7" fmla="*/ 423 h 1326"/>
+              </a:gdLst>
+              <a:ahLst/>
+              <a:cxnLst>
+                <a:cxn ang="0">
+                  <a:pos x="T0" y="T1"/>
+                </a:cxn>
+                <a:cxn ang="0">
+                  <a:pos x="T2" y="T3"/>
+                </a:cxn>
+                <a:cxn ang="0">
+                  <a:pos x="T4" y="T5"/>
+                </a:cxn>
+                <a:cxn ang="0">
+                  <a:pos x="T6" y="T7"/>
+                </a:cxn>
+              </a:cxnLst>
+              <a:rect l="0" t="0" r="r" b="b"/>
+              <a:pathLst>
+                <a:path w="2171" h="1326">
+                  <a:moveTo>
+                    <a:pt x="1873" y="1326"/>
+                  </a:moveTo>
+                  <a:cubicBezTo>
+                    <a:pt x="2171" y="1045"/>
+                    <a:pt x="1825" y="678"/>
+                    <a:pt x="1609" y="473"/>
+                  </a:cubicBezTo>
+                  <a:cubicBezTo>
+                    <a:pt x="1406" y="281"/>
+                    <a:pt x="1159" y="116"/>
+                    <a:pt x="880" y="63"/>
+                  </a:cubicBezTo>
+                  <a:cubicBezTo>
+                    <a:pt x="545" y="0"/>
+                    <a:pt x="214" y="161"/>
+                    <a:pt x="0" y="423"/>
+                  </a:cubicBezTo>
+                </a:path>
+              </a:pathLst>
+            </a:custGeom>
+            <a:noFill/>
+            <a:ln w="9525" cap="flat">
+              <a:solidFill>
+                <a:schemeClr val="tx1">
+                  <a:alpha val="20000"/>
+                </a:schemeClr>
+              </a:solidFill>
+              <a:prstDash val="solid"/>
+              <a:miter lim="800000"/>
+              <a:headEnd/>
+              <a:tailEnd/>
+            </a:ln>
+            <a:extLst>
+              <a:ext uri="{909E8E84-426E-40DD-AFC4-6F175D3DCCD1}">
+                <a14:hiddenFill xmlns:a14="http://schemas.microsoft.com/office/drawing/2010/main">
+                  <a:solidFill>
+                    <a:srgbClr val="FFFFFF"/>
+                  </a:solidFill>
+                </a14:hiddenFill>
+              </a:ext>
+            </a:extLst>
+          </p:spPr>
+          <p:txBody>
+            <a:bodyPr vert="horz" wrap="square" lIns="91440" tIns="45720" rIns="91440" bIns="45720" numCol="1" anchor="t" anchorCtr="0" compatLnSpc="1">
+              <a:prstTxWarp prst="textNoShape">
+                <a:avLst/>
+              </a:prstTxWarp>
+            </a:bodyPr>
+            <a:lstStyle/>
+            <a:p>
+              <a:endParaRPr lang="en-US"/>
+            </a:p>
+          </p:txBody>
+        </p:sp>
+        <p:sp>
+          <p:nvSpPr>
+            <p:cNvPr id="16" name="Freeform 9">
+              <a:extLst>
+                <a:ext uri="{FF2B5EF4-FFF2-40B4-BE49-F238E27FC236}">
+                  <a16:creationId xmlns:a16="http://schemas.microsoft.com/office/drawing/2014/main" id="{A1A65905-5364-4A6A-915C-239712B3C208}"/>
+                </a:ext>
+                <a:ext uri="{C183D7F6-B498-43B3-948B-1728B52AA6E4}">
+                  <adec:decorative xmlns:adec="http://schemas.microsoft.com/office/drawing/2017/decorative" val="1"/>
+                </a:ext>
+              </a:extLst>
+            </p:cNvPr>
+            <p:cNvSpPr>
+              <a:spLocks/>
+            </p:cNvSpPr>
+            <p:nvPr>
+              <p:extLst>
+                <p:ext uri="{386F3935-93C4-4BCD-93E2-E3B085C9AB24}">
+                  <p16:designElem xmlns:p16="http://schemas.microsoft.com/office/powerpoint/2015/main" val="1"/>
+                </p:ext>
+              </p:extLst>
+            </p:nvPr>
+          </p:nvSpPr>
+          <p:spPr bwMode="auto">
+            <a:xfrm>
+              <a:off x="3701" y="6186246"/>
+              <a:ext cx="504825" cy="681527"/>
+            </a:xfrm>
+            <a:custGeom>
+              <a:avLst/>
+              <a:gdLst>
+                <a:gd name="T0" fmla="*/ 0 w 106"/>
+                <a:gd name="T1" fmla="*/ 0 h 143"/>
+                <a:gd name="T2" fmla="*/ 106 w 106"/>
+                <a:gd name="T3" fmla="*/ 143 h 143"/>
+              </a:gdLst>
+              <a:ahLst/>
+              <a:cxnLst>
+                <a:cxn ang="0">
+                  <a:pos x="T0" y="T1"/>
+                </a:cxn>
+                <a:cxn ang="0">
+                  <a:pos x="T2" y="T3"/>
+                </a:cxn>
+              </a:cxnLst>
+              <a:rect l="0" t="0" r="r" b="b"/>
+              <a:pathLst>
+                <a:path w="106" h="143">
+                  <a:moveTo>
+                    <a:pt x="0" y="0"/>
+                  </a:moveTo>
+                  <a:cubicBezTo>
+                    <a:pt x="35" y="54"/>
+                    <a:pt x="70" y="101"/>
+                    <a:pt x="106" y="143"/>
+                  </a:cubicBezTo>
+                </a:path>
+              </a:pathLst>
+            </a:custGeom>
+            <a:noFill/>
+            <a:ln w="4763" cap="flat">
+              <a:solidFill>
+                <a:schemeClr val="tx1">
+                  <a:alpha val="20000"/>
+                </a:schemeClr>
+              </a:solidFill>
+              <a:prstDash val="solid"/>
+              <a:miter lim="800000"/>
+              <a:headEnd/>
+              <a:tailEnd/>
+            </a:ln>
+            <a:extLst>
+              <a:ext uri="{909E8E84-426E-40DD-AFC4-6F175D3DCCD1}">
+                <a14:hiddenFill xmlns:a14="http://schemas.microsoft.com/office/drawing/2010/main">
+                  <a:solidFill>
+                    <a:srgbClr val="FFFFFF"/>
+                  </a:solidFill>
+                </a14:hiddenFill>
+              </a:ext>
+            </a:extLst>
+          </p:spPr>
+          <p:txBody>
+            <a:bodyPr vert="horz" wrap="square" lIns="91440" tIns="45720" rIns="91440" bIns="45720" numCol="1" anchor="t" anchorCtr="0" compatLnSpc="1">
+              <a:prstTxWarp prst="textNoShape">
+                <a:avLst/>
+              </a:prstTxWarp>
+            </a:bodyPr>
+            <a:lstStyle/>
+            <a:p>
+              <a:endParaRPr lang="en-US"/>
+            </a:p>
+          </p:txBody>
+        </p:sp>
+        <p:sp>
+          <p:nvSpPr>
+            <p:cNvPr id="17" name="Freeform 10">
+              <a:extLst>
+                <a:ext uri="{FF2B5EF4-FFF2-40B4-BE49-F238E27FC236}">
+                  <a16:creationId xmlns:a16="http://schemas.microsoft.com/office/drawing/2014/main" id="{477DA08E-2769-42B8-82F1-277F97C36CE6}"/>
+                </a:ext>
+                <a:ext uri="{C183D7F6-B498-43B3-948B-1728B52AA6E4}">
+                  <adec:decorative xmlns:adec="http://schemas.microsoft.com/office/drawing/2017/decorative" val="1"/>
+                </a:ext>
+              </a:extLst>
+            </p:cNvPr>
+            <p:cNvSpPr>
+              <a:spLocks/>
+            </p:cNvSpPr>
+            <p:nvPr>
+              <p:extLst>
+                <p:ext uri="{386F3935-93C4-4BCD-93E2-E3B085C9AB24}">
+                  <p16:designElem xmlns:p16="http://schemas.microsoft.com/office/powerpoint/2015/main" val="1"/>
+                </p:ext>
+              </p:extLst>
+            </p:nvPr>
+          </p:nvSpPr>
+          <p:spPr bwMode="auto">
+            <a:xfrm>
+              <a:off x="-1061" y="-51881"/>
+              <a:ext cx="11091863" cy="6923796"/>
+            </a:xfrm>
+            <a:custGeom>
+              <a:avLst/>
+              <a:gdLst>
+                <a:gd name="T0" fmla="*/ 2046 w 2330"/>
+                <a:gd name="T1" fmla="*/ 1452 h 1452"/>
+                <a:gd name="T2" fmla="*/ 1813 w 2330"/>
+                <a:gd name="T3" fmla="*/ 601 h 1452"/>
+                <a:gd name="T4" fmla="*/ 956 w 2330"/>
+                <a:gd name="T5" fmla="*/ 97 h 1452"/>
+                <a:gd name="T6" fmla="*/ 0 w 2330"/>
+                <a:gd name="T7" fmla="*/ 366 h 1452"/>
+              </a:gdLst>
+              <a:ahLst/>
+              <a:cxnLst>
+                <a:cxn ang="0">
+                  <a:pos x="T0" y="T1"/>
+                </a:cxn>
+                <a:cxn ang="0">
+                  <a:pos x="T2" y="T3"/>
+                </a:cxn>
+                <a:cxn ang="0">
+                  <a:pos x="T4" y="T5"/>
+                </a:cxn>
+                <a:cxn ang="0">
+                  <a:pos x="T6" y="T7"/>
+                </a:cxn>
+              </a:cxnLst>
+              <a:rect l="0" t="0" r="r" b="b"/>
+              <a:pathLst>
+                <a:path w="2330" h="1452">
+                  <a:moveTo>
+                    <a:pt x="2046" y="1452"/>
+                  </a:moveTo>
+                  <a:cubicBezTo>
+                    <a:pt x="2330" y="1153"/>
+                    <a:pt x="2049" y="821"/>
+                    <a:pt x="1813" y="601"/>
+                  </a:cubicBezTo>
+                  <a:cubicBezTo>
+                    <a:pt x="1569" y="375"/>
+                    <a:pt x="1282" y="179"/>
+                    <a:pt x="956" y="97"/>
+                  </a:cubicBezTo>
+                  <a:cubicBezTo>
+                    <a:pt x="572" y="0"/>
+                    <a:pt x="292" y="101"/>
+                    <a:pt x="0" y="366"/>
+                  </a:cubicBezTo>
+                </a:path>
+              </a:pathLst>
+            </a:custGeom>
+            <a:noFill/>
+            <a:ln w="9525" cap="flat">
+              <a:solidFill>
+                <a:schemeClr val="tx1">
+                  <a:alpha val="20000"/>
+                </a:schemeClr>
+              </a:solidFill>
+              <a:prstDash val="solid"/>
+              <a:miter lim="800000"/>
+              <a:headEnd/>
+              <a:tailEnd/>
+            </a:ln>
+            <a:extLst>
+              <a:ext uri="{909E8E84-426E-40DD-AFC4-6F175D3DCCD1}">
+                <a14:hiddenFill xmlns:a14="http://schemas.microsoft.com/office/drawing/2010/main">
+                  <a:solidFill>
+                    <a:srgbClr val="FFFFFF"/>
+                  </a:solidFill>
+                </a14:hiddenFill>
+              </a:ext>
+            </a:extLst>
+          </p:spPr>
+          <p:txBody>
+            <a:bodyPr vert="horz" wrap="square" lIns="91440" tIns="45720" rIns="91440" bIns="45720" numCol="1" anchor="t" anchorCtr="0" compatLnSpc="1">
+              <a:prstTxWarp prst="textNoShape">
+                <a:avLst/>
+              </a:prstTxWarp>
+            </a:bodyPr>
+            <a:lstStyle/>
+            <a:p>
+              <a:endParaRPr lang="en-US"/>
+            </a:p>
+          </p:txBody>
+        </p:sp>
+        <p:sp>
+          <p:nvSpPr>
+            <p:cNvPr id="18" name="Freeform 11">
+              <a:extLst>
+                <a:ext uri="{FF2B5EF4-FFF2-40B4-BE49-F238E27FC236}">
+                  <a16:creationId xmlns:a16="http://schemas.microsoft.com/office/drawing/2014/main" id="{475BC664-99BE-4D1B-AD83-F8A22CB4270A}"/>
+                </a:ext>
+                <a:ext uri="{C183D7F6-B498-43B3-948B-1728B52AA6E4}">
+                  <adec:decorative xmlns:adec="http://schemas.microsoft.com/office/drawing/2017/decorative" val="1"/>
+                </a:ext>
+              </a:extLst>
+            </p:cNvPr>
+            <p:cNvSpPr>
+              <a:spLocks/>
+            </p:cNvSpPr>
+            <p:nvPr>
+              <p:extLst>
+                <p:ext uri="{386F3935-93C4-4BCD-93E2-E3B085C9AB24}">
+                  <p16:designElem xmlns:p16="http://schemas.microsoft.com/office/powerpoint/2015/main" val="1"/>
+                </p:ext>
+              </p:extLst>
+            </p:nvPr>
+          </p:nvSpPr>
+          <p:spPr bwMode="auto">
+            <a:xfrm>
+              <a:off x="5426601" y="5579"/>
+              <a:ext cx="5788025" cy="6847184"/>
+            </a:xfrm>
+            <a:custGeom>
+              <a:avLst/>
+              <a:gdLst>
+                <a:gd name="T0" fmla="*/ 1094 w 1216"/>
+                <a:gd name="T1" fmla="*/ 1436 h 1436"/>
+                <a:gd name="T2" fmla="*/ 709 w 1216"/>
+                <a:gd name="T3" fmla="*/ 551 h 1436"/>
+                <a:gd name="T4" fmla="*/ 0 w 1216"/>
+                <a:gd name="T5" fmla="*/ 0 h 1436"/>
+              </a:gdLst>
+              <a:ahLst/>
+              <a:cxnLst>
+                <a:cxn ang="0">
+                  <a:pos x="T0" y="T1"/>
+                </a:cxn>
+                <a:cxn ang="0">
+                  <a:pos x="T2" y="T3"/>
+                </a:cxn>
+                <a:cxn ang="0">
+                  <a:pos x="T4" y="T5"/>
+                </a:cxn>
+              </a:cxnLst>
+              <a:rect l="0" t="0" r="r" b="b"/>
+              <a:pathLst>
+                <a:path w="1216" h="1436">
+                  <a:moveTo>
+                    <a:pt x="1094" y="1436"/>
+                  </a:moveTo>
+                  <a:cubicBezTo>
+                    <a:pt x="1216" y="1114"/>
+                    <a:pt x="904" y="770"/>
+                    <a:pt x="709" y="551"/>
+                  </a:cubicBezTo>
+                  <a:cubicBezTo>
+                    <a:pt x="509" y="327"/>
+                    <a:pt x="274" y="127"/>
+                    <a:pt x="0" y="0"/>
+                  </a:cubicBezTo>
+                </a:path>
+              </a:pathLst>
+            </a:custGeom>
+            <a:noFill/>
+            <a:ln w="9525" cap="flat">
+              <a:solidFill>
+                <a:schemeClr val="tx1">
+                  <a:alpha val="20000"/>
+                </a:schemeClr>
+              </a:solidFill>
+              <a:prstDash val="solid"/>
+              <a:miter lim="800000"/>
+              <a:headEnd/>
+              <a:tailEnd/>
+            </a:ln>
+            <a:extLst>
+              <a:ext uri="{909E8E84-426E-40DD-AFC4-6F175D3DCCD1}">
+                <a14:hiddenFill xmlns:a14="http://schemas.microsoft.com/office/drawing/2010/main">
+                  <a:solidFill>
+                    <a:srgbClr val="FFFFFF"/>
+                  </a:solidFill>
+                </a14:hiddenFill>
+              </a:ext>
+            </a:extLst>
+          </p:spPr>
+          <p:txBody>
+            <a:bodyPr vert="horz" wrap="square" lIns="91440" tIns="45720" rIns="91440" bIns="45720" numCol="1" anchor="t" anchorCtr="0" compatLnSpc="1">
+              <a:prstTxWarp prst="textNoShape">
+                <a:avLst/>
+              </a:prstTxWarp>
+            </a:bodyPr>
+            <a:lstStyle/>
+            <a:p>
+              <a:endParaRPr lang="en-US"/>
+            </a:p>
+          </p:txBody>
+        </p:sp>
+        <p:sp>
+          <p:nvSpPr>
+            <p:cNvPr id="19" name="Freeform 12">
+              <a:extLst>
+                <a:ext uri="{FF2B5EF4-FFF2-40B4-BE49-F238E27FC236}">
+                  <a16:creationId xmlns:a16="http://schemas.microsoft.com/office/drawing/2014/main" id="{B17DF1B4-33DC-477E-B0F8-7F0616389D6A}"/>
+                </a:ext>
+                <a:ext uri="{C183D7F6-B498-43B3-948B-1728B52AA6E4}">
+                  <adec:decorative xmlns:adec="http://schemas.microsoft.com/office/drawing/2017/decorative" val="1"/>
+                </a:ext>
+              </a:extLst>
+            </p:cNvPr>
+            <p:cNvSpPr>
+              <a:spLocks/>
+            </p:cNvSpPr>
+            <p:nvPr>
+              <p:extLst>
+                <p:ext uri="{386F3935-93C4-4BCD-93E2-E3B085C9AB24}">
+                  <p16:designElem xmlns:p16="http://schemas.microsoft.com/office/powerpoint/2015/main" val="1"/>
+                </p:ext>
+              </p:extLst>
+            </p:nvPr>
+          </p:nvSpPr>
+          <p:spPr bwMode="auto">
+            <a:xfrm>
+              <a:off x="-1061" y="5579"/>
+              <a:ext cx="1057275" cy="614491"/>
+            </a:xfrm>
+            <a:custGeom>
+              <a:avLst/>
+              <a:gdLst>
+                <a:gd name="T0" fmla="*/ 222 w 222"/>
+                <a:gd name="T1" fmla="*/ 0 h 129"/>
+                <a:gd name="T2" fmla="*/ 0 w 222"/>
+                <a:gd name="T3" fmla="*/ 129 h 129"/>
+              </a:gdLst>
+              <a:ahLst/>
+              <a:cxnLst>
+                <a:cxn ang="0">
+                  <a:pos x="T0" y="T1"/>
+                </a:cxn>
+                <a:cxn ang="0">
+                  <a:pos x="T2" y="T3"/>
+                </a:cxn>
+              </a:cxnLst>
+              <a:rect l="0" t="0" r="r" b="b"/>
+              <a:pathLst>
+                <a:path w="222" h="129">
+                  <a:moveTo>
+                    <a:pt x="222" y="0"/>
+                  </a:moveTo>
+                  <a:cubicBezTo>
+                    <a:pt x="152" y="35"/>
+                    <a:pt x="76" y="78"/>
+                    <a:pt x="0" y="129"/>
+                  </a:cubicBezTo>
+                </a:path>
+              </a:pathLst>
+            </a:custGeom>
+            <a:noFill/>
+            <a:ln w="9525" cap="flat">
+              <a:solidFill>
+                <a:schemeClr val="tx1">
+                  <a:alpha val="20000"/>
+                </a:schemeClr>
+              </a:solidFill>
+              <a:prstDash val="solid"/>
+              <a:miter lim="800000"/>
+              <a:headEnd/>
+              <a:tailEnd/>
+            </a:ln>
+            <a:extLst>
+              <a:ext uri="{909E8E84-426E-40DD-AFC4-6F175D3DCCD1}">
+                <a14:hiddenFill xmlns:a14="http://schemas.microsoft.com/office/drawing/2010/main">
+                  <a:solidFill>
+                    <a:srgbClr val="FFFFFF"/>
+                  </a:solidFill>
+                </a14:hiddenFill>
+              </a:ext>
+            </a:extLst>
+          </p:spPr>
+          <p:txBody>
+            <a:bodyPr vert="horz" wrap="square" lIns="91440" tIns="45720" rIns="91440" bIns="45720" numCol="1" anchor="t" anchorCtr="0" compatLnSpc="1">
+              <a:prstTxWarp prst="textNoShape">
+                <a:avLst/>
+              </a:prstTxWarp>
+            </a:bodyPr>
+            <a:lstStyle/>
+            <a:p>
+              <a:endParaRPr lang="en-US"/>
+            </a:p>
+          </p:txBody>
+        </p:sp>
+        <p:sp>
+          <p:nvSpPr>
+            <p:cNvPr id="20" name="Freeform 13">
+              <a:extLst>
+                <a:ext uri="{FF2B5EF4-FFF2-40B4-BE49-F238E27FC236}">
+                  <a16:creationId xmlns:a16="http://schemas.microsoft.com/office/drawing/2014/main" id="{A718300D-834E-47DE-A420-9B6194C099B2}"/>
+                </a:ext>
+                <a:ext uri="{C183D7F6-B498-43B3-948B-1728B52AA6E4}">
+                  <adec:decorative xmlns:adec="http://schemas.microsoft.com/office/drawing/2017/decorative" val="1"/>
+                </a:ext>
+              </a:extLst>
+            </p:cNvPr>
+            <p:cNvSpPr>
+              <a:spLocks/>
+            </p:cNvSpPr>
+            <p:nvPr>
+              <p:extLst>
+                <p:ext uri="{386F3935-93C4-4BCD-93E2-E3B085C9AB24}">
+                  <p16:designElem xmlns:p16="http://schemas.microsoft.com/office/powerpoint/2015/main" val="1"/>
+                </p:ext>
+              </p:extLst>
+            </p:nvPr>
+          </p:nvSpPr>
+          <p:spPr bwMode="auto">
+            <a:xfrm>
+              <a:off x="5821889" y="5579"/>
+              <a:ext cx="5588000" cy="6866337"/>
+            </a:xfrm>
+            <a:custGeom>
+              <a:avLst/>
+              <a:gdLst>
+                <a:gd name="T0" fmla="*/ 1067 w 1174"/>
+                <a:gd name="T1" fmla="*/ 1440 h 1440"/>
+                <a:gd name="T2" fmla="*/ 698 w 1174"/>
+                <a:gd name="T3" fmla="*/ 577 h 1440"/>
+                <a:gd name="T4" fmla="*/ 0 w 1174"/>
+                <a:gd name="T5" fmla="*/ 0 h 1440"/>
+              </a:gdLst>
+              <a:ahLst/>
+              <a:cxnLst>
+                <a:cxn ang="0">
+                  <a:pos x="T0" y="T1"/>
+                </a:cxn>
+                <a:cxn ang="0">
+                  <a:pos x="T2" y="T3"/>
+                </a:cxn>
+                <a:cxn ang="0">
+                  <a:pos x="T4" y="T5"/>
+                </a:cxn>
+              </a:cxnLst>
+              <a:rect l="0" t="0" r="r" b="b"/>
+              <a:pathLst>
+                <a:path w="1174" h="1440">
+                  <a:moveTo>
+                    <a:pt x="1067" y="1440"/>
+                  </a:moveTo>
+                  <a:cubicBezTo>
+                    <a:pt x="1174" y="1124"/>
+                    <a:pt x="887" y="797"/>
+                    <a:pt x="698" y="577"/>
+                  </a:cubicBezTo>
+                  <a:cubicBezTo>
+                    <a:pt x="500" y="348"/>
+                    <a:pt x="270" y="141"/>
+                    <a:pt x="0" y="0"/>
+                  </a:cubicBezTo>
+                </a:path>
+              </a:pathLst>
+            </a:custGeom>
+            <a:noFill/>
+            <a:ln w="9525" cap="flat">
+              <a:solidFill>
+                <a:schemeClr val="tx1">
+                  <a:alpha val="20000"/>
+                </a:schemeClr>
+              </a:solidFill>
+              <a:prstDash val="dash"/>
+              <a:miter lim="800000"/>
+              <a:headEnd/>
+              <a:tailEnd/>
+            </a:ln>
+            <a:extLst>
+              <a:ext uri="{909E8E84-426E-40DD-AFC4-6F175D3DCCD1}">
+                <a14:hiddenFill xmlns:a14="http://schemas.microsoft.com/office/drawing/2010/main">
+                  <a:solidFill>
+                    <a:srgbClr val="FFFFFF"/>
+                  </a:solidFill>
+                </a14:hiddenFill>
+              </a:ext>
+            </a:extLst>
+          </p:spPr>
+          <p:txBody>
+            <a:bodyPr vert="horz" wrap="square" lIns="91440" tIns="45720" rIns="91440" bIns="45720" numCol="1" anchor="t" anchorCtr="0" compatLnSpc="1">
+              <a:prstTxWarp prst="textNoShape">
+                <a:avLst/>
+              </a:prstTxWarp>
+            </a:bodyPr>
+            <a:lstStyle/>
+            <a:p>
+              <a:endParaRPr lang="en-US"/>
+            </a:p>
+          </p:txBody>
+        </p:sp>
+        <p:sp>
+          <p:nvSpPr>
+            <p:cNvPr id="21" name="Freeform 14">
+              <a:extLst>
+                <a:ext uri="{FF2B5EF4-FFF2-40B4-BE49-F238E27FC236}">
+                  <a16:creationId xmlns:a16="http://schemas.microsoft.com/office/drawing/2014/main" id="{0FEDFFC9-2CD6-40A3-BC51-3C45AFB2E0EE}"/>
+                </a:ext>
+                <a:ext uri="{C183D7F6-B498-43B3-948B-1728B52AA6E4}">
+                  <adec:decorative xmlns:adec="http://schemas.microsoft.com/office/drawing/2017/decorative" val="1"/>
+                </a:ext>
+              </a:extLst>
+            </p:cNvPr>
+            <p:cNvSpPr>
+              <a:spLocks/>
+            </p:cNvSpPr>
+            <p:nvPr>
+              <p:extLst>
+                <p:ext uri="{386F3935-93C4-4BCD-93E2-E3B085C9AB24}">
+                  <p16:designElem xmlns:p16="http://schemas.microsoft.com/office/powerpoint/2015/main" val="1"/>
+                </p:ext>
+              </p:extLst>
+            </p:nvPr>
+          </p:nvSpPr>
+          <p:spPr bwMode="auto">
+            <a:xfrm>
+              <a:off x="3701" y="790"/>
+              <a:ext cx="595313" cy="352734"/>
+            </a:xfrm>
+            <a:custGeom>
+              <a:avLst/>
+              <a:gdLst>
+                <a:gd name="T0" fmla="*/ 125 w 125"/>
+                <a:gd name="T1" fmla="*/ 0 h 74"/>
+                <a:gd name="T2" fmla="*/ 0 w 125"/>
+                <a:gd name="T3" fmla="*/ 74 h 74"/>
+              </a:gdLst>
+              <a:ahLst/>
+              <a:cxnLst>
+                <a:cxn ang="0">
+                  <a:pos x="T0" y="T1"/>
+                </a:cxn>
+                <a:cxn ang="0">
+                  <a:pos x="T2" y="T3"/>
+                </a:cxn>
+              </a:cxnLst>
+              <a:rect l="0" t="0" r="r" b="b"/>
+              <a:pathLst>
+                <a:path w="125" h="74">
+                  <a:moveTo>
+                    <a:pt x="125" y="0"/>
+                  </a:moveTo>
+                  <a:cubicBezTo>
+                    <a:pt x="85" y="22"/>
+                    <a:pt x="43" y="47"/>
+                    <a:pt x="0" y="74"/>
+                  </a:cubicBezTo>
+                </a:path>
+              </a:pathLst>
+            </a:custGeom>
+            <a:noFill/>
+            <a:ln w="9525" cap="flat">
+              <a:solidFill>
+                <a:schemeClr val="tx1">
+                  <a:alpha val="20000"/>
+                </a:schemeClr>
+              </a:solidFill>
+              <a:prstDash val="dash"/>
+              <a:miter lim="800000"/>
+              <a:headEnd/>
+              <a:tailEnd/>
+            </a:ln>
+            <a:extLst>
+              <a:ext uri="{909E8E84-426E-40DD-AFC4-6F175D3DCCD1}">
+                <a14:hiddenFill xmlns:a14="http://schemas.microsoft.com/office/drawing/2010/main">
+                  <a:solidFill>
+                    <a:srgbClr val="FFFFFF"/>
+                  </a:solidFill>
+                </a14:hiddenFill>
+              </a:ext>
+            </a:extLst>
+          </p:spPr>
+          <p:txBody>
+            <a:bodyPr vert="horz" wrap="square" lIns="91440" tIns="45720" rIns="91440" bIns="45720" numCol="1" anchor="t" anchorCtr="0" compatLnSpc="1">
+              <a:prstTxWarp prst="textNoShape">
+                <a:avLst/>
+              </a:prstTxWarp>
+            </a:bodyPr>
+            <a:lstStyle/>
+            <a:p>
+              <a:endParaRPr lang="en-US"/>
+            </a:p>
+          </p:txBody>
+        </p:sp>
+        <p:sp>
+          <p:nvSpPr>
+            <p:cNvPr id="22" name="Freeform 15">
+              <a:extLst>
+                <a:ext uri="{FF2B5EF4-FFF2-40B4-BE49-F238E27FC236}">
+                  <a16:creationId xmlns:a16="http://schemas.microsoft.com/office/drawing/2014/main" id="{36F1F507-F913-49BA-AF91-741E316DB126}"/>
+                </a:ext>
+                <a:ext uri="{C183D7F6-B498-43B3-948B-1728B52AA6E4}">
+                  <adec:decorative xmlns:adec="http://schemas.microsoft.com/office/drawing/2017/decorative" val="1"/>
+                </a:ext>
+              </a:extLst>
+            </p:cNvPr>
+            <p:cNvSpPr>
+              <a:spLocks/>
+            </p:cNvSpPr>
+            <p:nvPr>
+              <p:extLst>
+                <p:ext uri="{386F3935-93C4-4BCD-93E2-E3B085C9AB24}">
+                  <p16:designElem xmlns:p16="http://schemas.microsoft.com/office/powerpoint/2015/main" val="1"/>
+                </p:ext>
+              </p:extLst>
+            </p:nvPr>
+          </p:nvSpPr>
+          <p:spPr bwMode="auto">
+            <a:xfrm>
+              <a:off x="6012389" y="5579"/>
+              <a:ext cx="5497513" cy="6866337"/>
+            </a:xfrm>
+            <a:custGeom>
+              <a:avLst/>
+              <a:gdLst>
+                <a:gd name="T0" fmla="*/ 1056 w 1155"/>
+                <a:gd name="T1" fmla="*/ 1440 h 1440"/>
+                <a:gd name="T2" fmla="*/ 686 w 1155"/>
+                <a:gd name="T3" fmla="*/ 580 h 1440"/>
+                <a:gd name="T4" fmla="*/ 0 w 1155"/>
+                <a:gd name="T5" fmla="*/ 0 h 1440"/>
+              </a:gdLst>
+              <a:ahLst/>
+              <a:cxnLst>
+                <a:cxn ang="0">
+                  <a:pos x="T0" y="T1"/>
+                </a:cxn>
+                <a:cxn ang="0">
+                  <a:pos x="T2" y="T3"/>
+                </a:cxn>
+                <a:cxn ang="0">
+                  <a:pos x="T4" y="T5"/>
+                </a:cxn>
+              </a:cxnLst>
+              <a:rect l="0" t="0" r="r" b="b"/>
+              <a:pathLst>
+                <a:path w="1155" h="1440">
+                  <a:moveTo>
+                    <a:pt x="1056" y="1440"/>
+                  </a:moveTo>
+                  <a:cubicBezTo>
+                    <a:pt x="1155" y="1123"/>
+                    <a:pt x="875" y="801"/>
+                    <a:pt x="686" y="580"/>
+                  </a:cubicBezTo>
+                  <a:cubicBezTo>
+                    <a:pt x="491" y="352"/>
+                    <a:pt x="264" y="145"/>
+                    <a:pt x="0" y="0"/>
+                  </a:cubicBezTo>
+                </a:path>
+              </a:pathLst>
+            </a:custGeom>
+            <a:noFill/>
+            <a:ln w="12700" cap="flat">
+              <a:solidFill>
+                <a:schemeClr val="tx1">
+                  <a:alpha val="20000"/>
+                </a:schemeClr>
+              </a:solidFill>
+              <a:prstDash val="dashDot"/>
+              <a:miter lim="800000"/>
+              <a:headEnd/>
+              <a:tailEnd/>
+            </a:ln>
+            <a:extLst>
+              <a:ext uri="{909E8E84-426E-40DD-AFC4-6F175D3DCCD1}">
+                <a14:hiddenFill xmlns:a14="http://schemas.microsoft.com/office/drawing/2010/main">
+                  <a:solidFill>
+                    <a:srgbClr val="FFFFFF"/>
+                  </a:solidFill>
+                </a14:hiddenFill>
+              </a:ext>
+            </a:extLst>
+          </p:spPr>
+          <p:txBody>
+            <a:bodyPr vert="horz" wrap="square" lIns="91440" tIns="45720" rIns="91440" bIns="45720" numCol="1" anchor="t" anchorCtr="0" compatLnSpc="1">
+              <a:prstTxWarp prst="textNoShape">
+                <a:avLst/>
+              </a:prstTxWarp>
+            </a:bodyPr>
+            <a:lstStyle/>
+            <a:p>
+              <a:endParaRPr lang="en-US"/>
+            </a:p>
+          </p:txBody>
+        </p:sp>
+        <p:sp>
+          <p:nvSpPr>
+            <p:cNvPr id="23" name="Freeform 16">
+              <a:extLst>
+                <a:ext uri="{FF2B5EF4-FFF2-40B4-BE49-F238E27FC236}">
+                  <a16:creationId xmlns:a16="http://schemas.microsoft.com/office/drawing/2014/main" id="{020D8C67-DBF5-4A09-B3D9-0C1AC7DD3DE7}"/>
+                </a:ext>
+                <a:ext uri="{C183D7F6-B498-43B3-948B-1728B52AA6E4}">
+                  <adec:decorative xmlns:adec="http://schemas.microsoft.com/office/drawing/2017/decorative" val="1"/>
+                </a:ext>
+              </a:extLst>
+            </p:cNvPr>
+            <p:cNvSpPr>
+              <a:spLocks/>
+            </p:cNvSpPr>
+            <p:nvPr>
+              <p:extLst>
+                <p:ext uri="{386F3935-93C4-4BCD-93E2-E3B085C9AB24}">
+                  <p16:designElem xmlns:p16="http://schemas.microsoft.com/office/powerpoint/2015/main" val="1"/>
+                </p:ext>
+              </p:extLst>
+            </p:nvPr>
+          </p:nvSpPr>
+          <p:spPr bwMode="auto">
+            <a:xfrm>
+              <a:off x="-1061" y="5579"/>
+              <a:ext cx="357188" cy="213875"/>
+            </a:xfrm>
+            <a:custGeom>
+              <a:avLst/>
+              <a:gdLst>
+                <a:gd name="T0" fmla="*/ 75 w 75"/>
+                <a:gd name="T1" fmla="*/ 0 h 45"/>
+                <a:gd name="T2" fmla="*/ 0 w 75"/>
+                <a:gd name="T3" fmla="*/ 45 h 45"/>
+              </a:gdLst>
+              <a:ahLst/>
+              <a:cxnLst>
+                <a:cxn ang="0">
+                  <a:pos x="T0" y="T1"/>
+                </a:cxn>
+                <a:cxn ang="0">
+                  <a:pos x="T2" y="T3"/>
+                </a:cxn>
+              </a:cxnLst>
+              <a:rect l="0" t="0" r="r" b="b"/>
+              <a:pathLst>
+                <a:path w="75" h="45">
+                  <a:moveTo>
+                    <a:pt x="75" y="0"/>
+                  </a:moveTo>
+                  <a:cubicBezTo>
+                    <a:pt x="50" y="14"/>
+                    <a:pt x="25" y="29"/>
+                    <a:pt x="0" y="45"/>
+                  </a:cubicBezTo>
+                </a:path>
+              </a:pathLst>
+            </a:custGeom>
+            <a:noFill/>
+            <a:ln w="12700" cap="flat">
+              <a:solidFill>
+                <a:schemeClr val="tx1">
+                  <a:alpha val="20000"/>
+                </a:schemeClr>
+              </a:solidFill>
+              <a:prstDash val="dashDot"/>
+              <a:miter lim="800000"/>
+              <a:headEnd/>
+              <a:tailEnd/>
+            </a:ln>
+            <a:extLst>
+              <a:ext uri="{909E8E84-426E-40DD-AFC4-6F175D3DCCD1}">
+                <a14:hiddenFill xmlns:a14="http://schemas.microsoft.com/office/drawing/2010/main">
+                  <a:solidFill>
+                    <a:srgbClr val="FFFFFF"/>
+                  </a:solidFill>
+                </a14:hiddenFill>
+              </a:ext>
+            </a:extLst>
+          </p:spPr>
+          <p:txBody>
+            <a:bodyPr vert="horz" wrap="square" lIns="91440" tIns="45720" rIns="91440" bIns="45720" numCol="1" anchor="t" anchorCtr="0" compatLnSpc="1">
+              <a:prstTxWarp prst="textNoShape">
+                <a:avLst/>
+              </a:prstTxWarp>
+            </a:bodyPr>
+            <a:lstStyle/>
+            <a:p>
+              <a:endParaRPr lang="en-US"/>
+            </a:p>
+          </p:txBody>
+        </p:sp>
+        <p:sp>
+          <p:nvSpPr>
+            <p:cNvPr id="24" name="Freeform 17">
+              <a:extLst>
+                <a:ext uri="{FF2B5EF4-FFF2-40B4-BE49-F238E27FC236}">
+                  <a16:creationId xmlns:a16="http://schemas.microsoft.com/office/drawing/2014/main" id="{443F0954-3A02-4281-BECE-13D9207169FB}"/>
+                </a:ext>
+                <a:ext uri="{C183D7F6-B498-43B3-948B-1728B52AA6E4}">
+                  <adec:decorative xmlns:adec="http://schemas.microsoft.com/office/drawing/2017/decorative" val="1"/>
+                </a:ext>
+              </a:extLst>
+            </p:cNvPr>
+            <p:cNvSpPr>
+              <a:spLocks/>
+            </p:cNvSpPr>
+            <p:nvPr>
+              <p:extLst>
+                <p:ext uri="{386F3935-93C4-4BCD-93E2-E3B085C9AB24}">
+                  <p16:designElem xmlns:p16="http://schemas.microsoft.com/office/powerpoint/2015/main" val="1"/>
+                </p:ext>
+              </p:extLst>
+            </p:nvPr>
+          </p:nvSpPr>
+          <p:spPr bwMode="auto">
+            <a:xfrm>
+              <a:off x="6210826" y="790"/>
+              <a:ext cx="5522913" cy="6871126"/>
+            </a:xfrm>
+            <a:custGeom>
+              <a:avLst/>
+              <a:gdLst>
+                <a:gd name="T0" fmla="*/ 1053 w 1160"/>
+                <a:gd name="T1" fmla="*/ 1441 h 1441"/>
+                <a:gd name="T2" fmla="*/ 705 w 1160"/>
+                <a:gd name="T3" fmla="*/ 599 h 1441"/>
+                <a:gd name="T4" fmla="*/ 0 w 1160"/>
+                <a:gd name="T5" fmla="*/ 0 h 1441"/>
+              </a:gdLst>
+              <a:ahLst/>
+              <a:cxnLst>
+                <a:cxn ang="0">
+                  <a:pos x="T0" y="T1"/>
+                </a:cxn>
+                <a:cxn ang="0">
+                  <a:pos x="T2" y="T3"/>
+                </a:cxn>
+                <a:cxn ang="0">
+                  <a:pos x="T4" y="T5"/>
+                </a:cxn>
+              </a:cxnLst>
+              <a:rect l="0" t="0" r="r" b="b"/>
+              <a:pathLst>
+                <a:path w="1160" h="1441">
+                  <a:moveTo>
+                    <a:pt x="1053" y="1441"/>
+                  </a:moveTo>
+                  <a:cubicBezTo>
+                    <a:pt x="1160" y="1129"/>
+                    <a:pt x="892" y="817"/>
+                    <a:pt x="705" y="599"/>
+                  </a:cubicBezTo>
+                  <a:cubicBezTo>
+                    <a:pt x="503" y="365"/>
+                    <a:pt x="270" y="152"/>
+                    <a:pt x="0" y="0"/>
+                  </a:cubicBezTo>
+                </a:path>
+              </a:pathLst>
+            </a:custGeom>
+            <a:noFill/>
+            <a:ln w="9525" cap="flat">
+              <a:solidFill>
+                <a:schemeClr val="tx1">
+                  <a:alpha val="20000"/>
+                </a:schemeClr>
+              </a:solidFill>
+              <a:prstDash val="solid"/>
+              <a:miter lim="800000"/>
+              <a:headEnd/>
+              <a:tailEnd/>
+            </a:ln>
+            <a:extLst>
+              <a:ext uri="{909E8E84-426E-40DD-AFC4-6F175D3DCCD1}">
+                <a14:hiddenFill xmlns:a14="http://schemas.microsoft.com/office/drawing/2010/main">
+                  <a:solidFill>
+                    <a:srgbClr val="FFFFFF"/>
+                  </a:solidFill>
+                </a14:hiddenFill>
+              </a:ext>
+            </a:extLst>
+          </p:spPr>
+          <p:txBody>
+            <a:bodyPr vert="horz" wrap="square" lIns="91440" tIns="45720" rIns="91440" bIns="45720" numCol="1" anchor="t" anchorCtr="0" compatLnSpc="1">
+              <a:prstTxWarp prst="textNoShape">
+                <a:avLst/>
+              </a:prstTxWarp>
+            </a:bodyPr>
+            <a:lstStyle/>
+            <a:p>
+              <a:endParaRPr lang="en-US"/>
+            </a:p>
+          </p:txBody>
+        </p:sp>
+        <p:sp>
+          <p:nvSpPr>
+            <p:cNvPr id="25" name="Freeform 18">
+              <a:extLst>
+                <a:ext uri="{FF2B5EF4-FFF2-40B4-BE49-F238E27FC236}">
+                  <a16:creationId xmlns:a16="http://schemas.microsoft.com/office/drawing/2014/main" id="{7A4CDC48-BF64-44F6-A506-143A67522705}"/>
+                </a:ext>
+                <a:ext uri="{C183D7F6-B498-43B3-948B-1728B52AA6E4}">
+                  <adec:decorative xmlns:adec="http://schemas.microsoft.com/office/drawing/2017/decorative" val="1"/>
+                </a:ext>
+              </a:extLst>
+            </p:cNvPr>
+            <p:cNvSpPr>
+              <a:spLocks/>
+            </p:cNvSpPr>
+            <p:nvPr>
+              <p:extLst>
+                <p:ext uri="{386F3935-93C4-4BCD-93E2-E3B085C9AB24}">
+                  <p16:designElem xmlns:p16="http://schemas.microsoft.com/office/powerpoint/2015/main" val="1"/>
+                </p:ext>
+              </p:extLst>
+            </p:nvPr>
+          </p:nvSpPr>
+          <p:spPr bwMode="auto">
+            <a:xfrm>
+              <a:off x="6463239" y="5579"/>
+              <a:ext cx="5413375" cy="6866337"/>
+            </a:xfrm>
+            <a:custGeom>
+              <a:avLst/>
+              <a:gdLst>
+                <a:gd name="T0" fmla="*/ 1040 w 1137"/>
+                <a:gd name="T1" fmla="*/ 1440 h 1440"/>
+                <a:gd name="T2" fmla="*/ 698 w 1137"/>
+                <a:gd name="T3" fmla="*/ 611 h 1440"/>
+                <a:gd name="T4" fmla="*/ 0 w 1137"/>
+                <a:gd name="T5" fmla="*/ 0 h 1440"/>
+              </a:gdLst>
+              <a:ahLst/>
+              <a:cxnLst>
+                <a:cxn ang="0">
+                  <a:pos x="T0" y="T1"/>
+                </a:cxn>
+                <a:cxn ang="0">
+                  <a:pos x="T2" y="T3"/>
+                </a:cxn>
+                <a:cxn ang="0">
+                  <a:pos x="T4" y="T5"/>
+                </a:cxn>
+              </a:cxnLst>
+              <a:rect l="0" t="0" r="r" b="b"/>
+              <a:pathLst>
+                <a:path w="1137" h="1440">
+                  <a:moveTo>
+                    <a:pt x="1040" y="1440"/>
+                  </a:moveTo>
+                  <a:cubicBezTo>
+                    <a:pt x="1137" y="1131"/>
+                    <a:pt x="883" y="828"/>
+                    <a:pt x="698" y="611"/>
+                  </a:cubicBezTo>
+                  <a:cubicBezTo>
+                    <a:pt x="498" y="375"/>
+                    <a:pt x="268" y="159"/>
+                    <a:pt x="0" y="0"/>
+                  </a:cubicBezTo>
+                </a:path>
+              </a:pathLst>
+            </a:custGeom>
+            <a:noFill/>
+            <a:ln w="9525" cap="flat">
+              <a:solidFill>
+                <a:schemeClr val="tx1">
+                  <a:alpha val="20000"/>
+                </a:schemeClr>
+              </a:solidFill>
+              <a:prstDash val="solid"/>
+              <a:miter lim="800000"/>
+              <a:headEnd/>
+              <a:tailEnd/>
+            </a:ln>
+            <a:extLst>
+              <a:ext uri="{909E8E84-426E-40DD-AFC4-6F175D3DCCD1}">
+                <a14:hiddenFill xmlns:a14="http://schemas.microsoft.com/office/drawing/2010/main">
+                  <a:solidFill>
+                    <a:srgbClr val="FFFFFF"/>
+                  </a:solidFill>
+                </a14:hiddenFill>
+              </a:ext>
+            </a:extLst>
+          </p:spPr>
+          <p:txBody>
+            <a:bodyPr vert="horz" wrap="square" lIns="91440" tIns="45720" rIns="91440" bIns="45720" numCol="1" anchor="t" anchorCtr="0" compatLnSpc="1">
+              <a:prstTxWarp prst="textNoShape">
+                <a:avLst/>
+              </a:prstTxWarp>
+            </a:bodyPr>
+            <a:lstStyle/>
+            <a:p>
+              <a:endParaRPr lang="en-US"/>
+            </a:p>
+          </p:txBody>
+        </p:sp>
+        <p:sp>
+          <p:nvSpPr>
+            <p:cNvPr id="26" name="Freeform 19">
+              <a:extLst>
+                <a:ext uri="{FF2B5EF4-FFF2-40B4-BE49-F238E27FC236}">
+                  <a16:creationId xmlns:a16="http://schemas.microsoft.com/office/drawing/2014/main" id="{0EA93656-B317-4917-9F52-516CFCBAEB99}"/>
+                </a:ext>
+                <a:ext uri="{C183D7F6-B498-43B3-948B-1728B52AA6E4}">
+                  <adec:decorative xmlns:adec="http://schemas.microsoft.com/office/drawing/2017/decorative" val="1"/>
+                </a:ext>
+              </a:extLst>
+            </p:cNvPr>
+            <p:cNvSpPr>
+              <a:spLocks/>
+            </p:cNvSpPr>
+            <p:nvPr>
+              <p:extLst>
+                <p:ext uri="{386F3935-93C4-4BCD-93E2-E3B085C9AB24}">
+                  <p16:designElem xmlns:p16="http://schemas.microsoft.com/office/powerpoint/2015/main" val="1"/>
+                </p:ext>
+              </p:extLst>
+            </p:nvPr>
+          </p:nvSpPr>
+          <p:spPr bwMode="auto">
+            <a:xfrm>
+              <a:off x="6877576" y="5579"/>
+              <a:ext cx="5037138" cy="6861550"/>
+            </a:xfrm>
+            <a:custGeom>
+              <a:avLst/>
+              <a:gdLst>
+                <a:gd name="T0" fmla="*/ 1011 w 1058"/>
+                <a:gd name="T1" fmla="*/ 1439 h 1439"/>
+                <a:gd name="T2" fmla="*/ 648 w 1058"/>
+                <a:gd name="T3" fmla="*/ 617 h 1439"/>
+                <a:gd name="T4" fmla="*/ 0 w 1058"/>
+                <a:gd name="T5" fmla="*/ 0 h 1439"/>
+              </a:gdLst>
+              <a:ahLst/>
+              <a:cxnLst>
+                <a:cxn ang="0">
+                  <a:pos x="T0" y="T1"/>
+                </a:cxn>
+                <a:cxn ang="0">
+                  <a:pos x="T2" y="T3"/>
+                </a:cxn>
+                <a:cxn ang="0">
+                  <a:pos x="T4" y="T5"/>
+                </a:cxn>
+              </a:cxnLst>
+              <a:rect l="0" t="0" r="r" b="b"/>
+              <a:pathLst>
+                <a:path w="1058" h="1439">
+                  <a:moveTo>
+                    <a:pt x="1011" y="1439"/>
+                  </a:moveTo>
+                  <a:cubicBezTo>
+                    <a:pt x="1058" y="1131"/>
+                    <a:pt x="825" y="841"/>
+                    <a:pt x="648" y="617"/>
+                  </a:cubicBezTo>
+                  <a:cubicBezTo>
+                    <a:pt x="462" y="383"/>
+                    <a:pt x="248" y="168"/>
+                    <a:pt x="0" y="0"/>
+                  </a:cubicBezTo>
+                </a:path>
+              </a:pathLst>
+            </a:custGeom>
+            <a:noFill/>
+            <a:ln w="9525" cap="flat">
+              <a:solidFill>
+                <a:schemeClr val="tx1">
+                  <a:alpha val="20000"/>
+                </a:schemeClr>
+              </a:solidFill>
+              <a:prstDash val="solid"/>
+              <a:miter lim="800000"/>
+              <a:headEnd/>
+              <a:tailEnd/>
+            </a:ln>
+            <a:extLst>
+              <a:ext uri="{909E8E84-426E-40DD-AFC4-6F175D3DCCD1}">
+                <a14:hiddenFill xmlns:a14="http://schemas.microsoft.com/office/drawing/2010/main">
+                  <a:solidFill>
+                    <a:srgbClr val="FFFFFF"/>
+                  </a:solidFill>
+                </a14:hiddenFill>
+              </a:ext>
+            </a:extLst>
+          </p:spPr>
+          <p:txBody>
+            <a:bodyPr vert="horz" wrap="square" lIns="91440" tIns="45720" rIns="91440" bIns="45720" numCol="1" anchor="t" anchorCtr="0" compatLnSpc="1">
+              <a:prstTxWarp prst="textNoShape">
+                <a:avLst/>
+              </a:prstTxWarp>
+            </a:bodyPr>
+            <a:lstStyle/>
+            <a:p>
+              <a:endParaRPr lang="en-US"/>
+            </a:p>
+          </p:txBody>
+        </p:sp>
+        <p:sp>
+          <p:nvSpPr>
+            <p:cNvPr id="27" name="Freeform 20">
+              <a:extLst>
+                <a:ext uri="{FF2B5EF4-FFF2-40B4-BE49-F238E27FC236}">
+                  <a16:creationId xmlns:a16="http://schemas.microsoft.com/office/drawing/2014/main" id="{A8EF3B4A-DDF8-4CA3-A7B2-F17D8ADF1DEF}"/>
+                </a:ext>
+                <a:ext uri="{C183D7F6-B498-43B3-948B-1728B52AA6E4}">
+                  <adec:decorative xmlns:adec="http://schemas.microsoft.com/office/drawing/2017/decorative" val="1"/>
+                </a:ext>
+              </a:extLst>
+            </p:cNvPr>
+            <p:cNvSpPr>
+              <a:spLocks/>
+            </p:cNvSpPr>
+            <p:nvPr>
+              <p:extLst>
+                <p:ext uri="{386F3935-93C4-4BCD-93E2-E3B085C9AB24}">
+                  <p16:designElem xmlns:p16="http://schemas.microsoft.com/office/powerpoint/2015/main" val="1"/>
+                </p:ext>
+              </p:extLst>
+            </p:nvPr>
+          </p:nvSpPr>
+          <p:spPr bwMode="auto">
+            <a:xfrm>
+              <a:off x="8768289" y="5579"/>
+              <a:ext cx="3417888" cy="2742066"/>
+            </a:xfrm>
+            <a:custGeom>
+              <a:avLst/>
+              <a:gdLst>
+                <a:gd name="T0" fmla="*/ 718 w 718"/>
+                <a:gd name="T1" fmla="*/ 575 h 575"/>
+                <a:gd name="T2" fmla="*/ 0 w 718"/>
+                <a:gd name="T3" fmla="*/ 0 h 575"/>
+              </a:gdLst>
+              <a:ahLst/>
+              <a:cxnLst>
+                <a:cxn ang="0">
+                  <a:pos x="T0" y="T1"/>
+                </a:cxn>
+                <a:cxn ang="0">
+                  <a:pos x="T2" y="T3"/>
+                </a:cxn>
+              </a:cxnLst>
+              <a:rect l="0" t="0" r="r" b="b"/>
+              <a:pathLst>
+                <a:path w="718" h="575">
+                  <a:moveTo>
+                    <a:pt x="718" y="575"/>
+                  </a:moveTo>
+                  <a:cubicBezTo>
+                    <a:pt x="500" y="360"/>
+                    <a:pt x="260" y="163"/>
+                    <a:pt x="0" y="0"/>
+                  </a:cubicBezTo>
+                </a:path>
+              </a:pathLst>
+            </a:custGeom>
+            <a:noFill/>
+            <a:ln w="9525" cap="flat">
+              <a:solidFill>
+                <a:schemeClr val="tx1">
+                  <a:alpha val="20000"/>
+                </a:schemeClr>
+              </a:solidFill>
+              <a:prstDash val="solid"/>
+              <a:miter lim="800000"/>
+              <a:headEnd/>
+              <a:tailEnd/>
+            </a:ln>
+            <a:extLst>
+              <a:ext uri="{909E8E84-426E-40DD-AFC4-6F175D3DCCD1}">
+                <a14:hiddenFill xmlns:a14="http://schemas.microsoft.com/office/drawing/2010/main">
+                  <a:solidFill>
+                    <a:srgbClr val="FFFFFF"/>
+                  </a:solidFill>
+                </a14:hiddenFill>
+              </a:ext>
+            </a:extLst>
+          </p:spPr>
+          <p:txBody>
+            <a:bodyPr vert="horz" wrap="square" lIns="91440" tIns="45720" rIns="91440" bIns="45720" numCol="1" anchor="t" anchorCtr="0" compatLnSpc="1">
+              <a:prstTxWarp prst="textNoShape">
+                <a:avLst/>
+              </a:prstTxWarp>
+            </a:bodyPr>
+            <a:lstStyle/>
+            <a:p>
+              <a:endParaRPr lang="en-US"/>
+            </a:p>
+          </p:txBody>
+        </p:sp>
+        <p:sp>
+          <p:nvSpPr>
+            <p:cNvPr id="28" name="Freeform 21">
+              <a:extLst>
+                <a:ext uri="{FF2B5EF4-FFF2-40B4-BE49-F238E27FC236}">
+                  <a16:creationId xmlns:a16="http://schemas.microsoft.com/office/drawing/2014/main" id="{CB558A80-8ADC-4830-B93A-45A1A07B90EA}"/>
+                </a:ext>
+                <a:ext uri="{C183D7F6-B498-43B3-948B-1728B52AA6E4}">
+                  <adec:decorative xmlns:adec="http://schemas.microsoft.com/office/drawing/2017/decorative" val="1"/>
+                </a:ext>
+              </a:extLst>
+            </p:cNvPr>
+            <p:cNvSpPr>
+              <a:spLocks/>
+            </p:cNvSpPr>
+            <p:nvPr>
+              <p:extLst>
+                <p:ext uri="{386F3935-93C4-4BCD-93E2-E3B085C9AB24}">
+                  <p16:designElem xmlns:p16="http://schemas.microsoft.com/office/powerpoint/2015/main" val="1"/>
+                </p:ext>
+              </p:extLst>
+            </p:nvPr>
+          </p:nvSpPr>
+          <p:spPr bwMode="auto">
+            <a:xfrm>
+              <a:off x="9235014" y="10367"/>
+              <a:ext cx="2951163" cy="2555325"/>
+            </a:xfrm>
+            <a:custGeom>
+              <a:avLst/>
+              <a:gdLst>
+                <a:gd name="T0" fmla="*/ 620 w 620"/>
+                <a:gd name="T1" fmla="*/ 536 h 536"/>
+                <a:gd name="T2" fmla="*/ 0 w 620"/>
+                <a:gd name="T3" fmla="*/ 0 h 536"/>
+              </a:gdLst>
+              <a:ahLst/>
+              <a:cxnLst>
+                <a:cxn ang="0">
+                  <a:pos x="T0" y="T1"/>
+                </a:cxn>
+                <a:cxn ang="0">
+                  <a:pos x="T2" y="T3"/>
+                </a:cxn>
+              </a:cxnLst>
+              <a:rect l="0" t="0" r="r" b="b"/>
+              <a:pathLst>
+                <a:path w="620" h="536">
+                  <a:moveTo>
+                    <a:pt x="620" y="536"/>
+                  </a:moveTo>
+                  <a:cubicBezTo>
+                    <a:pt x="404" y="314"/>
+                    <a:pt x="196" y="138"/>
+                    <a:pt x="0" y="0"/>
+                  </a:cubicBezTo>
+                </a:path>
+              </a:pathLst>
+            </a:custGeom>
+            <a:noFill/>
+            <a:ln w="9525" cap="flat">
+              <a:solidFill>
+                <a:schemeClr val="tx1">
+                  <a:alpha val="20000"/>
+                </a:schemeClr>
+              </a:solidFill>
+              <a:prstDash val="solid"/>
+              <a:miter lim="800000"/>
+              <a:headEnd/>
+              <a:tailEnd/>
+            </a:ln>
+            <a:extLst>
+              <a:ext uri="{909E8E84-426E-40DD-AFC4-6F175D3DCCD1}">
+                <a14:hiddenFill xmlns:a14="http://schemas.microsoft.com/office/drawing/2010/main">
+                  <a:solidFill>
+                    <a:srgbClr val="FFFFFF"/>
+                  </a:solidFill>
+                </a14:hiddenFill>
+              </a:ext>
+            </a:extLst>
+          </p:spPr>
+          <p:txBody>
+            <a:bodyPr vert="horz" wrap="square" lIns="91440" tIns="45720" rIns="91440" bIns="45720" numCol="1" anchor="t" anchorCtr="0" compatLnSpc="1">
+              <a:prstTxWarp prst="textNoShape">
+                <a:avLst/>
+              </a:prstTxWarp>
+            </a:bodyPr>
+            <a:lstStyle/>
+            <a:p>
+              <a:endParaRPr lang="en-US"/>
+            </a:p>
+          </p:txBody>
+        </p:sp>
+        <p:sp>
+          <p:nvSpPr>
+            <p:cNvPr id="29" name="Freeform 22">
+              <a:extLst>
+                <a:ext uri="{FF2B5EF4-FFF2-40B4-BE49-F238E27FC236}">
+                  <a16:creationId xmlns:a16="http://schemas.microsoft.com/office/drawing/2014/main" id="{9604B258-A077-41B3-B1C0-60C32EB3CCAE}"/>
+                </a:ext>
+                <a:ext uri="{C183D7F6-B498-43B3-948B-1728B52AA6E4}">
+                  <adec:decorative xmlns:adec="http://schemas.microsoft.com/office/drawing/2017/decorative" val="1"/>
+                </a:ext>
+              </a:extLst>
+            </p:cNvPr>
+            <p:cNvSpPr>
+              <a:spLocks/>
+            </p:cNvSpPr>
+            <p:nvPr>
+              <p:extLst>
+                <p:ext uri="{386F3935-93C4-4BCD-93E2-E3B085C9AB24}">
+                  <p16:designElem xmlns:p16="http://schemas.microsoft.com/office/powerpoint/2015/main" val="1"/>
+                </p:ext>
+              </p:extLst>
+            </p:nvPr>
+          </p:nvSpPr>
+          <p:spPr bwMode="auto">
+            <a:xfrm>
+              <a:off x="10020826" y="5579"/>
+              <a:ext cx="2165350" cy="1358265"/>
+            </a:xfrm>
+            <a:custGeom>
+              <a:avLst/>
+              <a:gdLst>
+                <a:gd name="T0" fmla="*/ 0 w 455"/>
+                <a:gd name="T1" fmla="*/ 0 h 285"/>
+                <a:gd name="T2" fmla="*/ 455 w 455"/>
+                <a:gd name="T3" fmla="*/ 285 h 285"/>
+              </a:gdLst>
+              <a:ahLst/>
+              <a:cxnLst>
+                <a:cxn ang="0">
+                  <a:pos x="T0" y="T1"/>
+                </a:cxn>
+                <a:cxn ang="0">
+                  <a:pos x="T2" y="T3"/>
+                </a:cxn>
+              </a:cxnLst>
+              <a:rect l="0" t="0" r="r" b="b"/>
+              <a:pathLst>
+                <a:path w="455" h="285">
+                  <a:moveTo>
+                    <a:pt x="0" y="0"/>
+                  </a:moveTo>
+                  <a:cubicBezTo>
+                    <a:pt x="153" y="85"/>
+                    <a:pt x="308" y="180"/>
+                    <a:pt x="455" y="285"/>
+                  </a:cubicBezTo>
+                </a:path>
+              </a:pathLst>
+            </a:custGeom>
+            <a:noFill/>
+            <a:ln w="9525" cap="flat">
+              <a:solidFill>
+                <a:schemeClr val="tx1">
+                  <a:alpha val="20000"/>
+                </a:schemeClr>
+              </a:solidFill>
+              <a:prstDash val="dash"/>
+              <a:miter lim="800000"/>
+              <a:headEnd/>
+              <a:tailEnd/>
+            </a:ln>
+            <a:extLst>
+              <a:ext uri="{909E8E84-426E-40DD-AFC4-6F175D3DCCD1}">
+                <a14:hiddenFill xmlns:a14="http://schemas.microsoft.com/office/drawing/2010/main">
+                  <a:solidFill>
+                    <a:srgbClr val="FFFFFF"/>
+                  </a:solidFill>
+                </a14:hiddenFill>
+              </a:ext>
+            </a:extLst>
+          </p:spPr>
+          <p:txBody>
+            <a:bodyPr vert="horz" wrap="square" lIns="91440" tIns="45720" rIns="91440" bIns="45720" numCol="1" anchor="t" anchorCtr="0" compatLnSpc="1">
+              <a:prstTxWarp prst="textNoShape">
+                <a:avLst/>
+              </a:prstTxWarp>
+            </a:bodyPr>
+            <a:lstStyle/>
+            <a:p>
+              <a:endParaRPr lang="en-US"/>
+            </a:p>
+          </p:txBody>
+        </p:sp>
+        <p:sp>
+          <p:nvSpPr>
+            <p:cNvPr id="30" name="Freeform 23">
+              <a:extLst>
+                <a:ext uri="{FF2B5EF4-FFF2-40B4-BE49-F238E27FC236}">
+                  <a16:creationId xmlns:a16="http://schemas.microsoft.com/office/drawing/2014/main" id="{1516A635-08BC-48B0-8B40-85E5656F07C4}"/>
+                </a:ext>
+                <a:ext uri="{C183D7F6-B498-43B3-948B-1728B52AA6E4}">
+                  <adec:decorative xmlns:adec="http://schemas.microsoft.com/office/drawing/2017/decorative" val="1"/>
+                </a:ext>
+              </a:extLst>
+            </p:cNvPr>
+            <p:cNvSpPr>
+              <a:spLocks/>
+            </p:cNvSpPr>
+            <p:nvPr>
+              <p:extLst>
+                <p:ext uri="{386F3935-93C4-4BCD-93E2-E3B085C9AB24}">
+                  <p16:designElem xmlns:p16="http://schemas.microsoft.com/office/powerpoint/2015/main" val="1"/>
+                </p:ext>
+              </p:extLst>
+            </p:nvPr>
+          </p:nvSpPr>
+          <p:spPr bwMode="auto">
+            <a:xfrm>
+              <a:off x="11290826" y="5579"/>
+              <a:ext cx="895350" cy="534687"/>
+            </a:xfrm>
+            <a:custGeom>
+              <a:avLst/>
+              <a:gdLst>
+                <a:gd name="T0" fmla="*/ 0 w 188"/>
+                <a:gd name="T1" fmla="*/ 0 h 112"/>
+                <a:gd name="T2" fmla="*/ 188 w 188"/>
+                <a:gd name="T3" fmla="*/ 112 h 112"/>
+              </a:gdLst>
+              <a:ahLst/>
+              <a:cxnLst>
+                <a:cxn ang="0">
+                  <a:pos x="T0" y="T1"/>
+                </a:cxn>
+                <a:cxn ang="0">
+                  <a:pos x="T2" y="T3"/>
+                </a:cxn>
+              </a:cxnLst>
+              <a:rect l="0" t="0" r="r" b="b"/>
+              <a:pathLst>
+                <a:path w="188" h="112">
+                  <a:moveTo>
+                    <a:pt x="0" y="0"/>
+                  </a:moveTo>
+                  <a:cubicBezTo>
+                    <a:pt x="63" y="36"/>
+                    <a:pt x="126" y="73"/>
+                    <a:pt x="188" y="112"/>
+                  </a:cubicBezTo>
+                </a:path>
+              </a:pathLst>
+            </a:custGeom>
+            <a:noFill/>
+            <a:ln w="9525" cap="flat">
+              <a:solidFill>
+                <a:schemeClr val="tx1">
+                  <a:alpha val="20000"/>
+                </a:schemeClr>
+              </a:solidFill>
+              <a:prstDash val="solid"/>
+              <a:miter lim="800000"/>
+              <a:headEnd/>
+              <a:tailEnd/>
+            </a:ln>
+            <a:extLst>
+              <a:ext uri="{909E8E84-426E-40DD-AFC4-6F175D3DCCD1}">
+                <a14:hiddenFill xmlns:a14="http://schemas.microsoft.com/office/drawing/2010/main">
+                  <a:solidFill>
+                    <a:srgbClr val="FFFFFF"/>
+                  </a:solidFill>
+                </a14:hiddenFill>
+              </a:ext>
+            </a:extLst>
+          </p:spPr>
+          <p:txBody>
+            <a:bodyPr vert="horz" wrap="square" lIns="91440" tIns="45720" rIns="91440" bIns="45720" numCol="1" anchor="t" anchorCtr="0" compatLnSpc="1">
+              <a:prstTxWarp prst="textNoShape">
+                <a:avLst/>
+              </a:prstTxWarp>
+            </a:bodyPr>
+            <a:lstStyle/>
+            <a:p>
+              <a:endParaRPr lang="en-US"/>
+            </a:p>
+          </p:txBody>
+        </p:sp>
+      </p:grpSp>
+      <p:pic>
+        <p:nvPicPr>
+          <p:cNvPr id="5" name="Picture 4" descr="Graphs and plots layered on a blue digital screen">
+            <a:extLst>
+              <a:ext uri="{FF2B5EF4-FFF2-40B4-BE49-F238E27FC236}">
+                <a16:creationId xmlns:a16="http://schemas.microsoft.com/office/drawing/2014/main" id="{9B7DFAC6-7A15-4A3E-9DC3-B92413B3D0D0}"/>
+              </a:ext>
+            </a:extLst>
+          </p:cNvPr>
+          <p:cNvPicPr>
+            <a:picLocks noChangeAspect="1"/>
+          </p:cNvPicPr>
+          <p:nvPr/>
+        </p:nvPicPr>
+        <p:blipFill rotWithShape="1">
+          <a:blip r:embed="rId2"/>
+          <a:srcRect l="23011" r="26275"/>
+          <a:stretch/>
+        </p:blipFill>
+        <p:spPr>
+          <a:xfrm>
+            <a:off x="20" y="227"/>
+            <a:ext cx="4637303" cy="6858000"/>
+          </a:xfrm>
+          <a:prstGeom prst="rect">
+            <a:avLst/>
+          </a:prstGeom>
+          <a:ln w="9525">
+            <a:noFill/>
+          </a:ln>
+        </p:spPr>
+      </p:pic>
+      <p:grpSp>
+        <p:nvGrpSpPr>
+          <p:cNvPr id="32" name="Group 31">
+            <a:extLst>
+              <a:ext uri="{FF2B5EF4-FFF2-40B4-BE49-F238E27FC236}">
+                <a16:creationId xmlns:a16="http://schemas.microsoft.com/office/drawing/2014/main" id="{6EEC57D4-2D2B-48C9-A5CB-AD82F93C6B86}"/>
+              </a:ext>
+              <a:ext uri="{C183D7F6-B498-43B3-948B-1728B52AA6E4}">
+                <adec:decorative xmlns:adec="http://schemas.microsoft.com/office/drawing/2017/decorative" val="1"/>
+              </a:ext>
+            </a:extLst>
+          </p:cNvPr>
+          <p:cNvGrpSpPr>
+            <a:grpSpLocks noGrp="1" noUngrp="1" noRot="1" noChangeAspect="1" noMove="1" noResize="1"/>
+          </p:cNvGrpSpPr>
+          <p:nvPr>
+            <p:extLst>
+              <p:ext uri="{386F3935-93C4-4BCD-93E2-E3B085C9AB24}">
+                <p16:designElem xmlns:p16="http://schemas.microsoft.com/office/powerpoint/2015/main" val="1"/>
+              </p:ext>
+            </p:extLst>
+          </p:nvPr>
+        </p:nvGrpSpPr>
+        <p:grpSpPr>
+          <a:xfrm>
+            <a:off x="5455064" y="1186483"/>
+            <a:ext cx="5941686" cy="4477933"/>
+            <a:chOff x="807084" y="1186483"/>
+            <a:chExt cx="5941686" cy="4477933"/>
+          </a:xfrm>
+        </p:grpSpPr>
+        <p:sp>
+          <p:nvSpPr>
+            <p:cNvPr id="33" name="Rectangle 32">
+              <a:extLst>
+                <a:ext uri="{FF2B5EF4-FFF2-40B4-BE49-F238E27FC236}">
+                  <a16:creationId xmlns:a16="http://schemas.microsoft.com/office/drawing/2014/main" id="{33BF00D7-1037-425A-911E-2F4027EA991F}"/>
+                </a:ext>
+                <a:ext uri="{C183D7F6-B498-43B3-948B-1728B52AA6E4}">
+                  <adec:decorative xmlns:adec="http://schemas.microsoft.com/office/drawing/2017/decorative" val="1"/>
+                </a:ext>
+              </a:extLst>
+            </p:cNvPr>
+            <p:cNvSpPr/>
+            <p:nvPr>
+              <p:extLst>
+                <p:ext uri="{386F3935-93C4-4BCD-93E2-E3B085C9AB24}">
+                  <p16:designElem xmlns:p16="http://schemas.microsoft.com/office/powerpoint/2015/main" val="1"/>
+                </p:ext>
+              </p:extLst>
+            </p:nvPr>
+          </p:nvSpPr>
+          <p:spPr>
+            <a:xfrm>
+              <a:off x="807780" y="1186483"/>
+              <a:ext cx="5940295" cy="716184"/>
+            </a:xfrm>
+            <a:prstGeom prst="rect">
+              <a:avLst/>
+            </a:prstGeom>
+            <a:solidFill>
+              <a:schemeClr val="accent1"/>
+            </a:solidFill>
+            <a:ln>
+              <a:noFill/>
+            </a:ln>
+          </p:spPr>
+          <p:style>
+            <a:lnRef idx="2">
+              <a:schemeClr val="accent1">
+                <a:shade val="50000"/>
+              </a:schemeClr>
+            </a:lnRef>
+            <a:fillRef idx="1">
+              <a:schemeClr val="accent1"/>
+            </a:fillRef>
+            <a:effectRef idx="0">
+              <a:schemeClr val="accent1"/>
+            </a:effectRef>
+            <a:fontRef idx="minor">
+              <a:schemeClr val="lt1"/>
+            </a:fontRef>
+          </p:style>
+          <p:txBody>
+            <a:bodyPr rtlCol="0" anchor="ctr"/>
+            <a:lstStyle/>
+            <a:p>
+              <a:pPr algn="ctr"/>
+              <a:endParaRPr lang="en-US"/>
+            </a:p>
+          </p:txBody>
+        </p:sp>
+        <p:sp>
+          <p:nvSpPr>
+            <p:cNvPr id="34" name="Isosceles Triangle 39">
+              <a:extLst>
+                <a:ext uri="{FF2B5EF4-FFF2-40B4-BE49-F238E27FC236}">
+                  <a16:creationId xmlns:a16="http://schemas.microsoft.com/office/drawing/2014/main" id="{99EECFC4-0EB4-48B1-B30E-E27CE2800C52}"/>
+                </a:ext>
+                <a:ext uri="{C183D7F6-B498-43B3-948B-1728B52AA6E4}">
+                  <adec:decorative xmlns:adec="http://schemas.microsoft.com/office/drawing/2017/decorative" val="1"/>
+                </a:ext>
+              </a:extLst>
+            </p:cNvPr>
+            <p:cNvSpPr/>
+            <p:nvPr>
+              <p:extLst>
+                <p:ext uri="{386F3935-93C4-4BCD-93E2-E3B085C9AB24}">
+                  <p16:designElem xmlns:p16="http://schemas.microsoft.com/office/powerpoint/2015/main" val="1"/>
+                </p:ext>
+              </p:extLst>
+            </p:nvPr>
+          </p:nvSpPr>
+          <p:spPr>
+            <a:xfrm rot="10800000">
+              <a:off x="3574311" y="5313353"/>
+              <a:ext cx="407233" cy="351063"/>
+            </a:xfrm>
+            <a:prstGeom prst="triangle">
+              <a:avLst/>
+            </a:prstGeom>
+            <a:solidFill>
+              <a:schemeClr val="accent1"/>
+            </a:solidFill>
+            <a:ln>
+              <a:noFill/>
+            </a:ln>
+          </p:spPr>
+          <p:style>
+            <a:lnRef idx="2">
+              <a:schemeClr val="accent1">
+                <a:shade val="50000"/>
+              </a:schemeClr>
+            </a:lnRef>
+            <a:fillRef idx="1">
+              <a:schemeClr val="accent1"/>
+            </a:fillRef>
+            <a:effectRef idx="0">
+              <a:schemeClr val="accent1"/>
+            </a:effectRef>
+            <a:fontRef idx="minor">
+              <a:schemeClr val="lt1"/>
+            </a:fontRef>
+          </p:style>
+          <p:txBody>
+            <a:bodyPr rtlCol="0" anchor="ctr"/>
+            <a:lstStyle/>
+            <a:p>
+              <a:pPr algn="ctr"/>
+              <a:endParaRPr lang="en-US"/>
+            </a:p>
+          </p:txBody>
+        </p:sp>
+        <p:sp>
+          <p:nvSpPr>
+            <p:cNvPr id="35" name="Rectangle 34">
+              <a:extLst>
+                <a:ext uri="{FF2B5EF4-FFF2-40B4-BE49-F238E27FC236}">
+                  <a16:creationId xmlns:a16="http://schemas.microsoft.com/office/drawing/2014/main" id="{DE27B61D-D3A1-44ED-B6F4-7C054E621A13}"/>
+                </a:ext>
+                <a:ext uri="{C183D7F6-B498-43B3-948B-1728B52AA6E4}">
+                  <adec:decorative xmlns:adec="http://schemas.microsoft.com/office/drawing/2017/decorative" val="1"/>
+                </a:ext>
+              </a:extLst>
+            </p:cNvPr>
+            <p:cNvSpPr/>
+            <p:nvPr>
+              <p:extLst>
+                <p:ext uri="{386F3935-93C4-4BCD-93E2-E3B085C9AB24}">
+                  <p16:designElem xmlns:p16="http://schemas.microsoft.com/office/powerpoint/2015/main" val="1"/>
+                </p:ext>
+              </p:extLst>
+            </p:nvPr>
+          </p:nvSpPr>
+          <p:spPr>
+            <a:xfrm>
+              <a:off x="807084" y="1991156"/>
+              <a:ext cx="5941686" cy="3322196"/>
+            </a:xfrm>
+            <a:prstGeom prst="rect">
+              <a:avLst/>
+            </a:prstGeom>
+            <a:solidFill>
+              <a:schemeClr val="accent1"/>
+            </a:solidFill>
+            <a:ln>
+              <a:noFill/>
+            </a:ln>
+          </p:spPr>
+          <p:style>
+            <a:lnRef idx="2">
+              <a:schemeClr val="accent1">
+                <a:shade val="50000"/>
+              </a:schemeClr>
+            </a:lnRef>
+            <a:fillRef idx="1">
+              <a:schemeClr val="accent1"/>
+            </a:fillRef>
+            <a:effectRef idx="0">
+              <a:schemeClr val="accent1"/>
+            </a:effectRef>
+            <a:fontRef idx="minor">
+              <a:schemeClr val="lt1"/>
+            </a:fontRef>
+          </p:style>
+          <p:txBody>
+            <a:bodyPr rtlCol="0" anchor="ctr"/>
+            <a:lstStyle/>
+            <a:p>
+              <a:pPr algn="ctr"/>
+              <a:endParaRPr lang="en-US"/>
+            </a:p>
+          </p:txBody>
+        </p:sp>
+      </p:grpSp>
       <p:sp>
         <p:nvSpPr>
           <p:cNvPr id="2" name="Title 1">
@@ -15853,9 +18176,16 @@
             <p:ph type="ctrTitle"/>
           </p:nvPr>
         </p:nvSpPr>
-        <p:spPr/>
+        <p:spPr>
+          <a:xfrm>
+            <a:off x="5543394" y="2075504"/>
+            <a:ext cx="5769989" cy="1748729"/>
+          </a:xfrm>
+        </p:spPr>
         <p:txBody>
-          <a:bodyPr/>
+          <a:bodyPr>
+            <a:normAutofit/>
+          </a:bodyPr>
           <a:lstStyle/>
           <a:p>
             <a:r>
@@ -15881,11 +18211,51 @@
             <p:ph type="subTitle" idx="1"/>
           </p:nvPr>
         </p:nvSpPr>
-        <p:spPr/>
+        <p:spPr>
+          <a:xfrm>
+            <a:off x="5543396" y="3906266"/>
+            <a:ext cx="5769988" cy="1322587"/>
+          </a:xfrm>
+        </p:spPr>
         <p:txBody>
-          <a:bodyPr/>
+          <a:bodyPr>
+            <a:normAutofit/>
+          </a:bodyPr>
           <a:lstStyle/>
           <a:p>
+            <a:r>
+              <a:rPr lang="en-US" dirty="0"/>
+              <a:t>Barry Murthy</a:t>
+            </a:r>
+          </a:p>
+          <a:p>
+            <a:r>
+              <a:rPr lang="en-US" dirty="0" err="1"/>
+              <a:t>Rafal</a:t>
+            </a:r>
+            <a:r>
+              <a:rPr lang="en-US" dirty="0"/>
+              <a:t> </a:t>
+            </a:r>
+            <a:r>
+              <a:rPr lang="en-US" dirty="0" err="1"/>
+              <a:t>Rudzinski</a:t>
+            </a:r>
+            <a:endParaRPr lang="en-US" dirty="0"/>
+          </a:p>
+          <a:p>
+            <a:r>
+              <a:rPr lang="en-US" dirty="0" err="1"/>
+              <a:t>Tamilselvan</a:t>
+            </a:r>
+            <a:r>
+              <a:rPr lang="en-US" dirty="0"/>
+              <a:t> </a:t>
+            </a:r>
+            <a:r>
+              <a:rPr lang="en-US" dirty="0" err="1"/>
+              <a:t>Tamilmani</a:t>
+            </a:r>
             <a:endParaRPr lang="en-US" dirty="0"/>
           </a:p>
         </p:txBody>
@@ -15904,6 +18274,4403 @@
 </file>
 
 <file path=ppt/slides/slide2.xml><?xml version="1.0" encoding="utf-8"?>
+<p:sld xmlns:a="http://schemas.openxmlformats.org/drawingml/2006/main" xmlns:r="http://schemas.openxmlformats.org/officeDocument/2006/relationships" xmlns:p="http://schemas.openxmlformats.org/presentationml/2006/main">
+  <p:cSld>
+    <p:spTree>
+      <p:nvGrpSpPr>
+        <p:cNvPr id="1" name=""/>
+        <p:cNvGrpSpPr/>
+        <p:nvPr/>
+      </p:nvGrpSpPr>
+      <p:grpSpPr>
+        <a:xfrm>
+          <a:off x="0" y="0"/>
+          <a:ext cx="0" cy="0"/>
+          <a:chOff x="0" y="0"/>
+          <a:chExt cx="0" cy="0"/>
+        </a:xfrm>
+      </p:grpSpPr>
+      <p:sp>
+        <p:nvSpPr>
+          <p:cNvPr id="2" name="Title 1">
+            <a:extLst>
+              <a:ext uri="{FF2B5EF4-FFF2-40B4-BE49-F238E27FC236}">
+                <a16:creationId xmlns:a16="http://schemas.microsoft.com/office/drawing/2014/main" id="{8D1EFD3A-8E95-3D4B-98A9-009B56B24584}"/>
+              </a:ext>
+            </a:extLst>
+          </p:cNvPr>
+          <p:cNvSpPr>
+            <a:spLocks noGrp="1"/>
+          </p:cNvSpPr>
+          <p:nvPr>
+            <p:ph type="title"/>
+          </p:nvPr>
+        </p:nvSpPr>
+        <p:spPr/>
+        <p:txBody>
+          <a:bodyPr/>
+          <a:lstStyle/>
+          <a:p>
+            <a:r>
+              <a:rPr lang="en-US" dirty="0"/>
+              <a:t>Agenda</a:t>
+            </a:r>
+          </a:p>
+        </p:txBody>
+      </p:sp>
+      <p:sp>
+        <p:nvSpPr>
+          <p:cNvPr id="3" name="Content Placeholder 2">
+            <a:extLst>
+              <a:ext uri="{FF2B5EF4-FFF2-40B4-BE49-F238E27FC236}">
+                <a16:creationId xmlns:a16="http://schemas.microsoft.com/office/drawing/2014/main" id="{DB48C5D9-4188-7F4C-8089-F0E2C1C5CEE6}"/>
+              </a:ext>
+            </a:extLst>
+          </p:cNvPr>
+          <p:cNvSpPr>
+            <a:spLocks noGrp="1"/>
+          </p:cNvSpPr>
+          <p:nvPr>
+            <p:ph idx="1"/>
+          </p:nvPr>
+        </p:nvSpPr>
+        <p:spPr/>
+        <p:txBody>
+          <a:bodyPr/>
+          <a:lstStyle/>
+          <a:p>
+            <a:r>
+              <a:rPr lang="en-US" dirty="0"/>
+              <a:t>Introduction</a:t>
+            </a:r>
+          </a:p>
+          <a:p>
+            <a:r>
+              <a:rPr lang="en-US" dirty="0"/>
+              <a:t>Objective</a:t>
+            </a:r>
+          </a:p>
+          <a:p>
+            <a:r>
+              <a:rPr lang="en-US" dirty="0"/>
+              <a:t>Data Set </a:t>
+            </a:r>
+          </a:p>
+          <a:p>
+            <a:r>
+              <a:rPr lang="en-US" dirty="0"/>
+              <a:t>Initial Analysis</a:t>
+            </a:r>
+          </a:p>
+        </p:txBody>
+      </p:sp>
+    </p:spTree>
+    <p:extLst>
+      <p:ext uri="{BB962C8B-B14F-4D97-AF65-F5344CB8AC3E}">
+        <p14:creationId xmlns:p14="http://schemas.microsoft.com/office/powerpoint/2010/main" val="606205932"/>
+      </p:ext>
+    </p:extLst>
+  </p:cSld>
+  <p:clrMapOvr>
+    <a:masterClrMapping/>
+  </p:clrMapOvr>
+</p:sld>
+</file>
+
+<file path=ppt/slides/slide3.xml><?xml version="1.0" encoding="utf-8"?>
+<p:sld xmlns:a="http://schemas.openxmlformats.org/drawingml/2006/main" xmlns:r="http://schemas.openxmlformats.org/officeDocument/2006/relationships" xmlns:p="http://schemas.openxmlformats.org/presentationml/2006/main">
+  <p:cSld>
+    <p:spTree>
+      <p:nvGrpSpPr>
+        <p:cNvPr id="1" name=""/>
+        <p:cNvGrpSpPr/>
+        <p:nvPr/>
+      </p:nvGrpSpPr>
+      <p:grpSpPr>
+        <a:xfrm>
+          <a:off x="0" y="0"/>
+          <a:ext cx="0" cy="0"/>
+          <a:chOff x="0" y="0"/>
+          <a:chExt cx="0" cy="0"/>
+        </a:xfrm>
+      </p:grpSpPr>
+      <p:sp>
+        <p:nvSpPr>
+          <p:cNvPr id="2" name="Title 1">
+            <a:extLst>
+              <a:ext uri="{FF2B5EF4-FFF2-40B4-BE49-F238E27FC236}">
+                <a16:creationId xmlns:a16="http://schemas.microsoft.com/office/drawing/2014/main" id="{CF2C0E04-216A-FD42-8E8A-4CDF5FC29DF9}"/>
+              </a:ext>
+            </a:extLst>
+          </p:cNvPr>
+          <p:cNvSpPr>
+            <a:spLocks noGrp="1"/>
+          </p:cNvSpPr>
+          <p:nvPr>
+            <p:ph type="title"/>
+          </p:nvPr>
+        </p:nvSpPr>
+        <p:spPr/>
+        <p:txBody>
+          <a:bodyPr/>
+          <a:lstStyle/>
+          <a:p>
+            <a:r>
+              <a:rPr lang="en-US" dirty="0"/>
+              <a:t>Objectives</a:t>
+            </a:r>
+          </a:p>
+        </p:txBody>
+      </p:sp>
+      <p:sp>
+        <p:nvSpPr>
+          <p:cNvPr id="3" name="Content Placeholder 2">
+            <a:extLst>
+              <a:ext uri="{FF2B5EF4-FFF2-40B4-BE49-F238E27FC236}">
+                <a16:creationId xmlns:a16="http://schemas.microsoft.com/office/drawing/2014/main" id="{ADB459F8-23AE-AB44-A0FE-25BD30E3B44B}"/>
+              </a:ext>
+            </a:extLst>
+          </p:cNvPr>
+          <p:cNvSpPr>
+            <a:spLocks noGrp="1"/>
+          </p:cNvSpPr>
+          <p:nvPr>
+            <p:ph idx="1"/>
+          </p:nvPr>
+        </p:nvSpPr>
+        <p:spPr/>
+        <p:txBody>
+          <a:bodyPr/>
+          <a:lstStyle/>
+          <a:p>
+            <a:r>
+              <a:rPr lang="en-US" dirty="0"/>
+              <a:t>Classifying stocks by </a:t>
+            </a:r>
+          </a:p>
+          <a:p>
+            <a:pPr lvl="1"/>
+            <a:r>
+              <a:rPr lang="en-US" dirty="0"/>
+              <a:t>Risk </a:t>
+            </a:r>
+          </a:p>
+          <a:p>
+            <a:pPr lvl="1"/>
+            <a:r>
+              <a:rPr lang="en-US" dirty="0"/>
+              <a:t>Affordability</a:t>
+            </a:r>
+          </a:p>
+          <a:p>
+            <a:pPr lvl="1"/>
+            <a:r>
+              <a:rPr lang="en-US" dirty="0"/>
+              <a:t>Industry</a:t>
+            </a:r>
+          </a:p>
+          <a:p>
+            <a:pPr lvl="1"/>
+            <a:r>
+              <a:rPr lang="en-US" dirty="0"/>
+              <a:t>Volatility</a:t>
+            </a:r>
+          </a:p>
+        </p:txBody>
+      </p:sp>
+    </p:spTree>
+    <p:extLst>
+      <p:ext uri="{BB962C8B-B14F-4D97-AF65-F5344CB8AC3E}">
+        <p14:creationId xmlns:p14="http://schemas.microsoft.com/office/powerpoint/2010/main" val="553834162"/>
+      </p:ext>
+    </p:extLst>
+  </p:cSld>
+  <p:clrMapOvr>
+    <a:masterClrMapping/>
+  </p:clrMapOvr>
+</p:sld>
+</file>
+
+<file path=ppt/slides/slide4.xml><?xml version="1.0" encoding="utf-8"?>
+<p:sld xmlns:a="http://schemas.openxmlformats.org/drawingml/2006/main" xmlns:r="http://schemas.openxmlformats.org/officeDocument/2006/relationships" xmlns:p="http://schemas.openxmlformats.org/presentationml/2006/main">
+  <p:cSld>
+    <p:spTree>
+      <p:nvGrpSpPr>
+        <p:cNvPr id="1" name=""/>
+        <p:cNvGrpSpPr/>
+        <p:nvPr/>
+      </p:nvGrpSpPr>
+      <p:grpSpPr>
+        <a:xfrm>
+          <a:off x="0" y="0"/>
+          <a:ext cx="0" cy="0"/>
+          <a:chOff x="0" y="0"/>
+          <a:chExt cx="0" cy="0"/>
+        </a:xfrm>
+      </p:grpSpPr>
+      <p:sp>
+        <p:nvSpPr>
+          <p:cNvPr id="2" name="Title 1">
+            <a:extLst>
+              <a:ext uri="{FF2B5EF4-FFF2-40B4-BE49-F238E27FC236}">
+                <a16:creationId xmlns:a16="http://schemas.microsoft.com/office/drawing/2014/main" id="{6FF4C30E-99AC-5940-9F2C-95889497EDB3}"/>
+              </a:ext>
+            </a:extLst>
+          </p:cNvPr>
+          <p:cNvSpPr>
+            <a:spLocks noGrp="1"/>
+          </p:cNvSpPr>
+          <p:nvPr>
+            <p:ph type="title"/>
+          </p:nvPr>
+        </p:nvSpPr>
+        <p:spPr/>
+        <p:txBody>
+          <a:bodyPr/>
+          <a:lstStyle/>
+          <a:p>
+            <a:r>
+              <a:rPr lang="en-US" dirty="0"/>
+              <a:t>Data Set</a:t>
+            </a:r>
+          </a:p>
+        </p:txBody>
+      </p:sp>
+      <p:sp>
+        <p:nvSpPr>
+          <p:cNvPr id="3" name="Content Placeholder 2">
+            <a:extLst>
+              <a:ext uri="{FF2B5EF4-FFF2-40B4-BE49-F238E27FC236}">
+                <a16:creationId xmlns:a16="http://schemas.microsoft.com/office/drawing/2014/main" id="{29BF7E56-05A5-5E42-8821-100B88A504FE}"/>
+              </a:ext>
+            </a:extLst>
+          </p:cNvPr>
+          <p:cNvSpPr>
+            <a:spLocks noGrp="1"/>
+          </p:cNvSpPr>
+          <p:nvPr>
+            <p:ph idx="1"/>
+          </p:nvPr>
+        </p:nvSpPr>
+        <p:spPr/>
+        <p:txBody>
+          <a:bodyPr/>
+          <a:lstStyle/>
+          <a:p>
+            <a:r>
+              <a:rPr lang="en-US" dirty="0"/>
+              <a:t>30 Minute Market positions for two weeks</a:t>
+            </a:r>
+          </a:p>
+          <a:p>
+            <a:r>
+              <a:rPr lang="en-US" dirty="0"/>
+              <a:t>A million data points</a:t>
+            </a:r>
+          </a:p>
+          <a:p>
+            <a:r>
+              <a:rPr lang="en-US" dirty="0"/>
+              <a:t>Analyst Ratings</a:t>
+            </a:r>
+          </a:p>
+          <a:p>
+            <a:r>
+              <a:rPr lang="en-US" dirty="0"/>
+              <a:t>News Data about the listed company</a:t>
+            </a:r>
+          </a:p>
+          <a:p>
+            <a:pPr marL="0" indent="0">
+              <a:buNone/>
+            </a:pPr>
+            <a:endParaRPr lang="en-US" dirty="0"/>
+          </a:p>
+        </p:txBody>
+      </p:sp>
+    </p:spTree>
+    <p:extLst>
+      <p:ext uri="{BB962C8B-B14F-4D97-AF65-F5344CB8AC3E}">
+        <p14:creationId xmlns:p14="http://schemas.microsoft.com/office/powerpoint/2010/main" val="1450610384"/>
+      </p:ext>
+    </p:extLst>
+  </p:cSld>
+  <p:clrMapOvr>
+    <a:masterClrMapping/>
+  </p:clrMapOvr>
+</p:sld>
+</file>
+
+<file path=ppt/slides/slide5.xml><?xml version="1.0" encoding="utf-8"?>
+<p:sld xmlns:a="http://schemas.openxmlformats.org/drawingml/2006/main" xmlns:r="http://schemas.openxmlformats.org/officeDocument/2006/relationships" xmlns:p="http://schemas.openxmlformats.org/presentationml/2006/main">
+  <p:cSld>
+    <p:bg>
+      <p:bgPr>
+        <a:solidFill>
+          <a:schemeClr val="bg1"/>
+        </a:solidFill>
+        <a:effectLst/>
+      </p:bgPr>
+    </p:bg>
+    <p:spTree>
+      <p:nvGrpSpPr>
+        <p:cNvPr id="1" name=""/>
+        <p:cNvGrpSpPr/>
+        <p:nvPr/>
+      </p:nvGrpSpPr>
+      <p:grpSpPr>
+        <a:xfrm>
+          <a:off x="0" y="0"/>
+          <a:ext cx="0" cy="0"/>
+          <a:chOff x="0" y="0"/>
+          <a:chExt cx="0" cy="0"/>
+        </a:xfrm>
+      </p:grpSpPr>
+      <p:grpSp>
+        <p:nvGrpSpPr>
+          <p:cNvPr id="9" name="Group 8">
+            <a:extLst>
+              <a:ext uri="{FF2B5EF4-FFF2-40B4-BE49-F238E27FC236}">
+                <a16:creationId xmlns:a16="http://schemas.microsoft.com/office/drawing/2014/main" id="{4DB07893-3BE3-42E0-BC35-1ED54907AA62}"/>
+              </a:ext>
+              <a:ext uri="{C183D7F6-B498-43B3-948B-1728B52AA6E4}">
+                <adec:decorative xmlns:adec="http://schemas.microsoft.com/office/drawing/2017/decorative" val="1"/>
+              </a:ext>
+            </a:extLst>
+          </p:cNvPr>
+          <p:cNvGrpSpPr>
+            <a:grpSpLocks noGrp="1" noUngrp="1" noRot="1" noChangeAspect="1" noMove="1" noResize="1"/>
+          </p:cNvGrpSpPr>
+          <p:nvPr>
+            <p:extLst>
+              <p:ext uri="{386F3935-93C4-4BCD-93E2-E3B085C9AB24}">
+                <p16:designElem xmlns:p16="http://schemas.microsoft.com/office/powerpoint/2015/main" val="1"/>
+              </p:ext>
+            </p:extLst>
+          </p:nvPr>
+        </p:nvGrpSpPr>
+        <p:grpSpPr>
+          <a:xfrm>
+            <a:off x="-329674" y="-59376"/>
+            <a:ext cx="12515851" cy="6923798"/>
+            <a:chOff x="-329674" y="-51881"/>
+            <a:chExt cx="12515851" cy="6923798"/>
+          </a:xfrm>
+        </p:grpSpPr>
+        <p:sp>
+          <p:nvSpPr>
+            <p:cNvPr id="10" name="Freeform 5">
+              <a:extLst>
+                <a:ext uri="{FF2B5EF4-FFF2-40B4-BE49-F238E27FC236}">
+                  <a16:creationId xmlns:a16="http://schemas.microsoft.com/office/drawing/2014/main" id="{017C40D5-034D-4017-BF93-E3AF61334DE3}"/>
+                </a:ext>
+                <a:ext uri="{C183D7F6-B498-43B3-948B-1728B52AA6E4}">
+                  <adec:decorative xmlns:adec="http://schemas.microsoft.com/office/drawing/2017/decorative" val="1"/>
+                </a:ext>
+              </a:extLst>
+            </p:cNvPr>
+            <p:cNvSpPr/>
+            <p:nvPr>
+              <p:extLst>
+                <p:ext uri="{386F3935-93C4-4BCD-93E2-E3B085C9AB24}">
+                  <p16:designElem xmlns:p16="http://schemas.microsoft.com/office/powerpoint/2015/main" val="1"/>
+                </p:ext>
+              </p:extLst>
+            </p:nvPr>
+          </p:nvSpPr>
+          <p:spPr bwMode="auto">
+            <a:xfrm>
+              <a:off x="-329674" y="1298404"/>
+              <a:ext cx="9702800" cy="5573512"/>
+            </a:xfrm>
+            <a:custGeom>
+              <a:avLst/>
+              <a:gdLst/>
+              <a:ahLst/>
+              <a:cxnLst/>
+              <a:rect l="0" t="0" r="r" b="b"/>
+              <a:pathLst>
+                <a:path w="2038" h="1169">
+                  <a:moveTo>
+                    <a:pt x="1752" y="1169"/>
+                  </a:moveTo>
+                  <a:cubicBezTo>
+                    <a:pt x="2038" y="928"/>
+                    <a:pt x="1673" y="513"/>
+                    <a:pt x="1487" y="334"/>
+                  </a:cubicBezTo>
+                  <a:cubicBezTo>
+                    <a:pt x="1316" y="170"/>
+                    <a:pt x="1099" y="43"/>
+                    <a:pt x="860" y="22"/>
+                  </a:cubicBezTo>
+                  <a:cubicBezTo>
+                    <a:pt x="621" y="0"/>
+                    <a:pt x="341" y="128"/>
+                    <a:pt x="199" y="318"/>
+                  </a:cubicBezTo>
+                  <a:cubicBezTo>
+                    <a:pt x="0" y="586"/>
+                    <a:pt x="184" y="965"/>
+                    <a:pt x="399" y="1165"/>
+                  </a:cubicBezTo>
+                </a:path>
+              </a:pathLst>
+            </a:custGeom>
+            <a:noFill/>
+            <a:ln w="9525" cap="flat">
+              <a:solidFill>
+                <a:schemeClr val="tx1">
+                  <a:alpha val="20000"/>
+                </a:schemeClr>
+              </a:solidFill>
+              <a:prstDash val="solid"/>
+              <a:miter lim="800000"/>
+              <a:headEnd/>
+              <a:tailEnd/>
+            </a:ln>
+            <a:extLst>
+              <a:ext uri="{909E8E84-426E-40DD-AFC4-6F175D3DCCD1}">
+                <a14:hiddenFill xmlns:a14="http://schemas.microsoft.com/office/drawing/2010/main">
+                  <a:solidFill>
+                    <a:srgbClr val="FFFFFF"/>
+                  </a:solidFill>
+                </a14:hiddenFill>
+              </a:ext>
+            </a:extLst>
+          </p:spPr>
+        </p:sp>
+        <p:sp>
+          <p:nvSpPr>
+            <p:cNvPr id="11" name="Freeform 6">
+              <a:extLst>
+                <a:ext uri="{FF2B5EF4-FFF2-40B4-BE49-F238E27FC236}">
+                  <a16:creationId xmlns:a16="http://schemas.microsoft.com/office/drawing/2014/main" id="{8927D23A-8D45-4A3B-8292-9802CAFAEC33}"/>
+                </a:ext>
+                <a:ext uri="{C183D7F6-B498-43B3-948B-1728B52AA6E4}">
+                  <adec:decorative xmlns:adec="http://schemas.microsoft.com/office/drawing/2017/decorative" val="1"/>
+                </a:ext>
+              </a:extLst>
+            </p:cNvPr>
+            <p:cNvSpPr/>
+            <p:nvPr>
+              <p:extLst>
+                <p:ext uri="{386F3935-93C4-4BCD-93E2-E3B085C9AB24}">
+                  <p16:designElem xmlns:p16="http://schemas.microsoft.com/office/powerpoint/2015/main" val="1"/>
+                </p:ext>
+              </p:extLst>
+            </p:nvPr>
+          </p:nvSpPr>
+          <p:spPr bwMode="auto">
+            <a:xfrm>
+              <a:off x="670451" y="2018236"/>
+              <a:ext cx="7373938" cy="4848892"/>
+            </a:xfrm>
+            <a:custGeom>
+              <a:avLst/>
+              <a:gdLst/>
+              <a:ahLst/>
+              <a:cxnLst/>
+              <a:rect l="0" t="0" r="r" b="b"/>
+              <a:pathLst>
+                <a:path w="1549" h="1017">
+                  <a:moveTo>
+                    <a:pt x="1025" y="1016"/>
+                  </a:moveTo>
+                  <a:cubicBezTo>
+                    <a:pt x="1223" y="971"/>
+                    <a:pt x="1549" y="857"/>
+                    <a:pt x="1443" y="592"/>
+                  </a:cubicBezTo>
+                  <a:cubicBezTo>
+                    <a:pt x="1344" y="344"/>
+                    <a:pt x="1041" y="111"/>
+                    <a:pt x="782" y="53"/>
+                  </a:cubicBezTo>
+                  <a:cubicBezTo>
+                    <a:pt x="545" y="0"/>
+                    <a:pt x="275" y="117"/>
+                    <a:pt x="150" y="329"/>
+                  </a:cubicBezTo>
+                  <a:cubicBezTo>
+                    <a:pt x="0" y="584"/>
+                    <a:pt x="243" y="911"/>
+                    <a:pt x="477" y="1017"/>
+                  </a:cubicBezTo>
+                </a:path>
+              </a:pathLst>
+            </a:custGeom>
+            <a:noFill/>
+            <a:ln w="9525" cap="flat">
+              <a:solidFill>
+                <a:schemeClr val="tx1">
+                  <a:alpha val="20000"/>
+                </a:schemeClr>
+              </a:solidFill>
+              <a:prstDash val="solid"/>
+              <a:miter lim="800000"/>
+              <a:headEnd/>
+              <a:tailEnd/>
+            </a:ln>
+            <a:extLst>
+              <a:ext uri="{909E8E84-426E-40DD-AFC4-6F175D3DCCD1}">
+                <a14:hiddenFill xmlns:a14="http://schemas.microsoft.com/office/drawing/2010/main">
+                  <a:solidFill>
+                    <a:srgbClr val="FFFFFF"/>
+                  </a:solidFill>
+                </a14:hiddenFill>
+              </a:ext>
+            </a:extLst>
+          </p:spPr>
+        </p:sp>
+        <p:sp>
+          <p:nvSpPr>
+            <p:cNvPr id="12" name="Freeform 7">
+              <a:extLst>
+                <a:ext uri="{FF2B5EF4-FFF2-40B4-BE49-F238E27FC236}">
+                  <a16:creationId xmlns:a16="http://schemas.microsoft.com/office/drawing/2014/main" id="{54AC8502-82EF-488F-A769-2C9758D57559}"/>
+                </a:ext>
+                <a:ext uri="{C183D7F6-B498-43B3-948B-1728B52AA6E4}">
+                  <adec:decorative xmlns:adec="http://schemas.microsoft.com/office/drawing/2017/decorative" val="1"/>
+                </a:ext>
+              </a:extLst>
+            </p:cNvPr>
+            <p:cNvSpPr/>
+            <p:nvPr>
+              <p:extLst>
+                <p:ext uri="{386F3935-93C4-4BCD-93E2-E3B085C9AB24}">
+                  <p16:designElem xmlns:p16="http://schemas.microsoft.com/office/powerpoint/2015/main" val="1"/>
+                </p:ext>
+              </p:extLst>
+            </p:nvPr>
+          </p:nvSpPr>
+          <p:spPr bwMode="auto">
+            <a:xfrm>
+              <a:off x="251351" y="1788400"/>
+              <a:ext cx="8035925" cy="5083516"/>
+            </a:xfrm>
+            <a:custGeom>
+              <a:avLst/>
+              <a:gdLst/>
+              <a:ahLst/>
+              <a:cxnLst/>
+              <a:rect l="0" t="0" r="r" b="b"/>
+              <a:pathLst>
+                <a:path w="1688" h="1066">
+                  <a:moveTo>
+                    <a:pt x="1302" y="1066"/>
+                  </a:moveTo>
+                  <a:cubicBezTo>
+                    <a:pt x="1416" y="1024"/>
+                    <a:pt x="1551" y="962"/>
+                    <a:pt x="1613" y="850"/>
+                  </a:cubicBezTo>
+                  <a:cubicBezTo>
+                    <a:pt x="1688" y="715"/>
+                    <a:pt x="1606" y="575"/>
+                    <a:pt x="1517" y="471"/>
+                  </a:cubicBezTo>
+                  <a:cubicBezTo>
+                    <a:pt x="1336" y="258"/>
+                    <a:pt x="1084" y="62"/>
+                    <a:pt x="798" y="28"/>
+                  </a:cubicBezTo>
+                  <a:cubicBezTo>
+                    <a:pt x="559" y="0"/>
+                    <a:pt x="317" y="138"/>
+                    <a:pt x="181" y="333"/>
+                  </a:cubicBezTo>
+                  <a:cubicBezTo>
+                    <a:pt x="0" y="592"/>
+                    <a:pt x="191" y="907"/>
+                    <a:pt x="420" y="1066"/>
+                  </a:cubicBezTo>
+                </a:path>
+              </a:pathLst>
+            </a:custGeom>
+            <a:noFill/>
+            <a:ln w="9525" cap="flat">
+              <a:solidFill>
+                <a:schemeClr val="tx1">
+                  <a:alpha val="20000"/>
+                </a:schemeClr>
+              </a:solidFill>
+              <a:prstDash val="dash"/>
+              <a:miter lim="800000"/>
+              <a:headEnd/>
+              <a:tailEnd/>
+            </a:ln>
+            <a:extLst>
+              <a:ext uri="{909E8E84-426E-40DD-AFC4-6F175D3DCCD1}">
+                <a14:hiddenFill xmlns:a14="http://schemas.microsoft.com/office/drawing/2010/main">
+                  <a:solidFill>
+                    <a:srgbClr val="FFFFFF"/>
+                  </a:solidFill>
+                </a14:hiddenFill>
+              </a:ext>
+            </a:extLst>
+          </p:spPr>
+        </p:sp>
+        <p:sp>
+          <p:nvSpPr>
+            <p:cNvPr id="13" name="Freeform 8">
+              <a:extLst>
+                <a:ext uri="{FF2B5EF4-FFF2-40B4-BE49-F238E27FC236}">
+                  <a16:creationId xmlns:a16="http://schemas.microsoft.com/office/drawing/2014/main" id="{45863BAB-21F5-40D8-8054-4F5A5A71E730}"/>
+                </a:ext>
+                <a:ext uri="{C183D7F6-B498-43B3-948B-1728B52AA6E4}">
+                  <adec:decorative xmlns:adec="http://schemas.microsoft.com/office/drawing/2017/decorative" val="1"/>
+                </a:ext>
+              </a:extLst>
+            </p:cNvPr>
+            <p:cNvSpPr/>
+            <p:nvPr>
+              <p:extLst>
+                <p:ext uri="{386F3935-93C4-4BCD-93E2-E3B085C9AB24}">
+                  <p16:designElem xmlns:p16="http://schemas.microsoft.com/office/powerpoint/2015/main" val="1"/>
+                </p:ext>
+              </p:extLst>
+            </p:nvPr>
+          </p:nvSpPr>
+          <p:spPr bwMode="auto">
+            <a:xfrm>
+              <a:off x="-1061" y="549842"/>
+              <a:ext cx="10334625" cy="6322075"/>
+            </a:xfrm>
+            <a:custGeom>
+              <a:avLst/>
+              <a:gdLst/>
+              <a:ahLst/>
+              <a:cxnLst/>
+              <a:rect l="0" t="0" r="r" b="b"/>
+              <a:pathLst>
+                <a:path w="2171" h="1326">
+                  <a:moveTo>
+                    <a:pt x="1873" y="1326"/>
+                  </a:moveTo>
+                  <a:cubicBezTo>
+                    <a:pt x="2171" y="1045"/>
+                    <a:pt x="1825" y="678"/>
+                    <a:pt x="1609" y="473"/>
+                  </a:cubicBezTo>
+                  <a:cubicBezTo>
+                    <a:pt x="1406" y="281"/>
+                    <a:pt x="1159" y="116"/>
+                    <a:pt x="880" y="63"/>
+                  </a:cubicBezTo>
+                  <a:cubicBezTo>
+                    <a:pt x="545" y="0"/>
+                    <a:pt x="214" y="161"/>
+                    <a:pt x="0" y="423"/>
+                  </a:cubicBezTo>
+                </a:path>
+              </a:pathLst>
+            </a:custGeom>
+            <a:noFill/>
+            <a:ln w="9525" cap="flat">
+              <a:solidFill>
+                <a:schemeClr val="tx1">
+                  <a:alpha val="20000"/>
+                </a:schemeClr>
+              </a:solidFill>
+              <a:prstDash val="solid"/>
+              <a:miter lim="800000"/>
+              <a:headEnd/>
+              <a:tailEnd/>
+            </a:ln>
+            <a:extLst>
+              <a:ext uri="{909E8E84-426E-40DD-AFC4-6F175D3DCCD1}">
+                <a14:hiddenFill xmlns:a14="http://schemas.microsoft.com/office/drawing/2010/main">
+                  <a:solidFill>
+                    <a:srgbClr val="FFFFFF"/>
+                  </a:solidFill>
+                </a14:hiddenFill>
+              </a:ext>
+            </a:extLst>
+          </p:spPr>
+        </p:sp>
+        <p:sp>
+          <p:nvSpPr>
+            <p:cNvPr id="14" name="Freeform 9">
+              <a:extLst>
+                <a:ext uri="{FF2B5EF4-FFF2-40B4-BE49-F238E27FC236}">
+                  <a16:creationId xmlns:a16="http://schemas.microsoft.com/office/drawing/2014/main" id="{D6CDFFA9-CB9B-4224-8693-FAE0CA753432}"/>
+                </a:ext>
+                <a:ext uri="{C183D7F6-B498-43B3-948B-1728B52AA6E4}">
+                  <adec:decorative xmlns:adec="http://schemas.microsoft.com/office/drawing/2017/decorative" val="1"/>
+                </a:ext>
+              </a:extLst>
+            </p:cNvPr>
+            <p:cNvSpPr/>
+            <p:nvPr>
+              <p:extLst>
+                <p:ext uri="{386F3935-93C4-4BCD-93E2-E3B085C9AB24}">
+                  <p16:designElem xmlns:p16="http://schemas.microsoft.com/office/powerpoint/2015/main" val="1"/>
+                </p:ext>
+              </p:extLst>
+            </p:nvPr>
+          </p:nvSpPr>
+          <p:spPr bwMode="auto">
+            <a:xfrm>
+              <a:off x="3701" y="6186246"/>
+              <a:ext cx="504825" cy="681527"/>
+            </a:xfrm>
+            <a:custGeom>
+              <a:avLst/>
+              <a:gdLst/>
+              <a:ahLst/>
+              <a:cxnLst/>
+              <a:rect l="0" t="0" r="r" b="b"/>
+              <a:pathLst>
+                <a:path w="106" h="143">
+                  <a:moveTo>
+                    <a:pt x="0" y="0"/>
+                  </a:moveTo>
+                  <a:cubicBezTo>
+                    <a:pt x="35" y="54"/>
+                    <a:pt x="70" y="101"/>
+                    <a:pt x="106" y="143"/>
+                  </a:cubicBezTo>
+                </a:path>
+              </a:pathLst>
+            </a:custGeom>
+            <a:noFill/>
+            <a:ln w="4763" cap="flat">
+              <a:solidFill>
+                <a:schemeClr val="tx1">
+                  <a:alpha val="20000"/>
+                </a:schemeClr>
+              </a:solidFill>
+              <a:prstDash val="solid"/>
+              <a:miter lim="800000"/>
+              <a:headEnd/>
+              <a:tailEnd/>
+            </a:ln>
+            <a:extLst>
+              <a:ext uri="{909E8E84-426E-40DD-AFC4-6F175D3DCCD1}">
+                <a14:hiddenFill xmlns:a14="http://schemas.microsoft.com/office/drawing/2010/main">
+                  <a:solidFill>
+                    <a:srgbClr val="FFFFFF"/>
+                  </a:solidFill>
+                </a14:hiddenFill>
+              </a:ext>
+            </a:extLst>
+          </p:spPr>
+        </p:sp>
+        <p:sp>
+          <p:nvSpPr>
+            <p:cNvPr id="15" name="Freeform 10">
+              <a:extLst>
+                <a:ext uri="{FF2B5EF4-FFF2-40B4-BE49-F238E27FC236}">
+                  <a16:creationId xmlns:a16="http://schemas.microsoft.com/office/drawing/2014/main" id="{B6A01934-284E-4BCA-8E7F-4EA1ADCD060E}"/>
+                </a:ext>
+                <a:ext uri="{C183D7F6-B498-43B3-948B-1728B52AA6E4}">
+                  <adec:decorative xmlns:adec="http://schemas.microsoft.com/office/drawing/2017/decorative" val="1"/>
+                </a:ext>
+              </a:extLst>
+            </p:cNvPr>
+            <p:cNvSpPr/>
+            <p:nvPr>
+              <p:extLst>
+                <p:ext uri="{386F3935-93C4-4BCD-93E2-E3B085C9AB24}">
+                  <p16:designElem xmlns:p16="http://schemas.microsoft.com/office/powerpoint/2015/main" val="1"/>
+                </p:ext>
+              </p:extLst>
+            </p:nvPr>
+          </p:nvSpPr>
+          <p:spPr bwMode="auto">
+            <a:xfrm>
+              <a:off x="-1061" y="-51881"/>
+              <a:ext cx="11091863" cy="6923796"/>
+            </a:xfrm>
+            <a:custGeom>
+              <a:avLst/>
+              <a:gdLst/>
+              <a:ahLst/>
+              <a:cxnLst/>
+              <a:rect l="0" t="0" r="r" b="b"/>
+              <a:pathLst>
+                <a:path w="2330" h="1452">
+                  <a:moveTo>
+                    <a:pt x="2046" y="1452"/>
+                  </a:moveTo>
+                  <a:cubicBezTo>
+                    <a:pt x="2330" y="1153"/>
+                    <a:pt x="2049" y="821"/>
+                    <a:pt x="1813" y="601"/>
+                  </a:cubicBezTo>
+                  <a:cubicBezTo>
+                    <a:pt x="1569" y="375"/>
+                    <a:pt x="1282" y="179"/>
+                    <a:pt x="956" y="97"/>
+                  </a:cubicBezTo>
+                  <a:cubicBezTo>
+                    <a:pt x="572" y="0"/>
+                    <a:pt x="292" y="101"/>
+                    <a:pt x="0" y="366"/>
+                  </a:cubicBezTo>
+                </a:path>
+              </a:pathLst>
+            </a:custGeom>
+            <a:noFill/>
+            <a:ln w="9525" cap="flat">
+              <a:solidFill>
+                <a:schemeClr val="tx1">
+                  <a:alpha val="20000"/>
+                </a:schemeClr>
+              </a:solidFill>
+              <a:prstDash val="solid"/>
+              <a:miter lim="800000"/>
+              <a:headEnd/>
+              <a:tailEnd/>
+            </a:ln>
+            <a:extLst>
+              <a:ext uri="{909E8E84-426E-40DD-AFC4-6F175D3DCCD1}">
+                <a14:hiddenFill xmlns:a14="http://schemas.microsoft.com/office/drawing/2010/main">
+                  <a:solidFill>
+                    <a:srgbClr val="FFFFFF"/>
+                  </a:solidFill>
+                </a14:hiddenFill>
+              </a:ext>
+            </a:extLst>
+          </p:spPr>
+        </p:sp>
+        <p:sp>
+          <p:nvSpPr>
+            <p:cNvPr id="16" name="Freeform 11">
+              <a:extLst>
+                <a:ext uri="{FF2B5EF4-FFF2-40B4-BE49-F238E27FC236}">
+                  <a16:creationId xmlns:a16="http://schemas.microsoft.com/office/drawing/2014/main" id="{BD25195C-9A0F-42C0-BCFA-8AE824C6B925}"/>
+                </a:ext>
+                <a:ext uri="{C183D7F6-B498-43B3-948B-1728B52AA6E4}">
+                  <adec:decorative xmlns:adec="http://schemas.microsoft.com/office/drawing/2017/decorative" val="1"/>
+                </a:ext>
+              </a:extLst>
+            </p:cNvPr>
+            <p:cNvSpPr/>
+            <p:nvPr>
+              <p:extLst>
+                <p:ext uri="{386F3935-93C4-4BCD-93E2-E3B085C9AB24}">
+                  <p16:designElem xmlns:p16="http://schemas.microsoft.com/office/powerpoint/2015/main" val="1"/>
+                </p:ext>
+              </p:extLst>
+            </p:nvPr>
+          </p:nvSpPr>
+          <p:spPr bwMode="auto">
+            <a:xfrm>
+              <a:off x="5426601" y="5579"/>
+              <a:ext cx="5788025" cy="6847184"/>
+            </a:xfrm>
+            <a:custGeom>
+              <a:avLst/>
+              <a:gdLst/>
+              <a:ahLst/>
+              <a:cxnLst/>
+              <a:rect l="0" t="0" r="r" b="b"/>
+              <a:pathLst>
+                <a:path w="1216" h="1436">
+                  <a:moveTo>
+                    <a:pt x="1094" y="1436"/>
+                  </a:moveTo>
+                  <a:cubicBezTo>
+                    <a:pt x="1216" y="1114"/>
+                    <a:pt x="904" y="770"/>
+                    <a:pt x="709" y="551"/>
+                  </a:cubicBezTo>
+                  <a:cubicBezTo>
+                    <a:pt x="509" y="327"/>
+                    <a:pt x="274" y="127"/>
+                    <a:pt x="0" y="0"/>
+                  </a:cubicBezTo>
+                </a:path>
+              </a:pathLst>
+            </a:custGeom>
+            <a:noFill/>
+            <a:ln w="9525" cap="flat">
+              <a:solidFill>
+                <a:schemeClr val="tx1">
+                  <a:alpha val="20000"/>
+                </a:schemeClr>
+              </a:solidFill>
+              <a:prstDash val="solid"/>
+              <a:miter lim="800000"/>
+              <a:headEnd/>
+              <a:tailEnd/>
+            </a:ln>
+            <a:extLst>
+              <a:ext uri="{909E8E84-426E-40DD-AFC4-6F175D3DCCD1}">
+                <a14:hiddenFill xmlns:a14="http://schemas.microsoft.com/office/drawing/2010/main">
+                  <a:solidFill>
+                    <a:srgbClr val="FFFFFF"/>
+                  </a:solidFill>
+                </a14:hiddenFill>
+              </a:ext>
+            </a:extLst>
+          </p:spPr>
+        </p:sp>
+        <p:sp>
+          <p:nvSpPr>
+            <p:cNvPr id="17" name="Freeform 12">
+              <a:extLst>
+                <a:ext uri="{FF2B5EF4-FFF2-40B4-BE49-F238E27FC236}">
+                  <a16:creationId xmlns:a16="http://schemas.microsoft.com/office/drawing/2014/main" id="{B24C254B-4197-4951-84F7-896F441B104A}"/>
+                </a:ext>
+                <a:ext uri="{C183D7F6-B498-43B3-948B-1728B52AA6E4}">
+                  <adec:decorative xmlns:adec="http://schemas.microsoft.com/office/drawing/2017/decorative" val="1"/>
+                </a:ext>
+              </a:extLst>
+            </p:cNvPr>
+            <p:cNvSpPr/>
+            <p:nvPr>
+              <p:extLst>
+                <p:ext uri="{386F3935-93C4-4BCD-93E2-E3B085C9AB24}">
+                  <p16:designElem xmlns:p16="http://schemas.microsoft.com/office/powerpoint/2015/main" val="1"/>
+                </p:ext>
+              </p:extLst>
+            </p:nvPr>
+          </p:nvSpPr>
+          <p:spPr bwMode="auto">
+            <a:xfrm>
+              <a:off x="-1061" y="5579"/>
+              <a:ext cx="1057275" cy="614491"/>
+            </a:xfrm>
+            <a:custGeom>
+              <a:avLst/>
+              <a:gdLst/>
+              <a:ahLst/>
+              <a:cxnLst/>
+              <a:rect l="0" t="0" r="r" b="b"/>
+              <a:pathLst>
+                <a:path w="222" h="129">
+                  <a:moveTo>
+                    <a:pt x="222" y="0"/>
+                  </a:moveTo>
+                  <a:cubicBezTo>
+                    <a:pt x="152" y="35"/>
+                    <a:pt x="76" y="78"/>
+                    <a:pt x="0" y="129"/>
+                  </a:cubicBezTo>
+                </a:path>
+              </a:pathLst>
+            </a:custGeom>
+            <a:noFill/>
+            <a:ln w="9525" cap="flat">
+              <a:solidFill>
+                <a:schemeClr val="tx1">
+                  <a:alpha val="20000"/>
+                </a:schemeClr>
+              </a:solidFill>
+              <a:prstDash val="solid"/>
+              <a:miter lim="800000"/>
+              <a:headEnd/>
+              <a:tailEnd/>
+            </a:ln>
+            <a:extLst>
+              <a:ext uri="{909E8E84-426E-40DD-AFC4-6F175D3DCCD1}">
+                <a14:hiddenFill xmlns:a14="http://schemas.microsoft.com/office/drawing/2010/main">
+                  <a:solidFill>
+                    <a:srgbClr val="FFFFFF"/>
+                  </a:solidFill>
+                </a14:hiddenFill>
+              </a:ext>
+            </a:extLst>
+          </p:spPr>
+        </p:sp>
+        <p:sp>
+          <p:nvSpPr>
+            <p:cNvPr id="18" name="Freeform 13">
+              <a:extLst>
+                <a:ext uri="{FF2B5EF4-FFF2-40B4-BE49-F238E27FC236}">
+                  <a16:creationId xmlns:a16="http://schemas.microsoft.com/office/drawing/2014/main" id="{71F330C8-1F40-4D4E-B39D-025179503879}"/>
+                </a:ext>
+                <a:ext uri="{C183D7F6-B498-43B3-948B-1728B52AA6E4}">
+                  <adec:decorative xmlns:adec="http://schemas.microsoft.com/office/drawing/2017/decorative" val="1"/>
+                </a:ext>
+              </a:extLst>
+            </p:cNvPr>
+            <p:cNvSpPr/>
+            <p:nvPr>
+              <p:extLst>
+                <p:ext uri="{386F3935-93C4-4BCD-93E2-E3B085C9AB24}">
+                  <p16:designElem xmlns:p16="http://schemas.microsoft.com/office/powerpoint/2015/main" val="1"/>
+                </p:ext>
+              </p:extLst>
+            </p:nvPr>
+          </p:nvSpPr>
+          <p:spPr bwMode="auto">
+            <a:xfrm>
+              <a:off x="5821889" y="5579"/>
+              <a:ext cx="5588000" cy="6866337"/>
+            </a:xfrm>
+            <a:custGeom>
+              <a:avLst/>
+              <a:gdLst/>
+              <a:ahLst/>
+              <a:cxnLst/>
+              <a:rect l="0" t="0" r="r" b="b"/>
+              <a:pathLst>
+                <a:path w="1174" h="1440">
+                  <a:moveTo>
+                    <a:pt x="1067" y="1440"/>
+                  </a:moveTo>
+                  <a:cubicBezTo>
+                    <a:pt x="1174" y="1124"/>
+                    <a:pt x="887" y="797"/>
+                    <a:pt x="698" y="577"/>
+                  </a:cubicBezTo>
+                  <a:cubicBezTo>
+                    <a:pt x="500" y="348"/>
+                    <a:pt x="270" y="141"/>
+                    <a:pt x="0" y="0"/>
+                  </a:cubicBezTo>
+                </a:path>
+              </a:pathLst>
+            </a:custGeom>
+            <a:noFill/>
+            <a:ln w="9525" cap="flat">
+              <a:solidFill>
+                <a:schemeClr val="tx1">
+                  <a:alpha val="20000"/>
+                </a:schemeClr>
+              </a:solidFill>
+              <a:prstDash val="dash"/>
+              <a:miter lim="800000"/>
+              <a:headEnd/>
+              <a:tailEnd/>
+            </a:ln>
+            <a:extLst>
+              <a:ext uri="{909E8E84-426E-40DD-AFC4-6F175D3DCCD1}">
+                <a14:hiddenFill xmlns:a14="http://schemas.microsoft.com/office/drawing/2010/main">
+                  <a:solidFill>
+                    <a:srgbClr val="FFFFFF"/>
+                  </a:solidFill>
+                </a14:hiddenFill>
+              </a:ext>
+            </a:extLst>
+          </p:spPr>
+        </p:sp>
+        <p:sp>
+          <p:nvSpPr>
+            <p:cNvPr id="19" name="Freeform 14">
+              <a:extLst>
+                <a:ext uri="{FF2B5EF4-FFF2-40B4-BE49-F238E27FC236}">
+                  <a16:creationId xmlns:a16="http://schemas.microsoft.com/office/drawing/2014/main" id="{2715F280-155E-440C-8A04-ADB44B96B0D5}"/>
+                </a:ext>
+                <a:ext uri="{C183D7F6-B498-43B3-948B-1728B52AA6E4}">
+                  <adec:decorative xmlns:adec="http://schemas.microsoft.com/office/drawing/2017/decorative" val="1"/>
+                </a:ext>
+              </a:extLst>
+            </p:cNvPr>
+            <p:cNvSpPr/>
+            <p:nvPr>
+              <p:extLst>
+                <p:ext uri="{386F3935-93C4-4BCD-93E2-E3B085C9AB24}">
+                  <p16:designElem xmlns:p16="http://schemas.microsoft.com/office/powerpoint/2015/main" val="1"/>
+                </p:ext>
+              </p:extLst>
+            </p:nvPr>
+          </p:nvSpPr>
+          <p:spPr bwMode="auto">
+            <a:xfrm>
+              <a:off x="3701" y="790"/>
+              <a:ext cx="595313" cy="352734"/>
+            </a:xfrm>
+            <a:custGeom>
+              <a:avLst/>
+              <a:gdLst/>
+              <a:ahLst/>
+              <a:cxnLst/>
+              <a:rect l="0" t="0" r="r" b="b"/>
+              <a:pathLst>
+                <a:path w="125" h="74">
+                  <a:moveTo>
+                    <a:pt x="125" y="0"/>
+                  </a:moveTo>
+                  <a:cubicBezTo>
+                    <a:pt x="85" y="22"/>
+                    <a:pt x="43" y="47"/>
+                    <a:pt x="0" y="74"/>
+                  </a:cubicBezTo>
+                </a:path>
+              </a:pathLst>
+            </a:custGeom>
+            <a:noFill/>
+            <a:ln w="9525" cap="flat">
+              <a:solidFill>
+                <a:schemeClr val="tx1">
+                  <a:alpha val="20000"/>
+                </a:schemeClr>
+              </a:solidFill>
+              <a:prstDash val="dash"/>
+              <a:miter lim="800000"/>
+              <a:headEnd/>
+              <a:tailEnd/>
+            </a:ln>
+            <a:extLst>
+              <a:ext uri="{909E8E84-426E-40DD-AFC4-6F175D3DCCD1}">
+                <a14:hiddenFill xmlns:a14="http://schemas.microsoft.com/office/drawing/2010/main">
+                  <a:solidFill>
+                    <a:srgbClr val="FFFFFF"/>
+                  </a:solidFill>
+                </a14:hiddenFill>
+              </a:ext>
+            </a:extLst>
+          </p:spPr>
+        </p:sp>
+        <p:sp>
+          <p:nvSpPr>
+            <p:cNvPr id="20" name="Freeform 15">
+              <a:extLst>
+                <a:ext uri="{FF2B5EF4-FFF2-40B4-BE49-F238E27FC236}">
+                  <a16:creationId xmlns:a16="http://schemas.microsoft.com/office/drawing/2014/main" id="{581EA02B-84E6-4BDF-802F-5380897207A6}"/>
+                </a:ext>
+                <a:ext uri="{C183D7F6-B498-43B3-948B-1728B52AA6E4}">
+                  <adec:decorative xmlns:adec="http://schemas.microsoft.com/office/drawing/2017/decorative" val="1"/>
+                </a:ext>
+              </a:extLst>
+            </p:cNvPr>
+            <p:cNvSpPr/>
+            <p:nvPr>
+              <p:extLst>
+                <p:ext uri="{386F3935-93C4-4BCD-93E2-E3B085C9AB24}">
+                  <p16:designElem xmlns:p16="http://schemas.microsoft.com/office/powerpoint/2015/main" val="1"/>
+                </p:ext>
+              </p:extLst>
+            </p:nvPr>
+          </p:nvSpPr>
+          <p:spPr bwMode="auto">
+            <a:xfrm>
+              <a:off x="6012389" y="5579"/>
+              <a:ext cx="5497513" cy="6866337"/>
+            </a:xfrm>
+            <a:custGeom>
+              <a:avLst/>
+              <a:gdLst/>
+              <a:ahLst/>
+              <a:cxnLst/>
+              <a:rect l="0" t="0" r="r" b="b"/>
+              <a:pathLst>
+                <a:path w="1155" h="1440">
+                  <a:moveTo>
+                    <a:pt x="1056" y="1440"/>
+                  </a:moveTo>
+                  <a:cubicBezTo>
+                    <a:pt x="1155" y="1123"/>
+                    <a:pt x="875" y="801"/>
+                    <a:pt x="686" y="580"/>
+                  </a:cubicBezTo>
+                  <a:cubicBezTo>
+                    <a:pt x="491" y="352"/>
+                    <a:pt x="264" y="145"/>
+                    <a:pt x="0" y="0"/>
+                  </a:cubicBezTo>
+                </a:path>
+              </a:pathLst>
+            </a:custGeom>
+            <a:noFill/>
+            <a:ln w="12700" cap="flat">
+              <a:solidFill>
+                <a:schemeClr val="tx1">
+                  <a:alpha val="20000"/>
+                </a:schemeClr>
+              </a:solidFill>
+              <a:prstDash val="dashDot"/>
+              <a:miter lim="800000"/>
+              <a:headEnd/>
+              <a:tailEnd/>
+            </a:ln>
+            <a:extLst>
+              <a:ext uri="{909E8E84-426E-40DD-AFC4-6F175D3DCCD1}">
+                <a14:hiddenFill xmlns:a14="http://schemas.microsoft.com/office/drawing/2010/main">
+                  <a:solidFill>
+                    <a:srgbClr val="FFFFFF"/>
+                  </a:solidFill>
+                </a14:hiddenFill>
+              </a:ext>
+            </a:extLst>
+          </p:spPr>
+        </p:sp>
+        <p:sp>
+          <p:nvSpPr>
+            <p:cNvPr id="21" name="Freeform 16">
+              <a:extLst>
+                <a:ext uri="{FF2B5EF4-FFF2-40B4-BE49-F238E27FC236}">
+                  <a16:creationId xmlns:a16="http://schemas.microsoft.com/office/drawing/2014/main" id="{0A8D6E22-477E-4554-9DD7-4AAF82DC8DE8}"/>
+                </a:ext>
+                <a:ext uri="{C183D7F6-B498-43B3-948B-1728B52AA6E4}">
+                  <adec:decorative xmlns:adec="http://schemas.microsoft.com/office/drawing/2017/decorative" val="1"/>
+                </a:ext>
+              </a:extLst>
+            </p:cNvPr>
+            <p:cNvSpPr/>
+            <p:nvPr>
+              <p:extLst>
+                <p:ext uri="{386F3935-93C4-4BCD-93E2-E3B085C9AB24}">
+                  <p16:designElem xmlns:p16="http://schemas.microsoft.com/office/powerpoint/2015/main" val="1"/>
+                </p:ext>
+              </p:extLst>
+            </p:nvPr>
+          </p:nvSpPr>
+          <p:spPr bwMode="auto">
+            <a:xfrm>
+              <a:off x="-1061" y="5579"/>
+              <a:ext cx="357188" cy="213875"/>
+            </a:xfrm>
+            <a:custGeom>
+              <a:avLst/>
+              <a:gdLst/>
+              <a:ahLst/>
+              <a:cxnLst/>
+              <a:rect l="0" t="0" r="r" b="b"/>
+              <a:pathLst>
+                <a:path w="75" h="45">
+                  <a:moveTo>
+                    <a:pt x="75" y="0"/>
+                  </a:moveTo>
+                  <a:cubicBezTo>
+                    <a:pt x="50" y="14"/>
+                    <a:pt x="25" y="29"/>
+                    <a:pt x="0" y="45"/>
+                  </a:cubicBezTo>
+                </a:path>
+              </a:pathLst>
+            </a:custGeom>
+            <a:noFill/>
+            <a:ln w="12700" cap="flat">
+              <a:solidFill>
+                <a:schemeClr val="tx1">
+                  <a:alpha val="20000"/>
+                </a:schemeClr>
+              </a:solidFill>
+              <a:prstDash val="dashDot"/>
+              <a:miter lim="800000"/>
+              <a:headEnd/>
+              <a:tailEnd/>
+            </a:ln>
+            <a:extLst>
+              <a:ext uri="{909E8E84-426E-40DD-AFC4-6F175D3DCCD1}">
+                <a14:hiddenFill xmlns:a14="http://schemas.microsoft.com/office/drawing/2010/main">
+                  <a:solidFill>
+                    <a:srgbClr val="FFFFFF"/>
+                  </a:solidFill>
+                </a14:hiddenFill>
+              </a:ext>
+            </a:extLst>
+          </p:spPr>
+        </p:sp>
+        <p:sp>
+          <p:nvSpPr>
+            <p:cNvPr id="22" name="Freeform 17">
+              <a:extLst>
+                <a:ext uri="{FF2B5EF4-FFF2-40B4-BE49-F238E27FC236}">
+                  <a16:creationId xmlns:a16="http://schemas.microsoft.com/office/drawing/2014/main" id="{FABD280D-079A-453F-BB67-25DE0CFFA78C}"/>
+                </a:ext>
+                <a:ext uri="{C183D7F6-B498-43B3-948B-1728B52AA6E4}">
+                  <adec:decorative xmlns:adec="http://schemas.microsoft.com/office/drawing/2017/decorative" val="1"/>
+                </a:ext>
+              </a:extLst>
+            </p:cNvPr>
+            <p:cNvSpPr/>
+            <p:nvPr>
+              <p:extLst>
+                <p:ext uri="{386F3935-93C4-4BCD-93E2-E3B085C9AB24}">
+                  <p16:designElem xmlns:p16="http://schemas.microsoft.com/office/powerpoint/2015/main" val="1"/>
+                </p:ext>
+              </p:extLst>
+            </p:nvPr>
+          </p:nvSpPr>
+          <p:spPr bwMode="auto">
+            <a:xfrm>
+              <a:off x="6210826" y="790"/>
+              <a:ext cx="5522913" cy="6871126"/>
+            </a:xfrm>
+            <a:custGeom>
+              <a:avLst/>
+              <a:gdLst/>
+              <a:ahLst/>
+              <a:cxnLst/>
+              <a:rect l="0" t="0" r="r" b="b"/>
+              <a:pathLst>
+                <a:path w="1160" h="1441">
+                  <a:moveTo>
+                    <a:pt x="1053" y="1441"/>
+                  </a:moveTo>
+                  <a:cubicBezTo>
+                    <a:pt x="1160" y="1129"/>
+                    <a:pt x="892" y="817"/>
+                    <a:pt x="705" y="599"/>
+                  </a:cubicBezTo>
+                  <a:cubicBezTo>
+                    <a:pt x="503" y="365"/>
+                    <a:pt x="270" y="152"/>
+                    <a:pt x="0" y="0"/>
+                  </a:cubicBezTo>
+                </a:path>
+              </a:pathLst>
+            </a:custGeom>
+            <a:noFill/>
+            <a:ln w="9525" cap="flat">
+              <a:solidFill>
+                <a:schemeClr val="tx1">
+                  <a:alpha val="20000"/>
+                </a:schemeClr>
+              </a:solidFill>
+              <a:prstDash val="solid"/>
+              <a:miter lim="800000"/>
+              <a:headEnd/>
+              <a:tailEnd/>
+            </a:ln>
+            <a:extLst>
+              <a:ext uri="{909E8E84-426E-40DD-AFC4-6F175D3DCCD1}">
+                <a14:hiddenFill xmlns:a14="http://schemas.microsoft.com/office/drawing/2010/main">
+                  <a:solidFill>
+                    <a:srgbClr val="FFFFFF"/>
+                  </a:solidFill>
+                </a14:hiddenFill>
+              </a:ext>
+            </a:extLst>
+          </p:spPr>
+        </p:sp>
+        <p:sp>
+          <p:nvSpPr>
+            <p:cNvPr id="23" name="Freeform 18">
+              <a:extLst>
+                <a:ext uri="{FF2B5EF4-FFF2-40B4-BE49-F238E27FC236}">
+                  <a16:creationId xmlns:a16="http://schemas.microsoft.com/office/drawing/2014/main" id="{A65E1FB9-E675-439E-B4AD-7A83D28374D5}"/>
+                </a:ext>
+                <a:ext uri="{C183D7F6-B498-43B3-948B-1728B52AA6E4}">
+                  <adec:decorative xmlns:adec="http://schemas.microsoft.com/office/drawing/2017/decorative" val="1"/>
+                </a:ext>
+              </a:extLst>
+            </p:cNvPr>
+            <p:cNvSpPr/>
+            <p:nvPr>
+              <p:extLst>
+                <p:ext uri="{386F3935-93C4-4BCD-93E2-E3B085C9AB24}">
+                  <p16:designElem xmlns:p16="http://schemas.microsoft.com/office/powerpoint/2015/main" val="1"/>
+                </p:ext>
+              </p:extLst>
+            </p:nvPr>
+          </p:nvSpPr>
+          <p:spPr bwMode="auto">
+            <a:xfrm>
+              <a:off x="6463239" y="5579"/>
+              <a:ext cx="5413375" cy="6866337"/>
+            </a:xfrm>
+            <a:custGeom>
+              <a:avLst/>
+              <a:gdLst/>
+              <a:ahLst/>
+              <a:cxnLst/>
+              <a:rect l="0" t="0" r="r" b="b"/>
+              <a:pathLst>
+                <a:path w="1137" h="1440">
+                  <a:moveTo>
+                    <a:pt x="1040" y="1440"/>
+                  </a:moveTo>
+                  <a:cubicBezTo>
+                    <a:pt x="1137" y="1131"/>
+                    <a:pt x="883" y="828"/>
+                    <a:pt x="698" y="611"/>
+                  </a:cubicBezTo>
+                  <a:cubicBezTo>
+                    <a:pt x="498" y="375"/>
+                    <a:pt x="268" y="159"/>
+                    <a:pt x="0" y="0"/>
+                  </a:cubicBezTo>
+                </a:path>
+              </a:pathLst>
+            </a:custGeom>
+            <a:noFill/>
+            <a:ln w="9525" cap="flat">
+              <a:solidFill>
+                <a:schemeClr val="tx1">
+                  <a:alpha val="20000"/>
+                </a:schemeClr>
+              </a:solidFill>
+              <a:prstDash val="solid"/>
+              <a:miter lim="800000"/>
+              <a:headEnd/>
+              <a:tailEnd/>
+            </a:ln>
+            <a:extLst>
+              <a:ext uri="{909E8E84-426E-40DD-AFC4-6F175D3DCCD1}">
+                <a14:hiddenFill xmlns:a14="http://schemas.microsoft.com/office/drawing/2010/main">
+                  <a:solidFill>
+                    <a:srgbClr val="FFFFFF"/>
+                  </a:solidFill>
+                </a14:hiddenFill>
+              </a:ext>
+            </a:extLst>
+          </p:spPr>
+        </p:sp>
+        <p:sp>
+          <p:nvSpPr>
+            <p:cNvPr id="24" name="Freeform 19">
+              <a:extLst>
+                <a:ext uri="{FF2B5EF4-FFF2-40B4-BE49-F238E27FC236}">
+                  <a16:creationId xmlns:a16="http://schemas.microsoft.com/office/drawing/2014/main" id="{73F22E98-36D4-4717-BD18-7D82C5C6C2B0}"/>
+                </a:ext>
+                <a:ext uri="{C183D7F6-B498-43B3-948B-1728B52AA6E4}">
+                  <adec:decorative xmlns:adec="http://schemas.microsoft.com/office/drawing/2017/decorative" val="1"/>
+                </a:ext>
+              </a:extLst>
+            </p:cNvPr>
+            <p:cNvSpPr/>
+            <p:nvPr>
+              <p:extLst>
+                <p:ext uri="{386F3935-93C4-4BCD-93E2-E3B085C9AB24}">
+                  <p16:designElem xmlns:p16="http://schemas.microsoft.com/office/powerpoint/2015/main" val="1"/>
+                </p:ext>
+              </p:extLst>
+            </p:nvPr>
+          </p:nvSpPr>
+          <p:spPr bwMode="auto">
+            <a:xfrm>
+              <a:off x="6877576" y="5579"/>
+              <a:ext cx="5037138" cy="6861550"/>
+            </a:xfrm>
+            <a:custGeom>
+              <a:avLst/>
+              <a:gdLst/>
+              <a:ahLst/>
+              <a:cxnLst/>
+              <a:rect l="0" t="0" r="r" b="b"/>
+              <a:pathLst>
+                <a:path w="1058" h="1439">
+                  <a:moveTo>
+                    <a:pt x="1011" y="1439"/>
+                  </a:moveTo>
+                  <a:cubicBezTo>
+                    <a:pt x="1058" y="1131"/>
+                    <a:pt x="825" y="841"/>
+                    <a:pt x="648" y="617"/>
+                  </a:cubicBezTo>
+                  <a:cubicBezTo>
+                    <a:pt x="462" y="383"/>
+                    <a:pt x="248" y="168"/>
+                    <a:pt x="0" y="0"/>
+                  </a:cubicBezTo>
+                </a:path>
+              </a:pathLst>
+            </a:custGeom>
+            <a:noFill/>
+            <a:ln w="9525" cap="flat">
+              <a:solidFill>
+                <a:schemeClr val="tx1">
+                  <a:alpha val="20000"/>
+                </a:schemeClr>
+              </a:solidFill>
+              <a:prstDash val="solid"/>
+              <a:miter lim="800000"/>
+              <a:headEnd/>
+              <a:tailEnd/>
+            </a:ln>
+            <a:extLst>
+              <a:ext uri="{909E8E84-426E-40DD-AFC4-6F175D3DCCD1}">
+                <a14:hiddenFill xmlns:a14="http://schemas.microsoft.com/office/drawing/2010/main">
+                  <a:solidFill>
+                    <a:srgbClr val="FFFFFF"/>
+                  </a:solidFill>
+                </a14:hiddenFill>
+              </a:ext>
+            </a:extLst>
+          </p:spPr>
+        </p:sp>
+        <p:sp>
+          <p:nvSpPr>
+            <p:cNvPr id="25" name="Freeform 20">
+              <a:extLst>
+                <a:ext uri="{FF2B5EF4-FFF2-40B4-BE49-F238E27FC236}">
+                  <a16:creationId xmlns:a16="http://schemas.microsoft.com/office/drawing/2014/main" id="{8D514B26-F1E3-4FC5-9971-32D9BD659CD1}"/>
+                </a:ext>
+                <a:ext uri="{C183D7F6-B498-43B3-948B-1728B52AA6E4}">
+                  <adec:decorative xmlns:adec="http://schemas.microsoft.com/office/drawing/2017/decorative" val="1"/>
+                </a:ext>
+              </a:extLst>
+            </p:cNvPr>
+            <p:cNvSpPr/>
+            <p:nvPr>
+              <p:extLst>
+                <p:ext uri="{386F3935-93C4-4BCD-93E2-E3B085C9AB24}">
+                  <p16:designElem xmlns:p16="http://schemas.microsoft.com/office/powerpoint/2015/main" val="1"/>
+                </p:ext>
+              </p:extLst>
+            </p:nvPr>
+          </p:nvSpPr>
+          <p:spPr bwMode="auto">
+            <a:xfrm>
+              <a:off x="8768289" y="5579"/>
+              <a:ext cx="3417888" cy="2742066"/>
+            </a:xfrm>
+            <a:custGeom>
+              <a:avLst/>
+              <a:gdLst/>
+              <a:ahLst/>
+              <a:cxnLst/>
+              <a:rect l="0" t="0" r="r" b="b"/>
+              <a:pathLst>
+                <a:path w="718" h="575">
+                  <a:moveTo>
+                    <a:pt x="718" y="575"/>
+                  </a:moveTo>
+                  <a:cubicBezTo>
+                    <a:pt x="500" y="360"/>
+                    <a:pt x="260" y="163"/>
+                    <a:pt x="0" y="0"/>
+                  </a:cubicBezTo>
+                </a:path>
+              </a:pathLst>
+            </a:custGeom>
+            <a:noFill/>
+            <a:ln w="9525" cap="flat">
+              <a:solidFill>
+                <a:schemeClr val="tx1">
+                  <a:alpha val="20000"/>
+                </a:schemeClr>
+              </a:solidFill>
+              <a:prstDash val="solid"/>
+              <a:miter lim="800000"/>
+              <a:headEnd/>
+              <a:tailEnd/>
+            </a:ln>
+            <a:extLst>
+              <a:ext uri="{909E8E84-426E-40DD-AFC4-6F175D3DCCD1}">
+                <a14:hiddenFill xmlns:a14="http://schemas.microsoft.com/office/drawing/2010/main">
+                  <a:solidFill>
+                    <a:srgbClr val="FFFFFF"/>
+                  </a:solidFill>
+                </a14:hiddenFill>
+              </a:ext>
+            </a:extLst>
+          </p:spPr>
+        </p:sp>
+        <p:sp>
+          <p:nvSpPr>
+            <p:cNvPr id="26" name="Freeform 21">
+              <a:extLst>
+                <a:ext uri="{FF2B5EF4-FFF2-40B4-BE49-F238E27FC236}">
+                  <a16:creationId xmlns:a16="http://schemas.microsoft.com/office/drawing/2014/main" id="{625A493F-B70E-453E-879D-AF04AAC5009C}"/>
+                </a:ext>
+                <a:ext uri="{C183D7F6-B498-43B3-948B-1728B52AA6E4}">
+                  <adec:decorative xmlns:adec="http://schemas.microsoft.com/office/drawing/2017/decorative" val="1"/>
+                </a:ext>
+              </a:extLst>
+            </p:cNvPr>
+            <p:cNvSpPr/>
+            <p:nvPr>
+              <p:extLst>
+                <p:ext uri="{386F3935-93C4-4BCD-93E2-E3B085C9AB24}">
+                  <p16:designElem xmlns:p16="http://schemas.microsoft.com/office/powerpoint/2015/main" val="1"/>
+                </p:ext>
+              </p:extLst>
+            </p:nvPr>
+          </p:nvSpPr>
+          <p:spPr bwMode="auto">
+            <a:xfrm>
+              <a:off x="9235014" y="10367"/>
+              <a:ext cx="2951163" cy="2555325"/>
+            </a:xfrm>
+            <a:custGeom>
+              <a:avLst/>
+              <a:gdLst/>
+              <a:ahLst/>
+              <a:cxnLst/>
+              <a:rect l="0" t="0" r="r" b="b"/>
+              <a:pathLst>
+                <a:path w="620" h="536">
+                  <a:moveTo>
+                    <a:pt x="620" y="536"/>
+                  </a:moveTo>
+                  <a:cubicBezTo>
+                    <a:pt x="404" y="314"/>
+                    <a:pt x="196" y="138"/>
+                    <a:pt x="0" y="0"/>
+                  </a:cubicBezTo>
+                </a:path>
+              </a:pathLst>
+            </a:custGeom>
+            <a:noFill/>
+            <a:ln w="9525" cap="flat">
+              <a:solidFill>
+                <a:schemeClr val="tx1">
+                  <a:alpha val="20000"/>
+                </a:schemeClr>
+              </a:solidFill>
+              <a:prstDash val="solid"/>
+              <a:miter lim="800000"/>
+              <a:headEnd/>
+              <a:tailEnd/>
+            </a:ln>
+            <a:extLst>
+              <a:ext uri="{909E8E84-426E-40DD-AFC4-6F175D3DCCD1}">
+                <a14:hiddenFill xmlns:a14="http://schemas.microsoft.com/office/drawing/2010/main">
+                  <a:solidFill>
+                    <a:srgbClr val="FFFFFF"/>
+                  </a:solidFill>
+                </a14:hiddenFill>
+              </a:ext>
+            </a:extLst>
+          </p:spPr>
+        </p:sp>
+        <p:sp>
+          <p:nvSpPr>
+            <p:cNvPr id="27" name="Freeform 22">
+              <a:extLst>
+                <a:ext uri="{FF2B5EF4-FFF2-40B4-BE49-F238E27FC236}">
+                  <a16:creationId xmlns:a16="http://schemas.microsoft.com/office/drawing/2014/main" id="{F7B5899C-8596-4D71-8853-45318E1116AF}"/>
+                </a:ext>
+                <a:ext uri="{C183D7F6-B498-43B3-948B-1728B52AA6E4}">
+                  <adec:decorative xmlns:adec="http://schemas.microsoft.com/office/drawing/2017/decorative" val="1"/>
+                </a:ext>
+              </a:extLst>
+            </p:cNvPr>
+            <p:cNvSpPr/>
+            <p:nvPr>
+              <p:extLst>
+                <p:ext uri="{386F3935-93C4-4BCD-93E2-E3B085C9AB24}">
+                  <p16:designElem xmlns:p16="http://schemas.microsoft.com/office/powerpoint/2015/main" val="1"/>
+                </p:ext>
+              </p:extLst>
+            </p:nvPr>
+          </p:nvSpPr>
+          <p:spPr bwMode="auto">
+            <a:xfrm>
+              <a:off x="10020826" y="5579"/>
+              <a:ext cx="2165350" cy="1358265"/>
+            </a:xfrm>
+            <a:custGeom>
+              <a:avLst/>
+              <a:gdLst/>
+              <a:ahLst/>
+              <a:cxnLst/>
+              <a:rect l="0" t="0" r="r" b="b"/>
+              <a:pathLst>
+                <a:path w="455" h="285">
+                  <a:moveTo>
+                    <a:pt x="0" y="0"/>
+                  </a:moveTo>
+                  <a:cubicBezTo>
+                    <a:pt x="153" y="85"/>
+                    <a:pt x="308" y="180"/>
+                    <a:pt x="455" y="285"/>
+                  </a:cubicBezTo>
+                </a:path>
+              </a:pathLst>
+            </a:custGeom>
+            <a:noFill/>
+            <a:ln w="9525" cap="flat">
+              <a:solidFill>
+                <a:schemeClr val="tx1">
+                  <a:alpha val="20000"/>
+                </a:schemeClr>
+              </a:solidFill>
+              <a:prstDash val="dash"/>
+              <a:miter lim="800000"/>
+              <a:headEnd/>
+              <a:tailEnd/>
+            </a:ln>
+            <a:extLst>
+              <a:ext uri="{909E8E84-426E-40DD-AFC4-6F175D3DCCD1}">
+                <a14:hiddenFill xmlns:a14="http://schemas.microsoft.com/office/drawing/2010/main">
+                  <a:solidFill>
+                    <a:srgbClr val="FFFFFF"/>
+                  </a:solidFill>
+                </a14:hiddenFill>
+              </a:ext>
+            </a:extLst>
+          </p:spPr>
+        </p:sp>
+        <p:sp>
+          <p:nvSpPr>
+            <p:cNvPr id="28" name="Freeform 23">
+              <a:extLst>
+                <a:ext uri="{FF2B5EF4-FFF2-40B4-BE49-F238E27FC236}">
+                  <a16:creationId xmlns:a16="http://schemas.microsoft.com/office/drawing/2014/main" id="{3B9C14FC-56CE-46EA-B8CA-5AC43CEEBC84}"/>
+                </a:ext>
+                <a:ext uri="{C183D7F6-B498-43B3-948B-1728B52AA6E4}">
+                  <adec:decorative xmlns:adec="http://schemas.microsoft.com/office/drawing/2017/decorative" val="1"/>
+                </a:ext>
+              </a:extLst>
+            </p:cNvPr>
+            <p:cNvSpPr/>
+            <p:nvPr>
+              <p:extLst>
+                <p:ext uri="{386F3935-93C4-4BCD-93E2-E3B085C9AB24}">
+                  <p16:designElem xmlns:p16="http://schemas.microsoft.com/office/powerpoint/2015/main" val="1"/>
+                </p:ext>
+              </p:extLst>
+            </p:nvPr>
+          </p:nvSpPr>
+          <p:spPr bwMode="auto">
+            <a:xfrm>
+              <a:off x="11290826" y="5579"/>
+              <a:ext cx="895350" cy="534687"/>
+            </a:xfrm>
+            <a:custGeom>
+              <a:avLst/>
+              <a:gdLst/>
+              <a:ahLst/>
+              <a:cxnLst/>
+              <a:rect l="0" t="0" r="r" b="b"/>
+              <a:pathLst>
+                <a:path w="188" h="112">
+                  <a:moveTo>
+                    <a:pt x="0" y="0"/>
+                  </a:moveTo>
+                  <a:cubicBezTo>
+                    <a:pt x="63" y="36"/>
+                    <a:pt x="126" y="73"/>
+                    <a:pt x="188" y="112"/>
+                  </a:cubicBezTo>
+                </a:path>
+              </a:pathLst>
+            </a:custGeom>
+            <a:noFill/>
+            <a:ln w="9525" cap="flat">
+              <a:solidFill>
+                <a:schemeClr val="tx1">
+                  <a:alpha val="20000"/>
+                </a:schemeClr>
+              </a:solidFill>
+              <a:prstDash val="solid"/>
+              <a:miter lim="800000"/>
+              <a:headEnd/>
+              <a:tailEnd/>
+            </a:ln>
+            <a:extLst>
+              <a:ext uri="{909E8E84-426E-40DD-AFC4-6F175D3DCCD1}">
+                <a14:hiddenFill xmlns:a14="http://schemas.microsoft.com/office/drawing/2010/main">
+                  <a:solidFill>
+                    <a:srgbClr val="FFFFFF"/>
+                  </a:solidFill>
+                </a14:hiddenFill>
+              </a:ext>
+            </a:extLst>
+          </p:spPr>
+        </p:sp>
+      </p:grpSp>
+      <p:grpSp>
+        <p:nvGrpSpPr>
+          <p:cNvPr id="30" name="Group 29">
+            <a:extLst>
+              <a:ext uri="{FF2B5EF4-FFF2-40B4-BE49-F238E27FC236}">
+                <a16:creationId xmlns:a16="http://schemas.microsoft.com/office/drawing/2014/main" id="{F20A4E56-ACC6-4224-90CA-D55AFD87063B}"/>
+              </a:ext>
+              <a:ext uri="{C183D7F6-B498-43B3-948B-1728B52AA6E4}">
+                <adec:decorative xmlns:adec="http://schemas.microsoft.com/office/drawing/2017/decorative" val="1"/>
+              </a:ext>
+            </a:extLst>
+          </p:cNvPr>
+          <p:cNvGrpSpPr>
+            <a:grpSpLocks noGrp="1" noUngrp="1" noRot="1" noChangeAspect="1" noMove="1" noResize="1"/>
+          </p:cNvGrpSpPr>
+          <p:nvPr>
+            <p:extLst>
+              <p:ext uri="{386F3935-93C4-4BCD-93E2-E3B085C9AB24}">
+                <p16:designElem xmlns:p16="http://schemas.microsoft.com/office/powerpoint/2015/main" val="1"/>
+              </p:ext>
+            </p:extLst>
+          </p:nvPr>
+        </p:nvGrpSpPr>
+        <p:grpSpPr>
+          <a:xfrm>
+            <a:off x="1669293" y="1186483"/>
+            <a:ext cx="8848345" cy="4477933"/>
+            <a:chOff x="1669293" y="1186483"/>
+            <a:chExt cx="8848345" cy="4477933"/>
+          </a:xfrm>
+        </p:grpSpPr>
+        <p:sp>
+          <p:nvSpPr>
+            <p:cNvPr id="31" name="Rectangle 30">
+              <a:extLst>
+                <a:ext uri="{FF2B5EF4-FFF2-40B4-BE49-F238E27FC236}">
+                  <a16:creationId xmlns:a16="http://schemas.microsoft.com/office/drawing/2014/main" id="{AC651636-2851-41D1-8CA5-308118F36F81}"/>
+                </a:ext>
+                <a:ext uri="{C183D7F6-B498-43B3-948B-1728B52AA6E4}">
+                  <adec:decorative xmlns:adec="http://schemas.microsoft.com/office/drawing/2017/decorative" val="1"/>
+                </a:ext>
+              </a:extLst>
+            </p:cNvPr>
+            <p:cNvSpPr/>
+            <p:nvPr>
+              <p:extLst>
+                <p:ext uri="{386F3935-93C4-4BCD-93E2-E3B085C9AB24}">
+                  <p16:designElem xmlns:p16="http://schemas.microsoft.com/office/powerpoint/2015/main" val="1"/>
+                </p:ext>
+              </p:extLst>
+            </p:nvPr>
+          </p:nvSpPr>
+          <p:spPr>
+            <a:xfrm>
+              <a:off x="1674042" y="1186483"/>
+              <a:ext cx="8843596" cy="716184"/>
+            </a:xfrm>
+            <a:prstGeom prst="rect">
+              <a:avLst/>
+            </a:prstGeom>
+            <a:solidFill>
+              <a:schemeClr val="accent1"/>
+            </a:solidFill>
+            <a:ln>
+              <a:noFill/>
+            </a:ln>
+          </p:spPr>
+          <p:style>
+            <a:lnRef idx="2">
+              <a:schemeClr val="accent1">
+                <a:shade val="50000"/>
+              </a:schemeClr>
+            </a:lnRef>
+            <a:fillRef idx="1">
+              <a:schemeClr val="accent1"/>
+            </a:fillRef>
+            <a:effectRef idx="0">
+              <a:schemeClr val="accent1"/>
+            </a:effectRef>
+            <a:fontRef idx="minor">
+              <a:schemeClr val="lt1"/>
+            </a:fontRef>
+          </p:style>
+        </p:sp>
+        <p:sp>
+          <p:nvSpPr>
+            <p:cNvPr id="32" name="Isosceles Triangle 31">
+              <a:extLst>
+                <a:ext uri="{FF2B5EF4-FFF2-40B4-BE49-F238E27FC236}">
+                  <a16:creationId xmlns:a16="http://schemas.microsoft.com/office/drawing/2014/main" id="{59909CA5-DB2C-4B0F-A986-58751C05A5E8}"/>
+                </a:ext>
+                <a:ext uri="{C183D7F6-B498-43B3-948B-1728B52AA6E4}">
+                  <adec:decorative xmlns:adec="http://schemas.microsoft.com/office/drawing/2017/decorative" val="1"/>
+                </a:ext>
+              </a:extLst>
+            </p:cNvPr>
+            <p:cNvSpPr/>
+            <p:nvPr>
+              <p:extLst>
+                <p:ext uri="{386F3935-93C4-4BCD-93E2-E3B085C9AB24}">
+                  <p16:designElem xmlns:p16="http://schemas.microsoft.com/office/powerpoint/2015/main" val="1"/>
+                </p:ext>
+              </p:extLst>
+            </p:nvPr>
+          </p:nvSpPr>
+          <p:spPr>
+            <a:xfrm rot="10800000">
+              <a:off x="5892384" y="5313353"/>
+              <a:ext cx="407233" cy="351063"/>
+            </a:xfrm>
+            <a:prstGeom prst="triangle">
+              <a:avLst/>
+            </a:prstGeom>
+            <a:solidFill>
+              <a:schemeClr val="accent1"/>
+            </a:solidFill>
+            <a:ln>
+              <a:noFill/>
+            </a:ln>
+          </p:spPr>
+          <p:style>
+            <a:lnRef idx="2">
+              <a:schemeClr val="accent1">
+                <a:shade val="50000"/>
+              </a:schemeClr>
+            </a:lnRef>
+            <a:fillRef idx="1">
+              <a:schemeClr val="accent1"/>
+            </a:fillRef>
+            <a:effectRef idx="0">
+              <a:schemeClr val="accent1"/>
+            </a:effectRef>
+            <a:fontRef idx="minor">
+              <a:schemeClr val="lt1"/>
+            </a:fontRef>
+          </p:style>
+        </p:sp>
+        <p:sp>
+          <p:nvSpPr>
+            <p:cNvPr id="33" name="Rectangle 32">
+              <a:extLst>
+                <a:ext uri="{FF2B5EF4-FFF2-40B4-BE49-F238E27FC236}">
+                  <a16:creationId xmlns:a16="http://schemas.microsoft.com/office/drawing/2014/main" id="{8C7AC88B-4F8C-418E-9D03-D36DE2792A9D}"/>
+                </a:ext>
+                <a:ext uri="{C183D7F6-B498-43B3-948B-1728B52AA6E4}">
+                  <adec:decorative xmlns:adec="http://schemas.microsoft.com/office/drawing/2017/decorative" val="1"/>
+                </a:ext>
+              </a:extLst>
+            </p:cNvPr>
+            <p:cNvSpPr/>
+            <p:nvPr>
+              <p:extLst>
+                <p:ext uri="{386F3935-93C4-4BCD-93E2-E3B085C9AB24}">
+                  <p16:designElem xmlns:p16="http://schemas.microsoft.com/office/powerpoint/2015/main" val="1"/>
+                </p:ext>
+              </p:extLst>
+            </p:nvPr>
+          </p:nvSpPr>
+          <p:spPr>
+            <a:xfrm>
+              <a:off x="1669293" y="1991156"/>
+              <a:ext cx="8845667" cy="3322196"/>
+            </a:xfrm>
+            <a:prstGeom prst="rect">
+              <a:avLst/>
+            </a:prstGeom>
+            <a:solidFill>
+              <a:schemeClr val="accent1"/>
+            </a:solidFill>
+            <a:ln>
+              <a:noFill/>
+            </a:ln>
+          </p:spPr>
+          <p:style>
+            <a:lnRef idx="2">
+              <a:schemeClr val="accent1">
+                <a:shade val="50000"/>
+              </a:schemeClr>
+            </a:lnRef>
+            <a:fillRef idx="1">
+              <a:schemeClr val="accent1"/>
+            </a:fillRef>
+            <a:effectRef idx="0">
+              <a:schemeClr val="accent1"/>
+            </a:effectRef>
+            <a:fontRef idx="minor">
+              <a:schemeClr val="lt1"/>
+            </a:fontRef>
+          </p:style>
+        </p:sp>
+      </p:grpSp>
+      <p:sp useBgFill="1">
+        <p:nvSpPr>
+          <p:cNvPr id="35" name="Rectangle 34">
+            <a:extLst>
+              <a:ext uri="{FF2B5EF4-FFF2-40B4-BE49-F238E27FC236}">
+                <a16:creationId xmlns:a16="http://schemas.microsoft.com/office/drawing/2014/main" id="{8A1FB2DD-F939-4CBA-ABDB-29E35D8BEA93}"/>
+              </a:ext>
+              <a:ext uri="{C183D7F6-B498-43B3-948B-1728B52AA6E4}">
+                <adec:decorative xmlns:adec="http://schemas.microsoft.com/office/drawing/2017/decorative" val="1"/>
+              </a:ext>
+            </a:extLst>
+          </p:cNvPr>
+          <p:cNvSpPr>
+            <a:spLocks noGrp="1" noRot="1" noChangeAspect="1" noMove="1" noResize="1" noEditPoints="1" noAdjustHandles="1" noChangeArrowheads="1" noChangeShapeType="1" noTextEdit="1"/>
+          </p:cNvSpPr>
+          <p:nvPr>
+            <p:extLst>
+              <p:ext uri="{386F3935-93C4-4BCD-93E2-E3B085C9AB24}">
+                <p16:designElem xmlns:p16="http://schemas.microsoft.com/office/powerpoint/2015/main" val="1"/>
+              </p:ext>
+            </p:extLst>
+          </p:nvPr>
+        </p:nvSpPr>
+        <p:spPr>
+          <a:xfrm>
+            <a:off x="0" y="0"/>
+            <a:ext cx="12191695" cy="6858000"/>
+          </a:xfrm>
+          <a:prstGeom prst="rect">
+            <a:avLst/>
+          </a:prstGeom>
+          <a:ln>
+            <a:noFill/>
+          </a:ln>
+        </p:spPr>
+        <p:style>
+          <a:lnRef idx="2">
+            <a:schemeClr val="accent1">
+              <a:shade val="50000"/>
+            </a:schemeClr>
+          </a:lnRef>
+          <a:fillRef idx="1">
+            <a:schemeClr val="accent1"/>
+          </a:fillRef>
+          <a:effectRef idx="0">
+            <a:schemeClr val="accent1"/>
+          </a:effectRef>
+          <a:fontRef idx="minor">
+            <a:schemeClr val="lt1"/>
+          </a:fontRef>
+        </p:style>
+        <p:txBody>
+          <a:bodyPr rtlCol="0" anchor="ctr"/>
+          <a:lstStyle/>
+          <a:p>
+            <a:pPr algn="ctr"/>
+            <a:endParaRPr lang="en-US"/>
+          </a:p>
+        </p:txBody>
+      </p:sp>
+      <p:grpSp>
+        <p:nvGrpSpPr>
+          <p:cNvPr id="37" name="Group 36">
+            <a:extLst>
+              <a:ext uri="{FF2B5EF4-FFF2-40B4-BE49-F238E27FC236}">
+                <a16:creationId xmlns:a16="http://schemas.microsoft.com/office/drawing/2014/main" id="{A2306E72-4678-4841-A0F6-AFEECD9F4BF0}"/>
+              </a:ext>
+              <a:ext uri="{C183D7F6-B498-43B3-948B-1728B52AA6E4}">
+                <adec:decorative xmlns:adec="http://schemas.microsoft.com/office/drawing/2017/decorative" val="1"/>
+              </a:ext>
+            </a:extLst>
+          </p:cNvPr>
+          <p:cNvGrpSpPr>
+            <a:grpSpLocks noGrp="1" noUngrp="1" noRot="1" noChangeAspect="1" noMove="1" noResize="1"/>
+          </p:cNvGrpSpPr>
+          <p:nvPr>
+            <p:extLst>
+              <p:ext uri="{386F3935-93C4-4BCD-93E2-E3B085C9AB24}">
+                <p16:designElem xmlns:p16="http://schemas.microsoft.com/office/powerpoint/2015/main" val="1"/>
+              </p:ext>
+            </p:extLst>
+          </p:nvPr>
+        </p:nvGrpSpPr>
+        <p:grpSpPr>
+          <a:xfrm>
+            <a:off x="-329674" y="-59376"/>
+            <a:ext cx="12515851" cy="6923798"/>
+            <a:chOff x="-329674" y="-51881"/>
+            <a:chExt cx="12515851" cy="6923798"/>
+          </a:xfrm>
+        </p:grpSpPr>
+        <p:sp>
+          <p:nvSpPr>
+            <p:cNvPr id="38" name="Freeform 5">
+              <a:extLst>
+                <a:ext uri="{FF2B5EF4-FFF2-40B4-BE49-F238E27FC236}">
+                  <a16:creationId xmlns:a16="http://schemas.microsoft.com/office/drawing/2014/main" id="{8E5FF42C-D098-4EE3-B636-744F9A2705ED}"/>
+                </a:ext>
+                <a:ext uri="{C183D7F6-B498-43B3-948B-1728B52AA6E4}">
+                  <adec:decorative xmlns:adec="http://schemas.microsoft.com/office/drawing/2017/decorative" val="1"/>
+                </a:ext>
+              </a:extLst>
+            </p:cNvPr>
+            <p:cNvSpPr>
+              <a:spLocks/>
+            </p:cNvSpPr>
+            <p:nvPr>
+              <p:extLst>
+                <p:ext uri="{386F3935-93C4-4BCD-93E2-E3B085C9AB24}">
+                  <p16:designElem xmlns:p16="http://schemas.microsoft.com/office/powerpoint/2015/main" val="1"/>
+                </p:ext>
+              </p:extLst>
+            </p:nvPr>
+          </p:nvSpPr>
+          <p:spPr bwMode="auto">
+            <a:xfrm>
+              <a:off x="-329674" y="1298404"/>
+              <a:ext cx="9702800" cy="5573512"/>
+            </a:xfrm>
+            <a:custGeom>
+              <a:avLst/>
+              <a:gdLst>
+                <a:gd name="T0" fmla="*/ 1752 w 2038"/>
+                <a:gd name="T1" fmla="*/ 1169 h 1169"/>
+                <a:gd name="T2" fmla="*/ 1487 w 2038"/>
+                <a:gd name="T3" fmla="*/ 334 h 1169"/>
+                <a:gd name="T4" fmla="*/ 860 w 2038"/>
+                <a:gd name="T5" fmla="*/ 22 h 1169"/>
+                <a:gd name="T6" fmla="*/ 199 w 2038"/>
+                <a:gd name="T7" fmla="*/ 318 h 1169"/>
+                <a:gd name="T8" fmla="*/ 399 w 2038"/>
+                <a:gd name="T9" fmla="*/ 1165 h 1169"/>
+              </a:gdLst>
+              <a:ahLst/>
+              <a:cxnLst>
+                <a:cxn ang="0">
+                  <a:pos x="T0" y="T1"/>
+                </a:cxn>
+                <a:cxn ang="0">
+                  <a:pos x="T2" y="T3"/>
+                </a:cxn>
+                <a:cxn ang="0">
+                  <a:pos x="T4" y="T5"/>
+                </a:cxn>
+                <a:cxn ang="0">
+                  <a:pos x="T6" y="T7"/>
+                </a:cxn>
+                <a:cxn ang="0">
+                  <a:pos x="T8" y="T9"/>
+                </a:cxn>
+              </a:cxnLst>
+              <a:rect l="0" t="0" r="r" b="b"/>
+              <a:pathLst>
+                <a:path w="2038" h="1169">
+                  <a:moveTo>
+                    <a:pt x="1752" y="1169"/>
+                  </a:moveTo>
+                  <a:cubicBezTo>
+                    <a:pt x="2038" y="928"/>
+                    <a:pt x="1673" y="513"/>
+                    <a:pt x="1487" y="334"/>
+                  </a:cubicBezTo>
+                  <a:cubicBezTo>
+                    <a:pt x="1316" y="170"/>
+                    <a:pt x="1099" y="43"/>
+                    <a:pt x="860" y="22"/>
+                  </a:cubicBezTo>
+                  <a:cubicBezTo>
+                    <a:pt x="621" y="0"/>
+                    <a:pt x="341" y="128"/>
+                    <a:pt x="199" y="318"/>
+                  </a:cubicBezTo>
+                  <a:cubicBezTo>
+                    <a:pt x="0" y="586"/>
+                    <a:pt x="184" y="965"/>
+                    <a:pt x="399" y="1165"/>
+                  </a:cubicBezTo>
+                </a:path>
+              </a:pathLst>
+            </a:custGeom>
+            <a:noFill/>
+            <a:ln w="9525" cap="flat">
+              <a:solidFill>
+                <a:schemeClr val="tx1">
+                  <a:alpha val="20000"/>
+                </a:schemeClr>
+              </a:solidFill>
+              <a:prstDash val="solid"/>
+              <a:miter lim="800000"/>
+              <a:headEnd/>
+              <a:tailEnd/>
+            </a:ln>
+            <a:extLst>
+              <a:ext uri="{909E8E84-426E-40DD-AFC4-6F175D3DCCD1}">
+                <a14:hiddenFill xmlns:a14="http://schemas.microsoft.com/office/drawing/2010/main">
+                  <a:solidFill>
+                    <a:srgbClr val="FFFFFF"/>
+                  </a:solidFill>
+                </a14:hiddenFill>
+              </a:ext>
+            </a:extLst>
+          </p:spPr>
+          <p:txBody>
+            <a:bodyPr vert="horz" wrap="square" lIns="91440" tIns="45720" rIns="91440" bIns="45720" numCol="1" anchor="t" anchorCtr="0" compatLnSpc="1">
+              <a:prstTxWarp prst="textNoShape">
+                <a:avLst/>
+              </a:prstTxWarp>
+            </a:bodyPr>
+            <a:lstStyle/>
+            <a:p>
+              <a:endParaRPr lang="en-US"/>
+            </a:p>
+          </p:txBody>
+        </p:sp>
+        <p:sp>
+          <p:nvSpPr>
+            <p:cNvPr id="39" name="Freeform 6">
+              <a:extLst>
+                <a:ext uri="{FF2B5EF4-FFF2-40B4-BE49-F238E27FC236}">
+                  <a16:creationId xmlns:a16="http://schemas.microsoft.com/office/drawing/2014/main" id="{D3A105A7-0F44-492C-A33A-D5661AD9753A}"/>
+                </a:ext>
+                <a:ext uri="{C183D7F6-B498-43B3-948B-1728B52AA6E4}">
+                  <adec:decorative xmlns:adec="http://schemas.microsoft.com/office/drawing/2017/decorative" val="1"/>
+                </a:ext>
+              </a:extLst>
+            </p:cNvPr>
+            <p:cNvSpPr>
+              <a:spLocks/>
+            </p:cNvSpPr>
+            <p:nvPr>
+              <p:extLst>
+                <p:ext uri="{386F3935-93C4-4BCD-93E2-E3B085C9AB24}">
+                  <p16:designElem xmlns:p16="http://schemas.microsoft.com/office/powerpoint/2015/main" val="1"/>
+                </p:ext>
+              </p:extLst>
+            </p:nvPr>
+          </p:nvSpPr>
+          <p:spPr bwMode="auto">
+            <a:xfrm>
+              <a:off x="670451" y="2018236"/>
+              <a:ext cx="7373938" cy="4848892"/>
+            </a:xfrm>
+            <a:custGeom>
+              <a:avLst/>
+              <a:gdLst>
+                <a:gd name="T0" fmla="*/ 1025 w 1549"/>
+                <a:gd name="T1" fmla="*/ 1016 h 1017"/>
+                <a:gd name="T2" fmla="*/ 1443 w 1549"/>
+                <a:gd name="T3" fmla="*/ 592 h 1017"/>
+                <a:gd name="T4" fmla="*/ 782 w 1549"/>
+                <a:gd name="T5" fmla="*/ 53 h 1017"/>
+                <a:gd name="T6" fmla="*/ 150 w 1549"/>
+                <a:gd name="T7" fmla="*/ 329 h 1017"/>
+                <a:gd name="T8" fmla="*/ 477 w 1549"/>
+                <a:gd name="T9" fmla="*/ 1017 h 1017"/>
+              </a:gdLst>
+              <a:ahLst/>
+              <a:cxnLst>
+                <a:cxn ang="0">
+                  <a:pos x="T0" y="T1"/>
+                </a:cxn>
+                <a:cxn ang="0">
+                  <a:pos x="T2" y="T3"/>
+                </a:cxn>
+                <a:cxn ang="0">
+                  <a:pos x="T4" y="T5"/>
+                </a:cxn>
+                <a:cxn ang="0">
+                  <a:pos x="T6" y="T7"/>
+                </a:cxn>
+                <a:cxn ang="0">
+                  <a:pos x="T8" y="T9"/>
+                </a:cxn>
+              </a:cxnLst>
+              <a:rect l="0" t="0" r="r" b="b"/>
+              <a:pathLst>
+                <a:path w="1549" h="1017">
+                  <a:moveTo>
+                    <a:pt x="1025" y="1016"/>
+                  </a:moveTo>
+                  <a:cubicBezTo>
+                    <a:pt x="1223" y="971"/>
+                    <a:pt x="1549" y="857"/>
+                    <a:pt x="1443" y="592"/>
+                  </a:cubicBezTo>
+                  <a:cubicBezTo>
+                    <a:pt x="1344" y="344"/>
+                    <a:pt x="1041" y="111"/>
+                    <a:pt x="782" y="53"/>
+                  </a:cubicBezTo>
+                  <a:cubicBezTo>
+                    <a:pt x="545" y="0"/>
+                    <a:pt x="275" y="117"/>
+                    <a:pt x="150" y="329"/>
+                  </a:cubicBezTo>
+                  <a:cubicBezTo>
+                    <a:pt x="0" y="584"/>
+                    <a:pt x="243" y="911"/>
+                    <a:pt x="477" y="1017"/>
+                  </a:cubicBezTo>
+                </a:path>
+              </a:pathLst>
+            </a:custGeom>
+            <a:noFill/>
+            <a:ln w="9525" cap="flat">
+              <a:solidFill>
+                <a:schemeClr val="tx1">
+                  <a:alpha val="20000"/>
+                </a:schemeClr>
+              </a:solidFill>
+              <a:prstDash val="solid"/>
+              <a:miter lim="800000"/>
+              <a:headEnd/>
+              <a:tailEnd/>
+            </a:ln>
+            <a:extLst>
+              <a:ext uri="{909E8E84-426E-40DD-AFC4-6F175D3DCCD1}">
+                <a14:hiddenFill xmlns:a14="http://schemas.microsoft.com/office/drawing/2010/main">
+                  <a:solidFill>
+                    <a:srgbClr val="FFFFFF"/>
+                  </a:solidFill>
+                </a14:hiddenFill>
+              </a:ext>
+            </a:extLst>
+          </p:spPr>
+          <p:txBody>
+            <a:bodyPr vert="horz" wrap="square" lIns="91440" tIns="45720" rIns="91440" bIns="45720" numCol="1" anchor="t" anchorCtr="0" compatLnSpc="1">
+              <a:prstTxWarp prst="textNoShape">
+                <a:avLst/>
+              </a:prstTxWarp>
+            </a:bodyPr>
+            <a:lstStyle/>
+            <a:p>
+              <a:endParaRPr lang="en-US"/>
+            </a:p>
+          </p:txBody>
+        </p:sp>
+        <p:sp>
+          <p:nvSpPr>
+            <p:cNvPr id="40" name="Freeform 7">
+              <a:extLst>
+                <a:ext uri="{FF2B5EF4-FFF2-40B4-BE49-F238E27FC236}">
+                  <a16:creationId xmlns:a16="http://schemas.microsoft.com/office/drawing/2014/main" id="{42B5C533-8981-49E3-A535-D0CADF93119C}"/>
+                </a:ext>
+                <a:ext uri="{C183D7F6-B498-43B3-948B-1728B52AA6E4}">
+                  <adec:decorative xmlns:adec="http://schemas.microsoft.com/office/drawing/2017/decorative" val="1"/>
+                </a:ext>
+              </a:extLst>
+            </p:cNvPr>
+            <p:cNvSpPr>
+              <a:spLocks/>
+            </p:cNvSpPr>
+            <p:nvPr>
+              <p:extLst>
+                <p:ext uri="{386F3935-93C4-4BCD-93E2-E3B085C9AB24}">
+                  <p16:designElem xmlns:p16="http://schemas.microsoft.com/office/powerpoint/2015/main" val="1"/>
+                </p:ext>
+              </p:extLst>
+            </p:nvPr>
+          </p:nvSpPr>
+          <p:spPr bwMode="auto">
+            <a:xfrm>
+              <a:off x="251351" y="1788400"/>
+              <a:ext cx="8035925" cy="5083516"/>
+            </a:xfrm>
+            <a:custGeom>
+              <a:avLst/>
+              <a:gdLst>
+                <a:gd name="T0" fmla="*/ 1302 w 1688"/>
+                <a:gd name="T1" fmla="*/ 1066 h 1066"/>
+                <a:gd name="T2" fmla="*/ 1613 w 1688"/>
+                <a:gd name="T3" fmla="*/ 850 h 1066"/>
+                <a:gd name="T4" fmla="*/ 1517 w 1688"/>
+                <a:gd name="T5" fmla="*/ 471 h 1066"/>
+                <a:gd name="T6" fmla="*/ 798 w 1688"/>
+                <a:gd name="T7" fmla="*/ 28 h 1066"/>
+                <a:gd name="T8" fmla="*/ 181 w 1688"/>
+                <a:gd name="T9" fmla="*/ 333 h 1066"/>
+                <a:gd name="T10" fmla="*/ 420 w 1688"/>
+                <a:gd name="T11" fmla="*/ 1066 h 1066"/>
+              </a:gdLst>
+              <a:ahLst/>
+              <a:cxnLst>
+                <a:cxn ang="0">
+                  <a:pos x="T0" y="T1"/>
+                </a:cxn>
+                <a:cxn ang="0">
+                  <a:pos x="T2" y="T3"/>
+                </a:cxn>
+                <a:cxn ang="0">
+                  <a:pos x="T4" y="T5"/>
+                </a:cxn>
+                <a:cxn ang="0">
+                  <a:pos x="T6" y="T7"/>
+                </a:cxn>
+                <a:cxn ang="0">
+                  <a:pos x="T8" y="T9"/>
+                </a:cxn>
+                <a:cxn ang="0">
+                  <a:pos x="T10" y="T11"/>
+                </a:cxn>
+              </a:cxnLst>
+              <a:rect l="0" t="0" r="r" b="b"/>
+              <a:pathLst>
+                <a:path w="1688" h="1066">
+                  <a:moveTo>
+                    <a:pt x="1302" y="1066"/>
+                  </a:moveTo>
+                  <a:cubicBezTo>
+                    <a:pt x="1416" y="1024"/>
+                    <a:pt x="1551" y="962"/>
+                    <a:pt x="1613" y="850"/>
+                  </a:cubicBezTo>
+                  <a:cubicBezTo>
+                    <a:pt x="1688" y="715"/>
+                    <a:pt x="1606" y="575"/>
+                    <a:pt x="1517" y="471"/>
+                  </a:cubicBezTo>
+                  <a:cubicBezTo>
+                    <a:pt x="1336" y="258"/>
+                    <a:pt x="1084" y="62"/>
+                    <a:pt x="798" y="28"/>
+                  </a:cubicBezTo>
+                  <a:cubicBezTo>
+                    <a:pt x="559" y="0"/>
+                    <a:pt x="317" y="138"/>
+                    <a:pt x="181" y="333"/>
+                  </a:cubicBezTo>
+                  <a:cubicBezTo>
+                    <a:pt x="0" y="592"/>
+                    <a:pt x="191" y="907"/>
+                    <a:pt x="420" y="1066"/>
+                  </a:cubicBezTo>
+                </a:path>
+              </a:pathLst>
+            </a:custGeom>
+            <a:noFill/>
+            <a:ln w="9525" cap="flat">
+              <a:solidFill>
+                <a:schemeClr val="tx1">
+                  <a:alpha val="20000"/>
+                </a:schemeClr>
+              </a:solidFill>
+              <a:prstDash val="dash"/>
+              <a:miter lim="800000"/>
+              <a:headEnd/>
+              <a:tailEnd/>
+            </a:ln>
+            <a:extLst>
+              <a:ext uri="{909E8E84-426E-40DD-AFC4-6F175D3DCCD1}">
+                <a14:hiddenFill xmlns:a14="http://schemas.microsoft.com/office/drawing/2010/main">
+                  <a:solidFill>
+                    <a:srgbClr val="FFFFFF"/>
+                  </a:solidFill>
+                </a14:hiddenFill>
+              </a:ext>
+            </a:extLst>
+          </p:spPr>
+          <p:txBody>
+            <a:bodyPr vert="horz" wrap="square" lIns="91440" tIns="45720" rIns="91440" bIns="45720" numCol="1" anchor="t" anchorCtr="0" compatLnSpc="1">
+              <a:prstTxWarp prst="textNoShape">
+                <a:avLst/>
+              </a:prstTxWarp>
+            </a:bodyPr>
+            <a:lstStyle/>
+            <a:p>
+              <a:endParaRPr lang="en-US"/>
+            </a:p>
+          </p:txBody>
+        </p:sp>
+        <p:sp>
+          <p:nvSpPr>
+            <p:cNvPr id="41" name="Freeform 8">
+              <a:extLst>
+                <a:ext uri="{FF2B5EF4-FFF2-40B4-BE49-F238E27FC236}">
+                  <a16:creationId xmlns:a16="http://schemas.microsoft.com/office/drawing/2014/main" id="{D39599A7-F061-4457-8C3F-62809355A478}"/>
+                </a:ext>
+                <a:ext uri="{C183D7F6-B498-43B3-948B-1728B52AA6E4}">
+                  <adec:decorative xmlns:adec="http://schemas.microsoft.com/office/drawing/2017/decorative" val="1"/>
+                </a:ext>
+              </a:extLst>
+            </p:cNvPr>
+            <p:cNvSpPr>
+              <a:spLocks/>
+            </p:cNvSpPr>
+            <p:nvPr>
+              <p:extLst>
+                <p:ext uri="{386F3935-93C4-4BCD-93E2-E3B085C9AB24}">
+                  <p16:designElem xmlns:p16="http://schemas.microsoft.com/office/powerpoint/2015/main" val="1"/>
+                </p:ext>
+              </p:extLst>
+            </p:nvPr>
+          </p:nvSpPr>
+          <p:spPr bwMode="auto">
+            <a:xfrm>
+              <a:off x="-1061" y="549842"/>
+              <a:ext cx="10334625" cy="6322075"/>
+            </a:xfrm>
+            <a:custGeom>
+              <a:avLst/>
+              <a:gdLst>
+                <a:gd name="T0" fmla="*/ 1873 w 2171"/>
+                <a:gd name="T1" fmla="*/ 1326 h 1326"/>
+                <a:gd name="T2" fmla="*/ 1609 w 2171"/>
+                <a:gd name="T3" fmla="*/ 473 h 1326"/>
+                <a:gd name="T4" fmla="*/ 880 w 2171"/>
+                <a:gd name="T5" fmla="*/ 63 h 1326"/>
+                <a:gd name="T6" fmla="*/ 0 w 2171"/>
+                <a:gd name="T7" fmla="*/ 423 h 1326"/>
+              </a:gdLst>
+              <a:ahLst/>
+              <a:cxnLst>
+                <a:cxn ang="0">
+                  <a:pos x="T0" y="T1"/>
+                </a:cxn>
+                <a:cxn ang="0">
+                  <a:pos x="T2" y="T3"/>
+                </a:cxn>
+                <a:cxn ang="0">
+                  <a:pos x="T4" y="T5"/>
+                </a:cxn>
+                <a:cxn ang="0">
+                  <a:pos x="T6" y="T7"/>
+                </a:cxn>
+              </a:cxnLst>
+              <a:rect l="0" t="0" r="r" b="b"/>
+              <a:pathLst>
+                <a:path w="2171" h="1326">
+                  <a:moveTo>
+                    <a:pt x="1873" y="1326"/>
+                  </a:moveTo>
+                  <a:cubicBezTo>
+                    <a:pt x="2171" y="1045"/>
+                    <a:pt x="1825" y="678"/>
+                    <a:pt x="1609" y="473"/>
+                  </a:cubicBezTo>
+                  <a:cubicBezTo>
+                    <a:pt x="1406" y="281"/>
+                    <a:pt x="1159" y="116"/>
+                    <a:pt x="880" y="63"/>
+                  </a:cubicBezTo>
+                  <a:cubicBezTo>
+                    <a:pt x="545" y="0"/>
+                    <a:pt x="214" y="161"/>
+                    <a:pt x="0" y="423"/>
+                  </a:cubicBezTo>
+                </a:path>
+              </a:pathLst>
+            </a:custGeom>
+            <a:noFill/>
+            <a:ln w="9525" cap="flat">
+              <a:solidFill>
+                <a:schemeClr val="tx1">
+                  <a:alpha val="20000"/>
+                </a:schemeClr>
+              </a:solidFill>
+              <a:prstDash val="solid"/>
+              <a:miter lim="800000"/>
+              <a:headEnd/>
+              <a:tailEnd/>
+            </a:ln>
+            <a:extLst>
+              <a:ext uri="{909E8E84-426E-40DD-AFC4-6F175D3DCCD1}">
+                <a14:hiddenFill xmlns:a14="http://schemas.microsoft.com/office/drawing/2010/main">
+                  <a:solidFill>
+                    <a:srgbClr val="FFFFFF"/>
+                  </a:solidFill>
+                </a14:hiddenFill>
+              </a:ext>
+            </a:extLst>
+          </p:spPr>
+          <p:txBody>
+            <a:bodyPr vert="horz" wrap="square" lIns="91440" tIns="45720" rIns="91440" bIns="45720" numCol="1" anchor="t" anchorCtr="0" compatLnSpc="1">
+              <a:prstTxWarp prst="textNoShape">
+                <a:avLst/>
+              </a:prstTxWarp>
+            </a:bodyPr>
+            <a:lstStyle/>
+            <a:p>
+              <a:endParaRPr lang="en-US"/>
+            </a:p>
+          </p:txBody>
+        </p:sp>
+        <p:sp>
+          <p:nvSpPr>
+            <p:cNvPr id="42" name="Freeform 9">
+              <a:extLst>
+                <a:ext uri="{FF2B5EF4-FFF2-40B4-BE49-F238E27FC236}">
+                  <a16:creationId xmlns:a16="http://schemas.microsoft.com/office/drawing/2014/main" id="{A6B43EB1-CA60-4B9E-8D27-9B0887B87764}"/>
+                </a:ext>
+                <a:ext uri="{C183D7F6-B498-43B3-948B-1728B52AA6E4}">
+                  <adec:decorative xmlns:adec="http://schemas.microsoft.com/office/drawing/2017/decorative" val="1"/>
+                </a:ext>
+              </a:extLst>
+            </p:cNvPr>
+            <p:cNvSpPr>
+              <a:spLocks/>
+            </p:cNvSpPr>
+            <p:nvPr>
+              <p:extLst>
+                <p:ext uri="{386F3935-93C4-4BCD-93E2-E3B085C9AB24}">
+                  <p16:designElem xmlns:p16="http://schemas.microsoft.com/office/powerpoint/2015/main" val="1"/>
+                </p:ext>
+              </p:extLst>
+            </p:nvPr>
+          </p:nvSpPr>
+          <p:spPr bwMode="auto">
+            <a:xfrm>
+              <a:off x="3701" y="6186246"/>
+              <a:ext cx="504825" cy="681527"/>
+            </a:xfrm>
+            <a:custGeom>
+              <a:avLst/>
+              <a:gdLst>
+                <a:gd name="T0" fmla="*/ 0 w 106"/>
+                <a:gd name="T1" fmla="*/ 0 h 143"/>
+                <a:gd name="T2" fmla="*/ 106 w 106"/>
+                <a:gd name="T3" fmla="*/ 143 h 143"/>
+              </a:gdLst>
+              <a:ahLst/>
+              <a:cxnLst>
+                <a:cxn ang="0">
+                  <a:pos x="T0" y="T1"/>
+                </a:cxn>
+                <a:cxn ang="0">
+                  <a:pos x="T2" y="T3"/>
+                </a:cxn>
+              </a:cxnLst>
+              <a:rect l="0" t="0" r="r" b="b"/>
+              <a:pathLst>
+                <a:path w="106" h="143">
+                  <a:moveTo>
+                    <a:pt x="0" y="0"/>
+                  </a:moveTo>
+                  <a:cubicBezTo>
+                    <a:pt x="35" y="54"/>
+                    <a:pt x="70" y="101"/>
+                    <a:pt x="106" y="143"/>
+                  </a:cubicBezTo>
+                </a:path>
+              </a:pathLst>
+            </a:custGeom>
+            <a:noFill/>
+            <a:ln w="4763" cap="flat">
+              <a:solidFill>
+                <a:schemeClr val="tx1">
+                  <a:alpha val="20000"/>
+                </a:schemeClr>
+              </a:solidFill>
+              <a:prstDash val="solid"/>
+              <a:miter lim="800000"/>
+              <a:headEnd/>
+              <a:tailEnd/>
+            </a:ln>
+            <a:extLst>
+              <a:ext uri="{909E8E84-426E-40DD-AFC4-6F175D3DCCD1}">
+                <a14:hiddenFill xmlns:a14="http://schemas.microsoft.com/office/drawing/2010/main">
+                  <a:solidFill>
+                    <a:srgbClr val="FFFFFF"/>
+                  </a:solidFill>
+                </a14:hiddenFill>
+              </a:ext>
+            </a:extLst>
+          </p:spPr>
+          <p:txBody>
+            <a:bodyPr vert="horz" wrap="square" lIns="91440" tIns="45720" rIns="91440" bIns="45720" numCol="1" anchor="t" anchorCtr="0" compatLnSpc="1">
+              <a:prstTxWarp prst="textNoShape">
+                <a:avLst/>
+              </a:prstTxWarp>
+            </a:bodyPr>
+            <a:lstStyle/>
+            <a:p>
+              <a:endParaRPr lang="en-US"/>
+            </a:p>
+          </p:txBody>
+        </p:sp>
+        <p:sp>
+          <p:nvSpPr>
+            <p:cNvPr id="43" name="Freeform 10">
+              <a:extLst>
+                <a:ext uri="{FF2B5EF4-FFF2-40B4-BE49-F238E27FC236}">
+                  <a16:creationId xmlns:a16="http://schemas.microsoft.com/office/drawing/2014/main" id="{08D2414E-0DA7-4C56-95E1-F3926EED88B7}"/>
+                </a:ext>
+                <a:ext uri="{C183D7F6-B498-43B3-948B-1728B52AA6E4}">
+                  <adec:decorative xmlns:adec="http://schemas.microsoft.com/office/drawing/2017/decorative" val="1"/>
+                </a:ext>
+              </a:extLst>
+            </p:cNvPr>
+            <p:cNvSpPr>
+              <a:spLocks/>
+            </p:cNvSpPr>
+            <p:nvPr>
+              <p:extLst>
+                <p:ext uri="{386F3935-93C4-4BCD-93E2-E3B085C9AB24}">
+                  <p16:designElem xmlns:p16="http://schemas.microsoft.com/office/powerpoint/2015/main" val="1"/>
+                </p:ext>
+              </p:extLst>
+            </p:nvPr>
+          </p:nvSpPr>
+          <p:spPr bwMode="auto">
+            <a:xfrm>
+              <a:off x="-1061" y="-51881"/>
+              <a:ext cx="11091863" cy="6923796"/>
+            </a:xfrm>
+            <a:custGeom>
+              <a:avLst/>
+              <a:gdLst>
+                <a:gd name="T0" fmla="*/ 2046 w 2330"/>
+                <a:gd name="T1" fmla="*/ 1452 h 1452"/>
+                <a:gd name="T2" fmla="*/ 1813 w 2330"/>
+                <a:gd name="T3" fmla="*/ 601 h 1452"/>
+                <a:gd name="T4" fmla="*/ 956 w 2330"/>
+                <a:gd name="T5" fmla="*/ 97 h 1452"/>
+                <a:gd name="T6" fmla="*/ 0 w 2330"/>
+                <a:gd name="T7" fmla="*/ 366 h 1452"/>
+              </a:gdLst>
+              <a:ahLst/>
+              <a:cxnLst>
+                <a:cxn ang="0">
+                  <a:pos x="T0" y="T1"/>
+                </a:cxn>
+                <a:cxn ang="0">
+                  <a:pos x="T2" y="T3"/>
+                </a:cxn>
+                <a:cxn ang="0">
+                  <a:pos x="T4" y="T5"/>
+                </a:cxn>
+                <a:cxn ang="0">
+                  <a:pos x="T6" y="T7"/>
+                </a:cxn>
+              </a:cxnLst>
+              <a:rect l="0" t="0" r="r" b="b"/>
+              <a:pathLst>
+                <a:path w="2330" h="1452">
+                  <a:moveTo>
+                    <a:pt x="2046" y="1452"/>
+                  </a:moveTo>
+                  <a:cubicBezTo>
+                    <a:pt x="2330" y="1153"/>
+                    <a:pt x="2049" y="821"/>
+                    <a:pt x="1813" y="601"/>
+                  </a:cubicBezTo>
+                  <a:cubicBezTo>
+                    <a:pt x="1569" y="375"/>
+                    <a:pt x="1282" y="179"/>
+                    <a:pt x="956" y="97"/>
+                  </a:cubicBezTo>
+                  <a:cubicBezTo>
+                    <a:pt x="572" y="0"/>
+                    <a:pt x="292" y="101"/>
+                    <a:pt x="0" y="366"/>
+                  </a:cubicBezTo>
+                </a:path>
+              </a:pathLst>
+            </a:custGeom>
+            <a:noFill/>
+            <a:ln w="9525" cap="flat">
+              <a:solidFill>
+                <a:schemeClr val="tx1">
+                  <a:alpha val="20000"/>
+                </a:schemeClr>
+              </a:solidFill>
+              <a:prstDash val="solid"/>
+              <a:miter lim="800000"/>
+              <a:headEnd/>
+              <a:tailEnd/>
+            </a:ln>
+            <a:extLst>
+              <a:ext uri="{909E8E84-426E-40DD-AFC4-6F175D3DCCD1}">
+                <a14:hiddenFill xmlns:a14="http://schemas.microsoft.com/office/drawing/2010/main">
+                  <a:solidFill>
+                    <a:srgbClr val="FFFFFF"/>
+                  </a:solidFill>
+                </a14:hiddenFill>
+              </a:ext>
+            </a:extLst>
+          </p:spPr>
+          <p:txBody>
+            <a:bodyPr vert="horz" wrap="square" lIns="91440" tIns="45720" rIns="91440" bIns="45720" numCol="1" anchor="t" anchorCtr="0" compatLnSpc="1">
+              <a:prstTxWarp prst="textNoShape">
+                <a:avLst/>
+              </a:prstTxWarp>
+            </a:bodyPr>
+            <a:lstStyle/>
+            <a:p>
+              <a:endParaRPr lang="en-US"/>
+            </a:p>
+          </p:txBody>
+        </p:sp>
+        <p:sp>
+          <p:nvSpPr>
+            <p:cNvPr id="44" name="Freeform 11">
+              <a:extLst>
+                <a:ext uri="{FF2B5EF4-FFF2-40B4-BE49-F238E27FC236}">
+                  <a16:creationId xmlns:a16="http://schemas.microsoft.com/office/drawing/2014/main" id="{19966D48-4ACC-4AC0-9C9D-49F57671CF21}"/>
+                </a:ext>
+                <a:ext uri="{C183D7F6-B498-43B3-948B-1728B52AA6E4}">
+                  <adec:decorative xmlns:adec="http://schemas.microsoft.com/office/drawing/2017/decorative" val="1"/>
+                </a:ext>
+              </a:extLst>
+            </p:cNvPr>
+            <p:cNvSpPr>
+              <a:spLocks/>
+            </p:cNvSpPr>
+            <p:nvPr>
+              <p:extLst>
+                <p:ext uri="{386F3935-93C4-4BCD-93E2-E3B085C9AB24}">
+                  <p16:designElem xmlns:p16="http://schemas.microsoft.com/office/powerpoint/2015/main" val="1"/>
+                </p:ext>
+              </p:extLst>
+            </p:nvPr>
+          </p:nvSpPr>
+          <p:spPr bwMode="auto">
+            <a:xfrm>
+              <a:off x="5426601" y="5579"/>
+              <a:ext cx="5788025" cy="6847184"/>
+            </a:xfrm>
+            <a:custGeom>
+              <a:avLst/>
+              <a:gdLst>
+                <a:gd name="T0" fmla="*/ 1094 w 1216"/>
+                <a:gd name="T1" fmla="*/ 1436 h 1436"/>
+                <a:gd name="T2" fmla="*/ 709 w 1216"/>
+                <a:gd name="T3" fmla="*/ 551 h 1436"/>
+                <a:gd name="T4" fmla="*/ 0 w 1216"/>
+                <a:gd name="T5" fmla="*/ 0 h 1436"/>
+              </a:gdLst>
+              <a:ahLst/>
+              <a:cxnLst>
+                <a:cxn ang="0">
+                  <a:pos x="T0" y="T1"/>
+                </a:cxn>
+                <a:cxn ang="0">
+                  <a:pos x="T2" y="T3"/>
+                </a:cxn>
+                <a:cxn ang="0">
+                  <a:pos x="T4" y="T5"/>
+                </a:cxn>
+              </a:cxnLst>
+              <a:rect l="0" t="0" r="r" b="b"/>
+              <a:pathLst>
+                <a:path w="1216" h="1436">
+                  <a:moveTo>
+                    <a:pt x="1094" y="1436"/>
+                  </a:moveTo>
+                  <a:cubicBezTo>
+                    <a:pt x="1216" y="1114"/>
+                    <a:pt x="904" y="770"/>
+                    <a:pt x="709" y="551"/>
+                  </a:cubicBezTo>
+                  <a:cubicBezTo>
+                    <a:pt x="509" y="327"/>
+                    <a:pt x="274" y="127"/>
+                    <a:pt x="0" y="0"/>
+                  </a:cubicBezTo>
+                </a:path>
+              </a:pathLst>
+            </a:custGeom>
+            <a:noFill/>
+            <a:ln w="9525" cap="flat">
+              <a:solidFill>
+                <a:schemeClr val="tx1">
+                  <a:alpha val="20000"/>
+                </a:schemeClr>
+              </a:solidFill>
+              <a:prstDash val="solid"/>
+              <a:miter lim="800000"/>
+              <a:headEnd/>
+              <a:tailEnd/>
+            </a:ln>
+            <a:extLst>
+              <a:ext uri="{909E8E84-426E-40DD-AFC4-6F175D3DCCD1}">
+                <a14:hiddenFill xmlns:a14="http://schemas.microsoft.com/office/drawing/2010/main">
+                  <a:solidFill>
+                    <a:srgbClr val="FFFFFF"/>
+                  </a:solidFill>
+                </a14:hiddenFill>
+              </a:ext>
+            </a:extLst>
+          </p:spPr>
+          <p:txBody>
+            <a:bodyPr vert="horz" wrap="square" lIns="91440" tIns="45720" rIns="91440" bIns="45720" numCol="1" anchor="t" anchorCtr="0" compatLnSpc="1">
+              <a:prstTxWarp prst="textNoShape">
+                <a:avLst/>
+              </a:prstTxWarp>
+            </a:bodyPr>
+            <a:lstStyle/>
+            <a:p>
+              <a:endParaRPr lang="en-US"/>
+            </a:p>
+          </p:txBody>
+        </p:sp>
+        <p:sp>
+          <p:nvSpPr>
+            <p:cNvPr id="45" name="Freeform 12">
+              <a:extLst>
+                <a:ext uri="{FF2B5EF4-FFF2-40B4-BE49-F238E27FC236}">
+                  <a16:creationId xmlns:a16="http://schemas.microsoft.com/office/drawing/2014/main" id="{15EC7369-59DF-4C60-B0E3-ECF88497AF6E}"/>
+                </a:ext>
+                <a:ext uri="{C183D7F6-B498-43B3-948B-1728B52AA6E4}">
+                  <adec:decorative xmlns:adec="http://schemas.microsoft.com/office/drawing/2017/decorative" val="1"/>
+                </a:ext>
+              </a:extLst>
+            </p:cNvPr>
+            <p:cNvSpPr>
+              <a:spLocks/>
+            </p:cNvSpPr>
+            <p:nvPr>
+              <p:extLst>
+                <p:ext uri="{386F3935-93C4-4BCD-93E2-E3B085C9AB24}">
+                  <p16:designElem xmlns:p16="http://schemas.microsoft.com/office/powerpoint/2015/main" val="1"/>
+                </p:ext>
+              </p:extLst>
+            </p:nvPr>
+          </p:nvSpPr>
+          <p:spPr bwMode="auto">
+            <a:xfrm>
+              <a:off x="-1061" y="5579"/>
+              <a:ext cx="1057275" cy="614491"/>
+            </a:xfrm>
+            <a:custGeom>
+              <a:avLst/>
+              <a:gdLst>
+                <a:gd name="T0" fmla="*/ 222 w 222"/>
+                <a:gd name="T1" fmla="*/ 0 h 129"/>
+                <a:gd name="T2" fmla="*/ 0 w 222"/>
+                <a:gd name="T3" fmla="*/ 129 h 129"/>
+              </a:gdLst>
+              <a:ahLst/>
+              <a:cxnLst>
+                <a:cxn ang="0">
+                  <a:pos x="T0" y="T1"/>
+                </a:cxn>
+                <a:cxn ang="0">
+                  <a:pos x="T2" y="T3"/>
+                </a:cxn>
+              </a:cxnLst>
+              <a:rect l="0" t="0" r="r" b="b"/>
+              <a:pathLst>
+                <a:path w="222" h="129">
+                  <a:moveTo>
+                    <a:pt x="222" y="0"/>
+                  </a:moveTo>
+                  <a:cubicBezTo>
+                    <a:pt x="152" y="35"/>
+                    <a:pt x="76" y="78"/>
+                    <a:pt x="0" y="129"/>
+                  </a:cubicBezTo>
+                </a:path>
+              </a:pathLst>
+            </a:custGeom>
+            <a:noFill/>
+            <a:ln w="9525" cap="flat">
+              <a:solidFill>
+                <a:schemeClr val="tx1">
+                  <a:alpha val="20000"/>
+                </a:schemeClr>
+              </a:solidFill>
+              <a:prstDash val="solid"/>
+              <a:miter lim="800000"/>
+              <a:headEnd/>
+              <a:tailEnd/>
+            </a:ln>
+            <a:extLst>
+              <a:ext uri="{909E8E84-426E-40DD-AFC4-6F175D3DCCD1}">
+                <a14:hiddenFill xmlns:a14="http://schemas.microsoft.com/office/drawing/2010/main">
+                  <a:solidFill>
+                    <a:srgbClr val="FFFFFF"/>
+                  </a:solidFill>
+                </a14:hiddenFill>
+              </a:ext>
+            </a:extLst>
+          </p:spPr>
+          <p:txBody>
+            <a:bodyPr vert="horz" wrap="square" lIns="91440" tIns="45720" rIns="91440" bIns="45720" numCol="1" anchor="t" anchorCtr="0" compatLnSpc="1">
+              <a:prstTxWarp prst="textNoShape">
+                <a:avLst/>
+              </a:prstTxWarp>
+            </a:bodyPr>
+            <a:lstStyle/>
+            <a:p>
+              <a:endParaRPr lang="en-US"/>
+            </a:p>
+          </p:txBody>
+        </p:sp>
+        <p:sp>
+          <p:nvSpPr>
+            <p:cNvPr id="46" name="Freeform 13">
+              <a:extLst>
+                <a:ext uri="{FF2B5EF4-FFF2-40B4-BE49-F238E27FC236}">
+                  <a16:creationId xmlns:a16="http://schemas.microsoft.com/office/drawing/2014/main" id="{81EB7200-856D-431E-BB9C-51206BE1D70C}"/>
+                </a:ext>
+                <a:ext uri="{C183D7F6-B498-43B3-948B-1728B52AA6E4}">
+                  <adec:decorative xmlns:adec="http://schemas.microsoft.com/office/drawing/2017/decorative" val="1"/>
+                </a:ext>
+              </a:extLst>
+            </p:cNvPr>
+            <p:cNvSpPr>
+              <a:spLocks/>
+            </p:cNvSpPr>
+            <p:nvPr>
+              <p:extLst>
+                <p:ext uri="{386F3935-93C4-4BCD-93E2-E3B085C9AB24}">
+                  <p16:designElem xmlns:p16="http://schemas.microsoft.com/office/powerpoint/2015/main" val="1"/>
+                </p:ext>
+              </p:extLst>
+            </p:nvPr>
+          </p:nvSpPr>
+          <p:spPr bwMode="auto">
+            <a:xfrm>
+              <a:off x="5821889" y="5579"/>
+              <a:ext cx="5588000" cy="6866337"/>
+            </a:xfrm>
+            <a:custGeom>
+              <a:avLst/>
+              <a:gdLst>
+                <a:gd name="T0" fmla="*/ 1067 w 1174"/>
+                <a:gd name="T1" fmla="*/ 1440 h 1440"/>
+                <a:gd name="T2" fmla="*/ 698 w 1174"/>
+                <a:gd name="T3" fmla="*/ 577 h 1440"/>
+                <a:gd name="T4" fmla="*/ 0 w 1174"/>
+                <a:gd name="T5" fmla="*/ 0 h 1440"/>
+              </a:gdLst>
+              <a:ahLst/>
+              <a:cxnLst>
+                <a:cxn ang="0">
+                  <a:pos x="T0" y="T1"/>
+                </a:cxn>
+                <a:cxn ang="0">
+                  <a:pos x="T2" y="T3"/>
+                </a:cxn>
+                <a:cxn ang="0">
+                  <a:pos x="T4" y="T5"/>
+                </a:cxn>
+              </a:cxnLst>
+              <a:rect l="0" t="0" r="r" b="b"/>
+              <a:pathLst>
+                <a:path w="1174" h="1440">
+                  <a:moveTo>
+                    <a:pt x="1067" y="1440"/>
+                  </a:moveTo>
+                  <a:cubicBezTo>
+                    <a:pt x="1174" y="1124"/>
+                    <a:pt x="887" y="797"/>
+                    <a:pt x="698" y="577"/>
+                  </a:cubicBezTo>
+                  <a:cubicBezTo>
+                    <a:pt x="500" y="348"/>
+                    <a:pt x="270" y="141"/>
+                    <a:pt x="0" y="0"/>
+                  </a:cubicBezTo>
+                </a:path>
+              </a:pathLst>
+            </a:custGeom>
+            <a:noFill/>
+            <a:ln w="9525" cap="flat">
+              <a:solidFill>
+                <a:schemeClr val="tx1">
+                  <a:alpha val="20000"/>
+                </a:schemeClr>
+              </a:solidFill>
+              <a:prstDash val="dash"/>
+              <a:miter lim="800000"/>
+              <a:headEnd/>
+              <a:tailEnd/>
+            </a:ln>
+            <a:extLst>
+              <a:ext uri="{909E8E84-426E-40DD-AFC4-6F175D3DCCD1}">
+                <a14:hiddenFill xmlns:a14="http://schemas.microsoft.com/office/drawing/2010/main">
+                  <a:solidFill>
+                    <a:srgbClr val="FFFFFF"/>
+                  </a:solidFill>
+                </a14:hiddenFill>
+              </a:ext>
+            </a:extLst>
+          </p:spPr>
+          <p:txBody>
+            <a:bodyPr vert="horz" wrap="square" lIns="91440" tIns="45720" rIns="91440" bIns="45720" numCol="1" anchor="t" anchorCtr="0" compatLnSpc="1">
+              <a:prstTxWarp prst="textNoShape">
+                <a:avLst/>
+              </a:prstTxWarp>
+            </a:bodyPr>
+            <a:lstStyle/>
+            <a:p>
+              <a:endParaRPr lang="en-US"/>
+            </a:p>
+          </p:txBody>
+        </p:sp>
+        <p:sp>
+          <p:nvSpPr>
+            <p:cNvPr id="47" name="Freeform 14">
+              <a:extLst>
+                <a:ext uri="{FF2B5EF4-FFF2-40B4-BE49-F238E27FC236}">
+                  <a16:creationId xmlns:a16="http://schemas.microsoft.com/office/drawing/2014/main" id="{8BA702C9-BDE5-4D2B-B486-68C8730EE890}"/>
+                </a:ext>
+                <a:ext uri="{C183D7F6-B498-43B3-948B-1728B52AA6E4}">
+                  <adec:decorative xmlns:adec="http://schemas.microsoft.com/office/drawing/2017/decorative" val="1"/>
+                </a:ext>
+              </a:extLst>
+            </p:cNvPr>
+            <p:cNvSpPr>
+              <a:spLocks/>
+            </p:cNvSpPr>
+            <p:nvPr>
+              <p:extLst>
+                <p:ext uri="{386F3935-93C4-4BCD-93E2-E3B085C9AB24}">
+                  <p16:designElem xmlns:p16="http://schemas.microsoft.com/office/powerpoint/2015/main" val="1"/>
+                </p:ext>
+              </p:extLst>
+            </p:nvPr>
+          </p:nvSpPr>
+          <p:spPr bwMode="auto">
+            <a:xfrm>
+              <a:off x="3701" y="790"/>
+              <a:ext cx="595313" cy="352734"/>
+            </a:xfrm>
+            <a:custGeom>
+              <a:avLst/>
+              <a:gdLst>
+                <a:gd name="T0" fmla="*/ 125 w 125"/>
+                <a:gd name="T1" fmla="*/ 0 h 74"/>
+                <a:gd name="T2" fmla="*/ 0 w 125"/>
+                <a:gd name="T3" fmla="*/ 74 h 74"/>
+              </a:gdLst>
+              <a:ahLst/>
+              <a:cxnLst>
+                <a:cxn ang="0">
+                  <a:pos x="T0" y="T1"/>
+                </a:cxn>
+                <a:cxn ang="0">
+                  <a:pos x="T2" y="T3"/>
+                </a:cxn>
+              </a:cxnLst>
+              <a:rect l="0" t="0" r="r" b="b"/>
+              <a:pathLst>
+                <a:path w="125" h="74">
+                  <a:moveTo>
+                    <a:pt x="125" y="0"/>
+                  </a:moveTo>
+                  <a:cubicBezTo>
+                    <a:pt x="85" y="22"/>
+                    <a:pt x="43" y="47"/>
+                    <a:pt x="0" y="74"/>
+                  </a:cubicBezTo>
+                </a:path>
+              </a:pathLst>
+            </a:custGeom>
+            <a:noFill/>
+            <a:ln w="9525" cap="flat">
+              <a:solidFill>
+                <a:schemeClr val="tx1">
+                  <a:alpha val="20000"/>
+                </a:schemeClr>
+              </a:solidFill>
+              <a:prstDash val="dash"/>
+              <a:miter lim="800000"/>
+              <a:headEnd/>
+              <a:tailEnd/>
+            </a:ln>
+            <a:extLst>
+              <a:ext uri="{909E8E84-426E-40DD-AFC4-6F175D3DCCD1}">
+                <a14:hiddenFill xmlns:a14="http://schemas.microsoft.com/office/drawing/2010/main">
+                  <a:solidFill>
+                    <a:srgbClr val="FFFFFF"/>
+                  </a:solidFill>
+                </a14:hiddenFill>
+              </a:ext>
+            </a:extLst>
+          </p:spPr>
+          <p:txBody>
+            <a:bodyPr vert="horz" wrap="square" lIns="91440" tIns="45720" rIns="91440" bIns="45720" numCol="1" anchor="t" anchorCtr="0" compatLnSpc="1">
+              <a:prstTxWarp prst="textNoShape">
+                <a:avLst/>
+              </a:prstTxWarp>
+            </a:bodyPr>
+            <a:lstStyle/>
+            <a:p>
+              <a:endParaRPr lang="en-US"/>
+            </a:p>
+          </p:txBody>
+        </p:sp>
+        <p:sp>
+          <p:nvSpPr>
+            <p:cNvPr id="48" name="Freeform 15">
+              <a:extLst>
+                <a:ext uri="{FF2B5EF4-FFF2-40B4-BE49-F238E27FC236}">
+                  <a16:creationId xmlns:a16="http://schemas.microsoft.com/office/drawing/2014/main" id="{D46F8467-DA99-4476-A5FB-FB9382911349}"/>
+                </a:ext>
+                <a:ext uri="{C183D7F6-B498-43B3-948B-1728B52AA6E4}">
+                  <adec:decorative xmlns:adec="http://schemas.microsoft.com/office/drawing/2017/decorative" val="1"/>
+                </a:ext>
+              </a:extLst>
+            </p:cNvPr>
+            <p:cNvSpPr>
+              <a:spLocks/>
+            </p:cNvSpPr>
+            <p:nvPr>
+              <p:extLst>
+                <p:ext uri="{386F3935-93C4-4BCD-93E2-E3B085C9AB24}">
+                  <p16:designElem xmlns:p16="http://schemas.microsoft.com/office/powerpoint/2015/main" val="1"/>
+                </p:ext>
+              </p:extLst>
+            </p:nvPr>
+          </p:nvSpPr>
+          <p:spPr bwMode="auto">
+            <a:xfrm>
+              <a:off x="6012389" y="5579"/>
+              <a:ext cx="5497513" cy="6866337"/>
+            </a:xfrm>
+            <a:custGeom>
+              <a:avLst/>
+              <a:gdLst>
+                <a:gd name="T0" fmla="*/ 1056 w 1155"/>
+                <a:gd name="T1" fmla="*/ 1440 h 1440"/>
+                <a:gd name="T2" fmla="*/ 686 w 1155"/>
+                <a:gd name="T3" fmla="*/ 580 h 1440"/>
+                <a:gd name="T4" fmla="*/ 0 w 1155"/>
+                <a:gd name="T5" fmla="*/ 0 h 1440"/>
+              </a:gdLst>
+              <a:ahLst/>
+              <a:cxnLst>
+                <a:cxn ang="0">
+                  <a:pos x="T0" y="T1"/>
+                </a:cxn>
+                <a:cxn ang="0">
+                  <a:pos x="T2" y="T3"/>
+                </a:cxn>
+                <a:cxn ang="0">
+                  <a:pos x="T4" y="T5"/>
+                </a:cxn>
+              </a:cxnLst>
+              <a:rect l="0" t="0" r="r" b="b"/>
+              <a:pathLst>
+                <a:path w="1155" h="1440">
+                  <a:moveTo>
+                    <a:pt x="1056" y="1440"/>
+                  </a:moveTo>
+                  <a:cubicBezTo>
+                    <a:pt x="1155" y="1123"/>
+                    <a:pt x="875" y="801"/>
+                    <a:pt x="686" y="580"/>
+                  </a:cubicBezTo>
+                  <a:cubicBezTo>
+                    <a:pt x="491" y="352"/>
+                    <a:pt x="264" y="145"/>
+                    <a:pt x="0" y="0"/>
+                  </a:cubicBezTo>
+                </a:path>
+              </a:pathLst>
+            </a:custGeom>
+            <a:noFill/>
+            <a:ln w="12700" cap="flat">
+              <a:solidFill>
+                <a:schemeClr val="tx1">
+                  <a:alpha val="20000"/>
+                </a:schemeClr>
+              </a:solidFill>
+              <a:prstDash val="dashDot"/>
+              <a:miter lim="800000"/>
+              <a:headEnd/>
+              <a:tailEnd/>
+            </a:ln>
+            <a:extLst>
+              <a:ext uri="{909E8E84-426E-40DD-AFC4-6F175D3DCCD1}">
+                <a14:hiddenFill xmlns:a14="http://schemas.microsoft.com/office/drawing/2010/main">
+                  <a:solidFill>
+                    <a:srgbClr val="FFFFFF"/>
+                  </a:solidFill>
+                </a14:hiddenFill>
+              </a:ext>
+            </a:extLst>
+          </p:spPr>
+          <p:txBody>
+            <a:bodyPr vert="horz" wrap="square" lIns="91440" tIns="45720" rIns="91440" bIns="45720" numCol="1" anchor="t" anchorCtr="0" compatLnSpc="1">
+              <a:prstTxWarp prst="textNoShape">
+                <a:avLst/>
+              </a:prstTxWarp>
+            </a:bodyPr>
+            <a:lstStyle/>
+            <a:p>
+              <a:endParaRPr lang="en-US"/>
+            </a:p>
+          </p:txBody>
+        </p:sp>
+        <p:sp>
+          <p:nvSpPr>
+            <p:cNvPr id="49" name="Freeform 16">
+              <a:extLst>
+                <a:ext uri="{FF2B5EF4-FFF2-40B4-BE49-F238E27FC236}">
+                  <a16:creationId xmlns:a16="http://schemas.microsoft.com/office/drawing/2014/main" id="{D1D3F243-9E9C-4242-967D-A546E642E19E}"/>
+                </a:ext>
+                <a:ext uri="{C183D7F6-B498-43B3-948B-1728B52AA6E4}">
+                  <adec:decorative xmlns:adec="http://schemas.microsoft.com/office/drawing/2017/decorative" val="1"/>
+                </a:ext>
+              </a:extLst>
+            </p:cNvPr>
+            <p:cNvSpPr>
+              <a:spLocks/>
+            </p:cNvSpPr>
+            <p:nvPr>
+              <p:extLst>
+                <p:ext uri="{386F3935-93C4-4BCD-93E2-E3B085C9AB24}">
+                  <p16:designElem xmlns:p16="http://schemas.microsoft.com/office/powerpoint/2015/main" val="1"/>
+                </p:ext>
+              </p:extLst>
+            </p:nvPr>
+          </p:nvSpPr>
+          <p:spPr bwMode="auto">
+            <a:xfrm>
+              <a:off x="-1061" y="5579"/>
+              <a:ext cx="357188" cy="213875"/>
+            </a:xfrm>
+            <a:custGeom>
+              <a:avLst/>
+              <a:gdLst>
+                <a:gd name="T0" fmla="*/ 75 w 75"/>
+                <a:gd name="T1" fmla="*/ 0 h 45"/>
+                <a:gd name="T2" fmla="*/ 0 w 75"/>
+                <a:gd name="T3" fmla="*/ 45 h 45"/>
+              </a:gdLst>
+              <a:ahLst/>
+              <a:cxnLst>
+                <a:cxn ang="0">
+                  <a:pos x="T0" y="T1"/>
+                </a:cxn>
+                <a:cxn ang="0">
+                  <a:pos x="T2" y="T3"/>
+                </a:cxn>
+              </a:cxnLst>
+              <a:rect l="0" t="0" r="r" b="b"/>
+              <a:pathLst>
+                <a:path w="75" h="45">
+                  <a:moveTo>
+                    <a:pt x="75" y="0"/>
+                  </a:moveTo>
+                  <a:cubicBezTo>
+                    <a:pt x="50" y="14"/>
+                    <a:pt x="25" y="29"/>
+                    <a:pt x="0" y="45"/>
+                  </a:cubicBezTo>
+                </a:path>
+              </a:pathLst>
+            </a:custGeom>
+            <a:noFill/>
+            <a:ln w="12700" cap="flat">
+              <a:solidFill>
+                <a:schemeClr val="tx1">
+                  <a:alpha val="20000"/>
+                </a:schemeClr>
+              </a:solidFill>
+              <a:prstDash val="dashDot"/>
+              <a:miter lim="800000"/>
+              <a:headEnd/>
+              <a:tailEnd/>
+            </a:ln>
+            <a:extLst>
+              <a:ext uri="{909E8E84-426E-40DD-AFC4-6F175D3DCCD1}">
+                <a14:hiddenFill xmlns:a14="http://schemas.microsoft.com/office/drawing/2010/main">
+                  <a:solidFill>
+                    <a:srgbClr val="FFFFFF"/>
+                  </a:solidFill>
+                </a14:hiddenFill>
+              </a:ext>
+            </a:extLst>
+          </p:spPr>
+          <p:txBody>
+            <a:bodyPr vert="horz" wrap="square" lIns="91440" tIns="45720" rIns="91440" bIns="45720" numCol="1" anchor="t" anchorCtr="0" compatLnSpc="1">
+              <a:prstTxWarp prst="textNoShape">
+                <a:avLst/>
+              </a:prstTxWarp>
+            </a:bodyPr>
+            <a:lstStyle/>
+            <a:p>
+              <a:endParaRPr lang="en-US"/>
+            </a:p>
+          </p:txBody>
+        </p:sp>
+        <p:sp>
+          <p:nvSpPr>
+            <p:cNvPr id="50" name="Freeform 17">
+              <a:extLst>
+                <a:ext uri="{FF2B5EF4-FFF2-40B4-BE49-F238E27FC236}">
+                  <a16:creationId xmlns:a16="http://schemas.microsoft.com/office/drawing/2014/main" id="{06917902-FC8A-4D60-8048-3DFBD3E2E859}"/>
+                </a:ext>
+                <a:ext uri="{C183D7F6-B498-43B3-948B-1728B52AA6E4}">
+                  <adec:decorative xmlns:adec="http://schemas.microsoft.com/office/drawing/2017/decorative" val="1"/>
+                </a:ext>
+              </a:extLst>
+            </p:cNvPr>
+            <p:cNvSpPr>
+              <a:spLocks/>
+            </p:cNvSpPr>
+            <p:nvPr>
+              <p:extLst>
+                <p:ext uri="{386F3935-93C4-4BCD-93E2-E3B085C9AB24}">
+                  <p16:designElem xmlns:p16="http://schemas.microsoft.com/office/powerpoint/2015/main" val="1"/>
+                </p:ext>
+              </p:extLst>
+            </p:nvPr>
+          </p:nvSpPr>
+          <p:spPr bwMode="auto">
+            <a:xfrm>
+              <a:off x="6210826" y="790"/>
+              <a:ext cx="5522913" cy="6871126"/>
+            </a:xfrm>
+            <a:custGeom>
+              <a:avLst/>
+              <a:gdLst>
+                <a:gd name="T0" fmla="*/ 1053 w 1160"/>
+                <a:gd name="T1" fmla="*/ 1441 h 1441"/>
+                <a:gd name="T2" fmla="*/ 705 w 1160"/>
+                <a:gd name="T3" fmla="*/ 599 h 1441"/>
+                <a:gd name="T4" fmla="*/ 0 w 1160"/>
+                <a:gd name="T5" fmla="*/ 0 h 1441"/>
+              </a:gdLst>
+              <a:ahLst/>
+              <a:cxnLst>
+                <a:cxn ang="0">
+                  <a:pos x="T0" y="T1"/>
+                </a:cxn>
+                <a:cxn ang="0">
+                  <a:pos x="T2" y="T3"/>
+                </a:cxn>
+                <a:cxn ang="0">
+                  <a:pos x="T4" y="T5"/>
+                </a:cxn>
+              </a:cxnLst>
+              <a:rect l="0" t="0" r="r" b="b"/>
+              <a:pathLst>
+                <a:path w="1160" h="1441">
+                  <a:moveTo>
+                    <a:pt x="1053" y="1441"/>
+                  </a:moveTo>
+                  <a:cubicBezTo>
+                    <a:pt x="1160" y="1129"/>
+                    <a:pt x="892" y="817"/>
+                    <a:pt x="705" y="599"/>
+                  </a:cubicBezTo>
+                  <a:cubicBezTo>
+                    <a:pt x="503" y="365"/>
+                    <a:pt x="270" y="152"/>
+                    <a:pt x="0" y="0"/>
+                  </a:cubicBezTo>
+                </a:path>
+              </a:pathLst>
+            </a:custGeom>
+            <a:noFill/>
+            <a:ln w="9525" cap="flat">
+              <a:solidFill>
+                <a:schemeClr val="tx1">
+                  <a:alpha val="20000"/>
+                </a:schemeClr>
+              </a:solidFill>
+              <a:prstDash val="solid"/>
+              <a:miter lim="800000"/>
+              <a:headEnd/>
+              <a:tailEnd/>
+            </a:ln>
+            <a:extLst>
+              <a:ext uri="{909E8E84-426E-40DD-AFC4-6F175D3DCCD1}">
+                <a14:hiddenFill xmlns:a14="http://schemas.microsoft.com/office/drawing/2010/main">
+                  <a:solidFill>
+                    <a:srgbClr val="FFFFFF"/>
+                  </a:solidFill>
+                </a14:hiddenFill>
+              </a:ext>
+            </a:extLst>
+          </p:spPr>
+          <p:txBody>
+            <a:bodyPr vert="horz" wrap="square" lIns="91440" tIns="45720" rIns="91440" bIns="45720" numCol="1" anchor="t" anchorCtr="0" compatLnSpc="1">
+              <a:prstTxWarp prst="textNoShape">
+                <a:avLst/>
+              </a:prstTxWarp>
+            </a:bodyPr>
+            <a:lstStyle/>
+            <a:p>
+              <a:endParaRPr lang="en-US"/>
+            </a:p>
+          </p:txBody>
+        </p:sp>
+        <p:sp>
+          <p:nvSpPr>
+            <p:cNvPr id="51" name="Freeform 18">
+              <a:extLst>
+                <a:ext uri="{FF2B5EF4-FFF2-40B4-BE49-F238E27FC236}">
+                  <a16:creationId xmlns:a16="http://schemas.microsoft.com/office/drawing/2014/main" id="{995A7C48-2EB6-4969-B323-7D607A3E093F}"/>
+                </a:ext>
+                <a:ext uri="{C183D7F6-B498-43B3-948B-1728B52AA6E4}">
+                  <adec:decorative xmlns:adec="http://schemas.microsoft.com/office/drawing/2017/decorative" val="1"/>
+                </a:ext>
+              </a:extLst>
+            </p:cNvPr>
+            <p:cNvSpPr>
+              <a:spLocks/>
+            </p:cNvSpPr>
+            <p:nvPr>
+              <p:extLst>
+                <p:ext uri="{386F3935-93C4-4BCD-93E2-E3B085C9AB24}">
+                  <p16:designElem xmlns:p16="http://schemas.microsoft.com/office/powerpoint/2015/main" val="1"/>
+                </p:ext>
+              </p:extLst>
+            </p:nvPr>
+          </p:nvSpPr>
+          <p:spPr bwMode="auto">
+            <a:xfrm>
+              <a:off x="6463239" y="5579"/>
+              <a:ext cx="5413375" cy="6866337"/>
+            </a:xfrm>
+            <a:custGeom>
+              <a:avLst/>
+              <a:gdLst>
+                <a:gd name="T0" fmla="*/ 1040 w 1137"/>
+                <a:gd name="T1" fmla="*/ 1440 h 1440"/>
+                <a:gd name="T2" fmla="*/ 698 w 1137"/>
+                <a:gd name="T3" fmla="*/ 611 h 1440"/>
+                <a:gd name="T4" fmla="*/ 0 w 1137"/>
+                <a:gd name="T5" fmla="*/ 0 h 1440"/>
+              </a:gdLst>
+              <a:ahLst/>
+              <a:cxnLst>
+                <a:cxn ang="0">
+                  <a:pos x="T0" y="T1"/>
+                </a:cxn>
+                <a:cxn ang="0">
+                  <a:pos x="T2" y="T3"/>
+                </a:cxn>
+                <a:cxn ang="0">
+                  <a:pos x="T4" y="T5"/>
+                </a:cxn>
+              </a:cxnLst>
+              <a:rect l="0" t="0" r="r" b="b"/>
+              <a:pathLst>
+                <a:path w="1137" h="1440">
+                  <a:moveTo>
+                    <a:pt x="1040" y="1440"/>
+                  </a:moveTo>
+                  <a:cubicBezTo>
+                    <a:pt x="1137" y="1131"/>
+                    <a:pt x="883" y="828"/>
+                    <a:pt x="698" y="611"/>
+                  </a:cubicBezTo>
+                  <a:cubicBezTo>
+                    <a:pt x="498" y="375"/>
+                    <a:pt x="268" y="159"/>
+                    <a:pt x="0" y="0"/>
+                  </a:cubicBezTo>
+                </a:path>
+              </a:pathLst>
+            </a:custGeom>
+            <a:noFill/>
+            <a:ln w="9525" cap="flat">
+              <a:solidFill>
+                <a:schemeClr val="tx1">
+                  <a:alpha val="20000"/>
+                </a:schemeClr>
+              </a:solidFill>
+              <a:prstDash val="solid"/>
+              <a:miter lim="800000"/>
+              <a:headEnd/>
+              <a:tailEnd/>
+            </a:ln>
+            <a:extLst>
+              <a:ext uri="{909E8E84-426E-40DD-AFC4-6F175D3DCCD1}">
+                <a14:hiddenFill xmlns:a14="http://schemas.microsoft.com/office/drawing/2010/main">
+                  <a:solidFill>
+                    <a:srgbClr val="FFFFFF"/>
+                  </a:solidFill>
+                </a14:hiddenFill>
+              </a:ext>
+            </a:extLst>
+          </p:spPr>
+          <p:txBody>
+            <a:bodyPr vert="horz" wrap="square" lIns="91440" tIns="45720" rIns="91440" bIns="45720" numCol="1" anchor="t" anchorCtr="0" compatLnSpc="1">
+              <a:prstTxWarp prst="textNoShape">
+                <a:avLst/>
+              </a:prstTxWarp>
+            </a:bodyPr>
+            <a:lstStyle/>
+            <a:p>
+              <a:endParaRPr lang="en-US"/>
+            </a:p>
+          </p:txBody>
+        </p:sp>
+        <p:sp>
+          <p:nvSpPr>
+            <p:cNvPr id="52" name="Freeform 19">
+              <a:extLst>
+                <a:ext uri="{FF2B5EF4-FFF2-40B4-BE49-F238E27FC236}">
+                  <a16:creationId xmlns:a16="http://schemas.microsoft.com/office/drawing/2014/main" id="{71E39251-94EA-466C-8167-2552A4CA1A68}"/>
+                </a:ext>
+                <a:ext uri="{C183D7F6-B498-43B3-948B-1728B52AA6E4}">
+                  <adec:decorative xmlns:adec="http://schemas.microsoft.com/office/drawing/2017/decorative" val="1"/>
+                </a:ext>
+              </a:extLst>
+            </p:cNvPr>
+            <p:cNvSpPr>
+              <a:spLocks/>
+            </p:cNvSpPr>
+            <p:nvPr>
+              <p:extLst>
+                <p:ext uri="{386F3935-93C4-4BCD-93E2-E3B085C9AB24}">
+                  <p16:designElem xmlns:p16="http://schemas.microsoft.com/office/powerpoint/2015/main" val="1"/>
+                </p:ext>
+              </p:extLst>
+            </p:nvPr>
+          </p:nvSpPr>
+          <p:spPr bwMode="auto">
+            <a:xfrm>
+              <a:off x="6877576" y="5579"/>
+              <a:ext cx="5037138" cy="6861550"/>
+            </a:xfrm>
+            <a:custGeom>
+              <a:avLst/>
+              <a:gdLst>
+                <a:gd name="T0" fmla="*/ 1011 w 1058"/>
+                <a:gd name="T1" fmla="*/ 1439 h 1439"/>
+                <a:gd name="T2" fmla="*/ 648 w 1058"/>
+                <a:gd name="T3" fmla="*/ 617 h 1439"/>
+                <a:gd name="T4" fmla="*/ 0 w 1058"/>
+                <a:gd name="T5" fmla="*/ 0 h 1439"/>
+              </a:gdLst>
+              <a:ahLst/>
+              <a:cxnLst>
+                <a:cxn ang="0">
+                  <a:pos x="T0" y="T1"/>
+                </a:cxn>
+                <a:cxn ang="0">
+                  <a:pos x="T2" y="T3"/>
+                </a:cxn>
+                <a:cxn ang="0">
+                  <a:pos x="T4" y="T5"/>
+                </a:cxn>
+              </a:cxnLst>
+              <a:rect l="0" t="0" r="r" b="b"/>
+              <a:pathLst>
+                <a:path w="1058" h="1439">
+                  <a:moveTo>
+                    <a:pt x="1011" y="1439"/>
+                  </a:moveTo>
+                  <a:cubicBezTo>
+                    <a:pt x="1058" y="1131"/>
+                    <a:pt x="825" y="841"/>
+                    <a:pt x="648" y="617"/>
+                  </a:cubicBezTo>
+                  <a:cubicBezTo>
+                    <a:pt x="462" y="383"/>
+                    <a:pt x="248" y="168"/>
+                    <a:pt x="0" y="0"/>
+                  </a:cubicBezTo>
+                </a:path>
+              </a:pathLst>
+            </a:custGeom>
+            <a:noFill/>
+            <a:ln w="9525" cap="flat">
+              <a:solidFill>
+                <a:schemeClr val="tx1">
+                  <a:alpha val="20000"/>
+                </a:schemeClr>
+              </a:solidFill>
+              <a:prstDash val="solid"/>
+              <a:miter lim="800000"/>
+              <a:headEnd/>
+              <a:tailEnd/>
+            </a:ln>
+            <a:extLst>
+              <a:ext uri="{909E8E84-426E-40DD-AFC4-6F175D3DCCD1}">
+                <a14:hiddenFill xmlns:a14="http://schemas.microsoft.com/office/drawing/2010/main">
+                  <a:solidFill>
+                    <a:srgbClr val="FFFFFF"/>
+                  </a:solidFill>
+                </a14:hiddenFill>
+              </a:ext>
+            </a:extLst>
+          </p:spPr>
+          <p:txBody>
+            <a:bodyPr vert="horz" wrap="square" lIns="91440" tIns="45720" rIns="91440" bIns="45720" numCol="1" anchor="t" anchorCtr="0" compatLnSpc="1">
+              <a:prstTxWarp prst="textNoShape">
+                <a:avLst/>
+              </a:prstTxWarp>
+            </a:bodyPr>
+            <a:lstStyle/>
+            <a:p>
+              <a:endParaRPr lang="en-US"/>
+            </a:p>
+          </p:txBody>
+        </p:sp>
+        <p:sp>
+          <p:nvSpPr>
+            <p:cNvPr id="53" name="Freeform 20">
+              <a:extLst>
+                <a:ext uri="{FF2B5EF4-FFF2-40B4-BE49-F238E27FC236}">
+                  <a16:creationId xmlns:a16="http://schemas.microsoft.com/office/drawing/2014/main" id="{F9AEAFF2-BFAC-48E1-8038-788124020857}"/>
+                </a:ext>
+                <a:ext uri="{C183D7F6-B498-43B3-948B-1728B52AA6E4}">
+                  <adec:decorative xmlns:adec="http://schemas.microsoft.com/office/drawing/2017/decorative" val="1"/>
+                </a:ext>
+              </a:extLst>
+            </p:cNvPr>
+            <p:cNvSpPr>
+              <a:spLocks/>
+            </p:cNvSpPr>
+            <p:nvPr>
+              <p:extLst>
+                <p:ext uri="{386F3935-93C4-4BCD-93E2-E3B085C9AB24}">
+                  <p16:designElem xmlns:p16="http://schemas.microsoft.com/office/powerpoint/2015/main" val="1"/>
+                </p:ext>
+              </p:extLst>
+            </p:nvPr>
+          </p:nvSpPr>
+          <p:spPr bwMode="auto">
+            <a:xfrm>
+              <a:off x="8768289" y="5579"/>
+              <a:ext cx="3417888" cy="2742066"/>
+            </a:xfrm>
+            <a:custGeom>
+              <a:avLst/>
+              <a:gdLst>
+                <a:gd name="T0" fmla="*/ 718 w 718"/>
+                <a:gd name="T1" fmla="*/ 575 h 575"/>
+                <a:gd name="T2" fmla="*/ 0 w 718"/>
+                <a:gd name="T3" fmla="*/ 0 h 575"/>
+              </a:gdLst>
+              <a:ahLst/>
+              <a:cxnLst>
+                <a:cxn ang="0">
+                  <a:pos x="T0" y="T1"/>
+                </a:cxn>
+                <a:cxn ang="0">
+                  <a:pos x="T2" y="T3"/>
+                </a:cxn>
+              </a:cxnLst>
+              <a:rect l="0" t="0" r="r" b="b"/>
+              <a:pathLst>
+                <a:path w="718" h="575">
+                  <a:moveTo>
+                    <a:pt x="718" y="575"/>
+                  </a:moveTo>
+                  <a:cubicBezTo>
+                    <a:pt x="500" y="360"/>
+                    <a:pt x="260" y="163"/>
+                    <a:pt x="0" y="0"/>
+                  </a:cubicBezTo>
+                </a:path>
+              </a:pathLst>
+            </a:custGeom>
+            <a:noFill/>
+            <a:ln w="9525" cap="flat">
+              <a:solidFill>
+                <a:schemeClr val="tx1">
+                  <a:alpha val="20000"/>
+                </a:schemeClr>
+              </a:solidFill>
+              <a:prstDash val="solid"/>
+              <a:miter lim="800000"/>
+              <a:headEnd/>
+              <a:tailEnd/>
+            </a:ln>
+            <a:extLst>
+              <a:ext uri="{909E8E84-426E-40DD-AFC4-6F175D3DCCD1}">
+                <a14:hiddenFill xmlns:a14="http://schemas.microsoft.com/office/drawing/2010/main">
+                  <a:solidFill>
+                    <a:srgbClr val="FFFFFF"/>
+                  </a:solidFill>
+                </a14:hiddenFill>
+              </a:ext>
+            </a:extLst>
+          </p:spPr>
+          <p:txBody>
+            <a:bodyPr vert="horz" wrap="square" lIns="91440" tIns="45720" rIns="91440" bIns="45720" numCol="1" anchor="t" anchorCtr="0" compatLnSpc="1">
+              <a:prstTxWarp prst="textNoShape">
+                <a:avLst/>
+              </a:prstTxWarp>
+            </a:bodyPr>
+            <a:lstStyle/>
+            <a:p>
+              <a:endParaRPr lang="en-US"/>
+            </a:p>
+          </p:txBody>
+        </p:sp>
+        <p:sp>
+          <p:nvSpPr>
+            <p:cNvPr id="54" name="Freeform 21">
+              <a:extLst>
+                <a:ext uri="{FF2B5EF4-FFF2-40B4-BE49-F238E27FC236}">
+                  <a16:creationId xmlns:a16="http://schemas.microsoft.com/office/drawing/2014/main" id="{F87BFF95-3D1E-45B2-945C-CFAFEC3D6429}"/>
+                </a:ext>
+                <a:ext uri="{C183D7F6-B498-43B3-948B-1728B52AA6E4}">
+                  <adec:decorative xmlns:adec="http://schemas.microsoft.com/office/drawing/2017/decorative" val="1"/>
+                </a:ext>
+              </a:extLst>
+            </p:cNvPr>
+            <p:cNvSpPr>
+              <a:spLocks/>
+            </p:cNvSpPr>
+            <p:nvPr>
+              <p:extLst>
+                <p:ext uri="{386F3935-93C4-4BCD-93E2-E3B085C9AB24}">
+                  <p16:designElem xmlns:p16="http://schemas.microsoft.com/office/powerpoint/2015/main" val="1"/>
+                </p:ext>
+              </p:extLst>
+            </p:nvPr>
+          </p:nvSpPr>
+          <p:spPr bwMode="auto">
+            <a:xfrm>
+              <a:off x="9235014" y="10367"/>
+              <a:ext cx="2951163" cy="2555325"/>
+            </a:xfrm>
+            <a:custGeom>
+              <a:avLst/>
+              <a:gdLst>
+                <a:gd name="T0" fmla="*/ 620 w 620"/>
+                <a:gd name="T1" fmla="*/ 536 h 536"/>
+                <a:gd name="T2" fmla="*/ 0 w 620"/>
+                <a:gd name="T3" fmla="*/ 0 h 536"/>
+              </a:gdLst>
+              <a:ahLst/>
+              <a:cxnLst>
+                <a:cxn ang="0">
+                  <a:pos x="T0" y="T1"/>
+                </a:cxn>
+                <a:cxn ang="0">
+                  <a:pos x="T2" y="T3"/>
+                </a:cxn>
+              </a:cxnLst>
+              <a:rect l="0" t="0" r="r" b="b"/>
+              <a:pathLst>
+                <a:path w="620" h="536">
+                  <a:moveTo>
+                    <a:pt x="620" y="536"/>
+                  </a:moveTo>
+                  <a:cubicBezTo>
+                    <a:pt x="404" y="314"/>
+                    <a:pt x="196" y="138"/>
+                    <a:pt x="0" y="0"/>
+                  </a:cubicBezTo>
+                </a:path>
+              </a:pathLst>
+            </a:custGeom>
+            <a:noFill/>
+            <a:ln w="9525" cap="flat">
+              <a:solidFill>
+                <a:schemeClr val="tx1">
+                  <a:alpha val="20000"/>
+                </a:schemeClr>
+              </a:solidFill>
+              <a:prstDash val="solid"/>
+              <a:miter lim="800000"/>
+              <a:headEnd/>
+              <a:tailEnd/>
+            </a:ln>
+            <a:extLst>
+              <a:ext uri="{909E8E84-426E-40DD-AFC4-6F175D3DCCD1}">
+                <a14:hiddenFill xmlns:a14="http://schemas.microsoft.com/office/drawing/2010/main">
+                  <a:solidFill>
+                    <a:srgbClr val="FFFFFF"/>
+                  </a:solidFill>
+                </a14:hiddenFill>
+              </a:ext>
+            </a:extLst>
+          </p:spPr>
+          <p:txBody>
+            <a:bodyPr vert="horz" wrap="square" lIns="91440" tIns="45720" rIns="91440" bIns="45720" numCol="1" anchor="t" anchorCtr="0" compatLnSpc="1">
+              <a:prstTxWarp prst="textNoShape">
+                <a:avLst/>
+              </a:prstTxWarp>
+            </a:bodyPr>
+            <a:lstStyle/>
+            <a:p>
+              <a:endParaRPr lang="en-US"/>
+            </a:p>
+          </p:txBody>
+        </p:sp>
+        <p:sp>
+          <p:nvSpPr>
+            <p:cNvPr id="55" name="Freeform 22">
+              <a:extLst>
+                <a:ext uri="{FF2B5EF4-FFF2-40B4-BE49-F238E27FC236}">
+                  <a16:creationId xmlns:a16="http://schemas.microsoft.com/office/drawing/2014/main" id="{E79531B4-B233-4802-8EDF-96C75D0421EE}"/>
+                </a:ext>
+                <a:ext uri="{C183D7F6-B498-43B3-948B-1728B52AA6E4}">
+                  <adec:decorative xmlns:adec="http://schemas.microsoft.com/office/drawing/2017/decorative" val="1"/>
+                </a:ext>
+              </a:extLst>
+            </p:cNvPr>
+            <p:cNvSpPr>
+              <a:spLocks/>
+            </p:cNvSpPr>
+            <p:nvPr>
+              <p:extLst>
+                <p:ext uri="{386F3935-93C4-4BCD-93E2-E3B085C9AB24}">
+                  <p16:designElem xmlns:p16="http://schemas.microsoft.com/office/powerpoint/2015/main" val="1"/>
+                </p:ext>
+              </p:extLst>
+            </p:nvPr>
+          </p:nvSpPr>
+          <p:spPr bwMode="auto">
+            <a:xfrm>
+              <a:off x="10020826" y="5579"/>
+              <a:ext cx="2165350" cy="1358265"/>
+            </a:xfrm>
+            <a:custGeom>
+              <a:avLst/>
+              <a:gdLst>
+                <a:gd name="T0" fmla="*/ 0 w 455"/>
+                <a:gd name="T1" fmla="*/ 0 h 285"/>
+                <a:gd name="T2" fmla="*/ 455 w 455"/>
+                <a:gd name="T3" fmla="*/ 285 h 285"/>
+              </a:gdLst>
+              <a:ahLst/>
+              <a:cxnLst>
+                <a:cxn ang="0">
+                  <a:pos x="T0" y="T1"/>
+                </a:cxn>
+                <a:cxn ang="0">
+                  <a:pos x="T2" y="T3"/>
+                </a:cxn>
+              </a:cxnLst>
+              <a:rect l="0" t="0" r="r" b="b"/>
+              <a:pathLst>
+                <a:path w="455" h="285">
+                  <a:moveTo>
+                    <a:pt x="0" y="0"/>
+                  </a:moveTo>
+                  <a:cubicBezTo>
+                    <a:pt x="153" y="85"/>
+                    <a:pt x="308" y="180"/>
+                    <a:pt x="455" y="285"/>
+                  </a:cubicBezTo>
+                </a:path>
+              </a:pathLst>
+            </a:custGeom>
+            <a:noFill/>
+            <a:ln w="9525" cap="flat">
+              <a:solidFill>
+                <a:schemeClr val="tx1">
+                  <a:alpha val="20000"/>
+                </a:schemeClr>
+              </a:solidFill>
+              <a:prstDash val="dash"/>
+              <a:miter lim="800000"/>
+              <a:headEnd/>
+              <a:tailEnd/>
+            </a:ln>
+            <a:extLst>
+              <a:ext uri="{909E8E84-426E-40DD-AFC4-6F175D3DCCD1}">
+                <a14:hiddenFill xmlns:a14="http://schemas.microsoft.com/office/drawing/2010/main">
+                  <a:solidFill>
+                    <a:srgbClr val="FFFFFF"/>
+                  </a:solidFill>
+                </a14:hiddenFill>
+              </a:ext>
+            </a:extLst>
+          </p:spPr>
+          <p:txBody>
+            <a:bodyPr vert="horz" wrap="square" lIns="91440" tIns="45720" rIns="91440" bIns="45720" numCol="1" anchor="t" anchorCtr="0" compatLnSpc="1">
+              <a:prstTxWarp prst="textNoShape">
+                <a:avLst/>
+              </a:prstTxWarp>
+            </a:bodyPr>
+            <a:lstStyle/>
+            <a:p>
+              <a:endParaRPr lang="en-US"/>
+            </a:p>
+          </p:txBody>
+        </p:sp>
+        <p:sp>
+          <p:nvSpPr>
+            <p:cNvPr id="56" name="Freeform 23">
+              <a:extLst>
+                <a:ext uri="{FF2B5EF4-FFF2-40B4-BE49-F238E27FC236}">
+                  <a16:creationId xmlns:a16="http://schemas.microsoft.com/office/drawing/2014/main" id="{01E8A3D8-8FFF-4C3A-BA7F-D11B1C61619C}"/>
+                </a:ext>
+                <a:ext uri="{C183D7F6-B498-43B3-948B-1728B52AA6E4}">
+                  <adec:decorative xmlns:adec="http://schemas.microsoft.com/office/drawing/2017/decorative" val="1"/>
+                </a:ext>
+              </a:extLst>
+            </p:cNvPr>
+            <p:cNvSpPr>
+              <a:spLocks/>
+            </p:cNvSpPr>
+            <p:nvPr>
+              <p:extLst>
+                <p:ext uri="{386F3935-93C4-4BCD-93E2-E3B085C9AB24}">
+                  <p16:designElem xmlns:p16="http://schemas.microsoft.com/office/powerpoint/2015/main" val="1"/>
+                </p:ext>
+              </p:extLst>
+            </p:nvPr>
+          </p:nvSpPr>
+          <p:spPr bwMode="auto">
+            <a:xfrm>
+              <a:off x="11290826" y="5579"/>
+              <a:ext cx="895350" cy="534687"/>
+            </a:xfrm>
+            <a:custGeom>
+              <a:avLst/>
+              <a:gdLst>
+                <a:gd name="T0" fmla="*/ 0 w 188"/>
+                <a:gd name="T1" fmla="*/ 0 h 112"/>
+                <a:gd name="T2" fmla="*/ 188 w 188"/>
+                <a:gd name="T3" fmla="*/ 112 h 112"/>
+              </a:gdLst>
+              <a:ahLst/>
+              <a:cxnLst>
+                <a:cxn ang="0">
+                  <a:pos x="T0" y="T1"/>
+                </a:cxn>
+                <a:cxn ang="0">
+                  <a:pos x="T2" y="T3"/>
+                </a:cxn>
+              </a:cxnLst>
+              <a:rect l="0" t="0" r="r" b="b"/>
+              <a:pathLst>
+                <a:path w="188" h="112">
+                  <a:moveTo>
+                    <a:pt x="0" y="0"/>
+                  </a:moveTo>
+                  <a:cubicBezTo>
+                    <a:pt x="63" y="36"/>
+                    <a:pt x="126" y="73"/>
+                    <a:pt x="188" y="112"/>
+                  </a:cubicBezTo>
+                </a:path>
+              </a:pathLst>
+            </a:custGeom>
+            <a:noFill/>
+            <a:ln w="9525" cap="flat">
+              <a:solidFill>
+                <a:schemeClr val="tx1">
+                  <a:alpha val="20000"/>
+                </a:schemeClr>
+              </a:solidFill>
+              <a:prstDash val="solid"/>
+              <a:miter lim="800000"/>
+              <a:headEnd/>
+              <a:tailEnd/>
+            </a:ln>
+            <a:extLst>
+              <a:ext uri="{909E8E84-426E-40DD-AFC4-6F175D3DCCD1}">
+                <a14:hiddenFill xmlns:a14="http://schemas.microsoft.com/office/drawing/2010/main">
+                  <a:solidFill>
+                    <a:srgbClr val="FFFFFF"/>
+                  </a:solidFill>
+                </a14:hiddenFill>
+              </a:ext>
+            </a:extLst>
+          </p:spPr>
+          <p:txBody>
+            <a:bodyPr vert="horz" wrap="square" lIns="91440" tIns="45720" rIns="91440" bIns="45720" numCol="1" anchor="t" anchorCtr="0" compatLnSpc="1">
+              <a:prstTxWarp prst="textNoShape">
+                <a:avLst/>
+              </a:prstTxWarp>
+            </a:bodyPr>
+            <a:lstStyle/>
+            <a:p>
+              <a:endParaRPr lang="en-US"/>
+            </a:p>
+          </p:txBody>
+        </p:sp>
+      </p:grpSp>
+      <p:grpSp>
+        <p:nvGrpSpPr>
+          <p:cNvPr id="58" name="Group 57">
+            <a:extLst>
+              <a:ext uri="{FF2B5EF4-FFF2-40B4-BE49-F238E27FC236}">
+                <a16:creationId xmlns:a16="http://schemas.microsoft.com/office/drawing/2014/main" id="{B4BB06CC-48BD-4621-A671-5502A7BF0BAF}"/>
+              </a:ext>
+              <a:ext uri="{C183D7F6-B498-43B3-948B-1728B52AA6E4}">
+                <adec:decorative xmlns:adec="http://schemas.microsoft.com/office/drawing/2017/decorative" val="1"/>
+              </a:ext>
+            </a:extLst>
+          </p:cNvPr>
+          <p:cNvGrpSpPr>
+            <a:grpSpLocks noGrp="1" noUngrp="1" noRot="1" noChangeAspect="1" noMove="1" noResize="1"/>
+          </p:cNvGrpSpPr>
+          <p:nvPr>
+            <p:extLst>
+              <p:ext uri="{386F3935-93C4-4BCD-93E2-E3B085C9AB24}">
+                <p16:designElem xmlns:p16="http://schemas.microsoft.com/office/powerpoint/2015/main" val="1"/>
+              </p:ext>
+            </p:extLst>
+          </p:nvPr>
+        </p:nvGrpSpPr>
+        <p:grpSpPr>
+          <a:xfrm>
+            <a:off x="807084" y="1186483"/>
+            <a:ext cx="3822597" cy="4477933"/>
+            <a:chOff x="807084" y="1186483"/>
+            <a:chExt cx="3822597" cy="4477933"/>
+          </a:xfrm>
+        </p:grpSpPr>
+        <p:sp>
+          <p:nvSpPr>
+            <p:cNvPr id="59" name="Rectangle 58">
+              <a:extLst>
+                <a:ext uri="{FF2B5EF4-FFF2-40B4-BE49-F238E27FC236}">
+                  <a16:creationId xmlns:a16="http://schemas.microsoft.com/office/drawing/2014/main" id="{A13B6631-6FCE-48BF-B70E-387713DF4C89}"/>
+                </a:ext>
+                <a:ext uri="{C183D7F6-B498-43B3-948B-1728B52AA6E4}">
+                  <adec:decorative xmlns:adec="http://schemas.microsoft.com/office/drawing/2017/decorative" val="1"/>
+                </a:ext>
+              </a:extLst>
+            </p:cNvPr>
+            <p:cNvSpPr/>
+            <p:nvPr>
+              <p:extLst>
+                <p:ext uri="{386F3935-93C4-4BCD-93E2-E3B085C9AB24}">
+                  <p16:designElem xmlns:p16="http://schemas.microsoft.com/office/powerpoint/2015/main" val="1"/>
+                </p:ext>
+              </p:extLst>
+            </p:nvPr>
+          </p:nvSpPr>
+          <p:spPr>
+            <a:xfrm>
+              <a:off x="807531" y="1186483"/>
+              <a:ext cx="3821702" cy="716184"/>
+            </a:xfrm>
+            <a:prstGeom prst="rect">
+              <a:avLst/>
+            </a:prstGeom>
+            <a:solidFill>
+              <a:schemeClr val="accent1"/>
+            </a:solidFill>
+            <a:ln>
+              <a:noFill/>
+            </a:ln>
+          </p:spPr>
+          <p:style>
+            <a:lnRef idx="2">
+              <a:schemeClr val="accent1">
+                <a:shade val="50000"/>
+              </a:schemeClr>
+            </a:lnRef>
+            <a:fillRef idx="1">
+              <a:schemeClr val="accent1"/>
+            </a:fillRef>
+            <a:effectRef idx="0">
+              <a:schemeClr val="accent1"/>
+            </a:effectRef>
+            <a:fontRef idx="minor">
+              <a:schemeClr val="lt1"/>
+            </a:fontRef>
+          </p:style>
+          <p:txBody>
+            <a:bodyPr rtlCol="0" anchor="ctr"/>
+            <a:lstStyle/>
+            <a:p>
+              <a:pPr algn="ctr"/>
+              <a:endParaRPr lang="en-US"/>
+            </a:p>
+          </p:txBody>
+        </p:sp>
+        <p:sp>
+          <p:nvSpPr>
+            <p:cNvPr id="60" name="Isosceles Triangle 39">
+              <a:extLst>
+                <a:ext uri="{FF2B5EF4-FFF2-40B4-BE49-F238E27FC236}">
+                  <a16:creationId xmlns:a16="http://schemas.microsoft.com/office/drawing/2014/main" id="{DDB93067-F481-441A-A376-C0E7513B592D}"/>
+                </a:ext>
+                <a:ext uri="{C183D7F6-B498-43B3-948B-1728B52AA6E4}">
+                  <adec:decorative xmlns:adec="http://schemas.microsoft.com/office/drawing/2017/decorative" val="1"/>
+                </a:ext>
+              </a:extLst>
+            </p:cNvPr>
+            <p:cNvSpPr/>
+            <p:nvPr>
+              <p:extLst>
+                <p:ext uri="{386F3935-93C4-4BCD-93E2-E3B085C9AB24}">
+                  <p16:designElem xmlns:p16="http://schemas.microsoft.com/office/powerpoint/2015/main" val="1"/>
+                </p:ext>
+              </p:extLst>
+            </p:nvPr>
+          </p:nvSpPr>
+          <p:spPr>
+            <a:xfrm rot="10800000">
+              <a:off x="2514766" y="5313353"/>
+              <a:ext cx="407233" cy="351063"/>
+            </a:xfrm>
+            <a:prstGeom prst="triangle">
+              <a:avLst/>
+            </a:prstGeom>
+            <a:solidFill>
+              <a:schemeClr val="accent1"/>
+            </a:solidFill>
+            <a:ln>
+              <a:noFill/>
+            </a:ln>
+          </p:spPr>
+          <p:style>
+            <a:lnRef idx="2">
+              <a:schemeClr val="accent1">
+                <a:shade val="50000"/>
+              </a:schemeClr>
+            </a:lnRef>
+            <a:fillRef idx="1">
+              <a:schemeClr val="accent1"/>
+            </a:fillRef>
+            <a:effectRef idx="0">
+              <a:schemeClr val="accent1"/>
+            </a:effectRef>
+            <a:fontRef idx="minor">
+              <a:schemeClr val="lt1"/>
+            </a:fontRef>
+          </p:style>
+          <p:txBody>
+            <a:bodyPr rtlCol="0" anchor="ctr"/>
+            <a:lstStyle/>
+            <a:p>
+              <a:pPr algn="ctr"/>
+              <a:endParaRPr lang="en-US"/>
+            </a:p>
+          </p:txBody>
+        </p:sp>
+        <p:sp>
+          <p:nvSpPr>
+            <p:cNvPr id="61" name="Rectangle 60">
+              <a:extLst>
+                <a:ext uri="{FF2B5EF4-FFF2-40B4-BE49-F238E27FC236}">
+                  <a16:creationId xmlns:a16="http://schemas.microsoft.com/office/drawing/2014/main" id="{B2CBF682-D16A-42C2-8992-90C6D1CF799A}"/>
+                </a:ext>
+                <a:ext uri="{C183D7F6-B498-43B3-948B-1728B52AA6E4}">
+                  <adec:decorative xmlns:adec="http://schemas.microsoft.com/office/drawing/2017/decorative" val="1"/>
+                </a:ext>
+              </a:extLst>
+            </p:cNvPr>
+            <p:cNvSpPr/>
+            <p:nvPr>
+              <p:extLst>
+                <p:ext uri="{386F3935-93C4-4BCD-93E2-E3B085C9AB24}">
+                  <p16:designElem xmlns:p16="http://schemas.microsoft.com/office/powerpoint/2015/main" val="1"/>
+                </p:ext>
+              </p:extLst>
+            </p:nvPr>
+          </p:nvSpPr>
+          <p:spPr>
+            <a:xfrm>
+              <a:off x="807084" y="1991156"/>
+              <a:ext cx="3822597" cy="3322196"/>
+            </a:xfrm>
+            <a:prstGeom prst="rect">
+              <a:avLst/>
+            </a:prstGeom>
+            <a:solidFill>
+              <a:schemeClr val="accent1"/>
+            </a:solidFill>
+            <a:ln>
+              <a:noFill/>
+            </a:ln>
+          </p:spPr>
+          <p:style>
+            <a:lnRef idx="2">
+              <a:schemeClr val="accent1">
+                <a:shade val="50000"/>
+              </a:schemeClr>
+            </a:lnRef>
+            <a:fillRef idx="1">
+              <a:schemeClr val="accent1"/>
+            </a:fillRef>
+            <a:effectRef idx="0">
+              <a:schemeClr val="accent1"/>
+            </a:effectRef>
+            <a:fontRef idx="minor">
+              <a:schemeClr val="lt1"/>
+            </a:fontRef>
+          </p:style>
+          <p:txBody>
+            <a:bodyPr rtlCol="0" anchor="ctr"/>
+            <a:lstStyle/>
+            <a:p>
+              <a:pPr algn="ctr"/>
+              <a:endParaRPr lang="en-US"/>
+            </a:p>
+          </p:txBody>
+        </p:sp>
+      </p:grpSp>
+      <p:sp>
+        <p:nvSpPr>
+          <p:cNvPr id="2" name="Title 1">
+            <a:extLst>
+              <a:ext uri="{FF2B5EF4-FFF2-40B4-BE49-F238E27FC236}">
+                <a16:creationId xmlns:a16="http://schemas.microsoft.com/office/drawing/2014/main" id="{9419818D-7A52-6B4E-93AF-E384F61DAE93}"/>
+              </a:ext>
+            </a:extLst>
+          </p:cNvPr>
+          <p:cNvSpPr>
+            <a:spLocks noGrp="1"/>
+          </p:cNvSpPr>
+          <p:nvPr>
+            <p:ph type="title"/>
+          </p:nvPr>
+        </p:nvSpPr>
+        <p:spPr>
+          <a:xfrm>
+            <a:off x="895415" y="2075504"/>
+            <a:ext cx="3654569" cy="2042725"/>
+          </a:xfrm>
+        </p:spPr>
+        <p:txBody>
+          <a:bodyPr vert="horz" lIns="228600" tIns="228600" rIns="228600" bIns="0" rtlCol="0" anchor="b">
+            <a:normAutofit/>
+          </a:bodyPr>
+          <a:lstStyle/>
+          <a:p>
+            <a:pPr>
+              <a:lnSpc>
+                <a:spcPct val="80000"/>
+              </a:lnSpc>
+            </a:pPr>
+            <a:r>
+              <a:rPr lang="en-US" sz="5400" dirty="0"/>
+              <a:t>Summary Statistics</a:t>
+            </a:r>
+          </a:p>
+        </p:txBody>
+      </p:sp>
+      <p:sp>
+        <p:nvSpPr>
+          <p:cNvPr id="63" name="Rectangle 62">
+            <a:extLst>
+              <a:ext uri="{FF2B5EF4-FFF2-40B4-BE49-F238E27FC236}">
+                <a16:creationId xmlns:a16="http://schemas.microsoft.com/office/drawing/2014/main" id="{A7B753C6-0598-4947-9B65-3AD74C778E9E}"/>
+              </a:ext>
+              <a:ext uri="{C183D7F6-B498-43B3-948B-1728B52AA6E4}">
+                <adec:decorative xmlns:adec="http://schemas.microsoft.com/office/drawing/2017/decorative" val="1"/>
+              </a:ext>
+            </a:extLst>
+          </p:cNvPr>
+          <p:cNvSpPr>
+            <a:spLocks noGrp="1" noRot="1" noChangeAspect="1" noMove="1" noResize="1" noEditPoints="1" noAdjustHandles="1" noChangeArrowheads="1" noChangeShapeType="1" noTextEdit="1"/>
+          </p:cNvSpPr>
+          <p:nvPr>
+            <p:extLst>
+              <p:ext uri="{386F3935-93C4-4BCD-93E2-E3B085C9AB24}">
+                <p16:designElem xmlns:p16="http://schemas.microsoft.com/office/powerpoint/2015/main" val="1"/>
+              </p:ext>
+            </p:extLst>
+          </p:nvPr>
+        </p:nvSpPr>
+        <p:spPr>
+          <a:xfrm>
+            <a:off x="5440150" y="-6706"/>
+            <a:ext cx="6751849" cy="6871125"/>
+          </a:xfrm>
+          <a:prstGeom prst="rect">
+            <a:avLst/>
+          </a:prstGeom>
+          <a:solidFill>
+            <a:schemeClr val="bg1"/>
+          </a:solidFill>
+          <a:ln w="9525">
+            <a:solidFill>
+              <a:schemeClr val="tx1">
+                <a:alpha val="20000"/>
+              </a:schemeClr>
+            </a:solidFill>
+          </a:ln>
+        </p:spPr>
+        <p:style>
+          <a:lnRef idx="2">
+            <a:schemeClr val="accent1">
+              <a:shade val="50000"/>
+            </a:schemeClr>
+          </a:lnRef>
+          <a:fillRef idx="1">
+            <a:schemeClr val="accent1"/>
+          </a:fillRef>
+          <a:effectRef idx="0">
+            <a:schemeClr val="accent1"/>
+          </a:effectRef>
+          <a:fontRef idx="minor">
+            <a:schemeClr val="lt1"/>
+          </a:fontRef>
+        </p:style>
+        <p:txBody>
+          <a:bodyPr rtlCol="0" anchor="ctr"/>
+          <a:lstStyle/>
+          <a:p>
+            <a:pPr algn="ctr"/>
+            <a:endParaRPr lang="en-US"/>
+          </a:p>
+        </p:txBody>
+      </p:sp>
+      <p:pic>
+        <p:nvPicPr>
+          <p:cNvPr id="4" name="Content Placeholder 3">
+            <a:extLst>
+              <a:ext uri="{FF2B5EF4-FFF2-40B4-BE49-F238E27FC236}">
+                <a16:creationId xmlns:a16="http://schemas.microsoft.com/office/drawing/2014/main" id="{10EC5D7F-216B-F74E-96AA-AC96AAD94647}"/>
+              </a:ext>
+            </a:extLst>
+          </p:cNvPr>
+          <p:cNvPicPr>
+            <a:picLocks noGrp="1" noChangeAspect="1"/>
+          </p:cNvPicPr>
+          <p:nvPr>
+            <p:ph idx="1"/>
+          </p:nvPr>
+        </p:nvPicPr>
+        <p:blipFill>
+          <a:blip r:embed="rId2"/>
+          <a:stretch>
+            <a:fillRect/>
+          </a:stretch>
+        </p:blipFill>
+        <p:spPr>
+          <a:xfrm>
+            <a:off x="5757262" y="1788737"/>
+            <a:ext cx="6120318" cy="3289669"/>
+          </a:xfrm>
+          <a:prstGeom prst="rect">
+            <a:avLst/>
+          </a:prstGeom>
+          <a:ln w="9525">
+            <a:noFill/>
+          </a:ln>
+        </p:spPr>
+      </p:pic>
+    </p:spTree>
+    <p:extLst>
+      <p:ext uri="{BB962C8B-B14F-4D97-AF65-F5344CB8AC3E}">
+        <p14:creationId xmlns:p14="http://schemas.microsoft.com/office/powerpoint/2010/main" val="3613397370"/>
+      </p:ext>
+    </p:extLst>
+  </p:cSld>
+  <p:clrMapOvr>
+    <a:masterClrMapping/>
+  </p:clrMapOvr>
+</p:sld>
+</file>
+
+<file path=ppt/slides/slide6.xml><?xml version="1.0" encoding="utf-8"?>
 <p:sld xmlns:a="http://schemas.openxmlformats.org/drawingml/2006/main" xmlns:r="http://schemas.openxmlformats.org/officeDocument/2006/relationships" xmlns:p="http://schemas.openxmlformats.org/presentationml/2006/main">
   <p:cSld>
     <p:bg>
@@ -16014,7 +22781,7 @@
 </p:sld>
 </file>
 
-<file path=ppt/slides/slide3.xml><?xml version="1.0" encoding="utf-8"?>
+<file path=ppt/slides/slide7.xml><?xml version="1.0" encoding="utf-8"?>
 <p:sld xmlns:a="http://schemas.openxmlformats.org/drawingml/2006/main" xmlns:r="http://schemas.openxmlformats.org/officeDocument/2006/relationships" xmlns:p="http://schemas.openxmlformats.org/presentationml/2006/main">
   <p:cSld>
     <p:bg>
@@ -16041,10 +22808,10 @@
       </p:grpSpPr>
       <p:grpSp>
         <p:nvGrpSpPr>
-          <p:cNvPr id="64" name="Group 10">
+          <p:cNvPr id="93" name="Group 92">
             <a:extLst>
               <a:ext uri="{FF2B5EF4-FFF2-40B4-BE49-F238E27FC236}">
-                <a16:creationId xmlns:a16="http://schemas.microsoft.com/office/drawing/2014/main" id="{EFAF5D36-7988-4310-8B2D-E5F09D9BED5B}"/>
+                <a16:creationId xmlns:a16="http://schemas.microsoft.com/office/drawing/2014/main" id="{4DB07893-3BE3-42E0-BC35-1ED54907AA62}"/>
               </a:ext>
               <a:ext uri="{C183D7F6-B498-43B3-948B-1728B52AA6E4}">
                 <adec:decorative xmlns:adec="http://schemas.microsoft.com/office/drawing/2017/decorative" val="1"/>
@@ -16072,10 +22839,10 @@
         </p:grpSpPr>
         <p:sp>
           <p:nvSpPr>
-            <p:cNvPr id="12" name="Freeform 5">
+            <p:cNvPr id="94" name="Freeform 5">
               <a:extLst>
                 <a:ext uri="{FF2B5EF4-FFF2-40B4-BE49-F238E27FC236}">
-                  <a16:creationId xmlns:a16="http://schemas.microsoft.com/office/drawing/2014/main" id="{F953B1DA-E7D8-48BB-8D67-425C7F7E06D9}"/>
+                  <a16:creationId xmlns:a16="http://schemas.microsoft.com/office/drawing/2014/main" id="{017C40D5-034D-4017-BF93-E3AF61334DE3}"/>
                 </a:ext>
                 <a:ext uri="{C183D7F6-B498-43B3-948B-1728B52AA6E4}">
                   <adec:decorative xmlns:adec="http://schemas.microsoft.com/office/drawing/2017/decorative" val="1"/>
@@ -16155,10 +22922,10 @@
         </p:sp>
         <p:sp>
           <p:nvSpPr>
-            <p:cNvPr id="13" name="Freeform 6">
+            <p:cNvPr id="95" name="Freeform 6">
               <a:extLst>
                 <a:ext uri="{FF2B5EF4-FFF2-40B4-BE49-F238E27FC236}">
-                  <a16:creationId xmlns:a16="http://schemas.microsoft.com/office/drawing/2014/main" id="{319C148B-5C23-49B7-A373-AC1B7510B3F9}"/>
+                  <a16:creationId xmlns:a16="http://schemas.microsoft.com/office/drawing/2014/main" id="{8927D23A-8D45-4A3B-8292-9802CAFAEC33}"/>
                 </a:ext>
                 <a:ext uri="{C183D7F6-B498-43B3-948B-1728B52AA6E4}">
                   <adec:decorative xmlns:adec="http://schemas.microsoft.com/office/drawing/2017/decorative" val="1"/>
@@ -16238,10 +23005,10 @@
         </p:sp>
         <p:sp>
           <p:nvSpPr>
-            <p:cNvPr id="14" name="Freeform 7">
+            <p:cNvPr id="96" name="Freeform 7">
               <a:extLst>
                 <a:ext uri="{FF2B5EF4-FFF2-40B4-BE49-F238E27FC236}">
-                  <a16:creationId xmlns:a16="http://schemas.microsoft.com/office/drawing/2014/main" id="{10B3CBEC-E6ED-4132-A94F-47AB0B93A67D}"/>
+                  <a16:creationId xmlns:a16="http://schemas.microsoft.com/office/drawing/2014/main" id="{54AC8502-82EF-488F-A769-2C9758D57559}"/>
                 </a:ext>
                 <a:ext uri="{C183D7F6-B498-43B3-948B-1728B52AA6E4}">
                   <adec:decorative xmlns:adec="http://schemas.microsoft.com/office/drawing/2017/decorative" val="1"/>
@@ -16326,10 +23093,10 @@
         </p:sp>
         <p:sp>
           <p:nvSpPr>
-            <p:cNvPr id="15" name="Freeform 8">
+            <p:cNvPr id="97" name="Freeform 8">
               <a:extLst>
                 <a:ext uri="{FF2B5EF4-FFF2-40B4-BE49-F238E27FC236}">
-                  <a16:creationId xmlns:a16="http://schemas.microsoft.com/office/drawing/2014/main" id="{6607A26B-7FD4-4FE9-BCFA-2D1303693CB2}"/>
+                  <a16:creationId xmlns:a16="http://schemas.microsoft.com/office/drawing/2014/main" id="{45863BAB-21F5-40D8-8054-4F5A5A71E730}"/>
                 </a:ext>
                 <a:ext uri="{C183D7F6-B498-43B3-948B-1728B52AA6E4}">
                   <adec:decorative xmlns:adec="http://schemas.microsoft.com/office/drawing/2017/decorative" val="1"/>
@@ -16404,10 +23171,10 @@
         </p:sp>
         <p:sp>
           <p:nvSpPr>
-            <p:cNvPr id="16" name="Freeform 9">
+            <p:cNvPr id="98" name="Freeform 9">
               <a:extLst>
                 <a:ext uri="{FF2B5EF4-FFF2-40B4-BE49-F238E27FC236}">
-                  <a16:creationId xmlns:a16="http://schemas.microsoft.com/office/drawing/2014/main" id="{C00169AA-D2E0-467C-9CAE-BBF421EA30F1}"/>
+                  <a16:creationId xmlns:a16="http://schemas.microsoft.com/office/drawing/2014/main" id="{D6CDFFA9-CB9B-4224-8693-FAE0CA753432}"/>
                 </a:ext>
                 <a:ext uri="{C183D7F6-B498-43B3-948B-1728B52AA6E4}">
                   <adec:decorative xmlns:adec="http://schemas.microsoft.com/office/drawing/2017/decorative" val="1"/>
@@ -16472,10 +23239,10 @@
         </p:sp>
         <p:sp>
           <p:nvSpPr>
-            <p:cNvPr id="17" name="Freeform 10">
+            <p:cNvPr id="99" name="Freeform 10">
               <a:extLst>
                 <a:ext uri="{FF2B5EF4-FFF2-40B4-BE49-F238E27FC236}">
-                  <a16:creationId xmlns:a16="http://schemas.microsoft.com/office/drawing/2014/main" id="{24C43ADE-E7DB-48BC-B5F6-0C48D7AE41E1}"/>
+                  <a16:creationId xmlns:a16="http://schemas.microsoft.com/office/drawing/2014/main" id="{B6A01934-284E-4BCA-8E7F-4EA1ADCD060E}"/>
                 </a:ext>
                 <a:ext uri="{C183D7F6-B498-43B3-948B-1728B52AA6E4}">
                   <adec:decorative xmlns:adec="http://schemas.microsoft.com/office/drawing/2017/decorative" val="1"/>
@@ -16550,10 +23317,10 @@
         </p:sp>
         <p:sp>
           <p:nvSpPr>
-            <p:cNvPr id="18" name="Freeform 11">
+            <p:cNvPr id="100" name="Freeform 11">
               <a:extLst>
                 <a:ext uri="{FF2B5EF4-FFF2-40B4-BE49-F238E27FC236}">
-                  <a16:creationId xmlns:a16="http://schemas.microsoft.com/office/drawing/2014/main" id="{F9B6CF03-8C6F-4A69-B803-56DF556167A7}"/>
+                  <a16:creationId xmlns:a16="http://schemas.microsoft.com/office/drawing/2014/main" id="{BD25195C-9A0F-42C0-BCFA-8AE824C6B925}"/>
                 </a:ext>
                 <a:ext uri="{C183D7F6-B498-43B3-948B-1728B52AA6E4}">
                   <adec:decorative xmlns:adec="http://schemas.microsoft.com/office/drawing/2017/decorative" val="1"/>
@@ -16623,10 +23390,10 @@
         </p:sp>
         <p:sp>
           <p:nvSpPr>
-            <p:cNvPr id="19" name="Freeform 12">
+            <p:cNvPr id="101" name="Freeform 12">
               <a:extLst>
                 <a:ext uri="{FF2B5EF4-FFF2-40B4-BE49-F238E27FC236}">
-                  <a16:creationId xmlns:a16="http://schemas.microsoft.com/office/drawing/2014/main" id="{0A6864AE-A239-4CD6-9D34-6CF7188F1B2D}"/>
+                  <a16:creationId xmlns:a16="http://schemas.microsoft.com/office/drawing/2014/main" id="{B24C254B-4197-4951-84F7-896F441B104A}"/>
                 </a:ext>
                 <a:ext uri="{C183D7F6-B498-43B3-948B-1728B52AA6E4}">
                   <adec:decorative xmlns:adec="http://schemas.microsoft.com/office/drawing/2017/decorative" val="1"/>
@@ -16691,10 +23458,10 @@
         </p:sp>
         <p:sp>
           <p:nvSpPr>
-            <p:cNvPr id="20" name="Freeform 13">
+            <p:cNvPr id="102" name="Freeform 13">
               <a:extLst>
                 <a:ext uri="{FF2B5EF4-FFF2-40B4-BE49-F238E27FC236}">
-                  <a16:creationId xmlns:a16="http://schemas.microsoft.com/office/drawing/2014/main" id="{B71C308D-6936-4397-A8AF-6D19C6EC0742}"/>
+                  <a16:creationId xmlns:a16="http://schemas.microsoft.com/office/drawing/2014/main" id="{71F330C8-1F40-4D4E-B39D-025179503879}"/>
                 </a:ext>
                 <a:ext uri="{C183D7F6-B498-43B3-948B-1728B52AA6E4}">
                   <adec:decorative xmlns:adec="http://schemas.microsoft.com/office/drawing/2017/decorative" val="1"/>
@@ -16764,10 +23531,10 @@
         </p:sp>
         <p:sp>
           <p:nvSpPr>
-            <p:cNvPr id="21" name="Freeform 14">
+            <p:cNvPr id="103" name="Freeform 14">
               <a:extLst>
                 <a:ext uri="{FF2B5EF4-FFF2-40B4-BE49-F238E27FC236}">
-                  <a16:creationId xmlns:a16="http://schemas.microsoft.com/office/drawing/2014/main" id="{FBD50843-2012-4AE6-91C9-537612E73884}"/>
+                  <a16:creationId xmlns:a16="http://schemas.microsoft.com/office/drawing/2014/main" id="{2715F280-155E-440C-8A04-ADB44B96B0D5}"/>
                 </a:ext>
                 <a:ext uri="{C183D7F6-B498-43B3-948B-1728B52AA6E4}">
                   <adec:decorative xmlns:adec="http://schemas.microsoft.com/office/drawing/2017/decorative" val="1"/>
@@ -16832,10 +23599,10 @@
         </p:sp>
         <p:sp>
           <p:nvSpPr>
-            <p:cNvPr id="22" name="Freeform 15">
+            <p:cNvPr id="104" name="Freeform 15">
               <a:extLst>
                 <a:ext uri="{FF2B5EF4-FFF2-40B4-BE49-F238E27FC236}">
-                  <a16:creationId xmlns:a16="http://schemas.microsoft.com/office/drawing/2014/main" id="{A676FD4C-815C-452E-8046-28FEA738242C}"/>
+                  <a16:creationId xmlns:a16="http://schemas.microsoft.com/office/drawing/2014/main" id="{581EA02B-84E6-4BDF-802F-5380897207A6}"/>
                 </a:ext>
                 <a:ext uri="{C183D7F6-B498-43B3-948B-1728B52AA6E4}">
                   <adec:decorative xmlns:adec="http://schemas.microsoft.com/office/drawing/2017/decorative" val="1"/>
@@ -16905,10 +23672,10 @@
         </p:sp>
         <p:sp>
           <p:nvSpPr>
-            <p:cNvPr id="23" name="Freeform 16">
+            <p:cNvPr id="105" name="Freeform 16">
               <a:extLst>
                 <a:ext uri="{FF2B5EF4-FFF2-40B4-BE49-F238E27FC236}">
-                  <a16:creationId xmlns:a16="http://schemas.microsoft.com/office/drawing/2014/main" id="{66D402BD-5FE7-427A-8AE9-02D604B4C28E}"/>
+                  <a16:creationId xmlns:a16="http://schemas.microsoft.com/office/drawing/2014/main" id="{0A8D6E22-477E-4554-9DD7-4AAF82DC8DE8}"/>
                 </a:ext>
                 <a:ext uri="{C183D7F6-B498-43B3-948B-1728B52AA6E4}">
                   <adec:decorative xmlns:adec="http://schemas.microsoft.com/office/drawing/2017/decorative" val="1"/>
@@ -16973,10 +23740,10 @@
         </p:sp>
         <p:sp>
           <p:nvSpPr>
-            <p:cNvPr id="24" name="Freeform 17">
+            <p:cNvPr id="106" name="Freeform 17">
               <a:extLst>
                 <a:ext uri="{FF2B5EF4-FFF2-40B4-BE49-F238E27FC236}">
-                  <a16:creationId xmlns:a16="http://schemas.microsoft.com/office/drawing/2014/main" id="{AA120BAC-3891-4E44-8E77-F37600AC72D8}"/>
+                  <a16:creationId xmlns:a16="http://schemas.microsoft.com/office/drawing/2014/main" id="{FABD280D-079A-453F-BB67-25DE0CFFA78C}"/>
                 </a:ext>
                 <a:ext uri="{C183D7F6-B498-43B3-948B-1728B52AA6E4}">
                   <adec:decorative xmlns:adec="http://schemas.microsoft.com/office/drawing/2017/decorative" val="1"/>
@@ -17046,10 +23813,10 @@
         </p:sp>
         <p:sp>
           <p:nvSpPr>
-            <p:cNvPr id="25" name="Freeform 18">
+            <p:cNvPr id="107" name="Freeform 18">
               <a:extLst>
                 <a:ext uri="{FF2B5EF4-FFF2-40B4-BE49-F238E27FC236}">
-                  <a16:creationId xmlns:a16="http://schemas.microsoft.com/office/drawing/2014/main" id="{DCD27D48-C30F-4CF5-8C39-64561E5AC81B}"/>
+                  <a16:creationId xmlns:a16="http://schemas.microsoft.com/office/drawing/2014/main" id="{A65E1FB9-E675-439E-B4AD-7A83D28374D5}"/>
                 </a:ext>
                 <a:ext uri="{C183D7F6-B498-43B3-948B-1728B52AA6E4}">
                   <adec:decorative xmlns:adec="http://schemas.microsoft.com/office/drawing/2017/decorative" val="1"/>
@@ -17119,10 +23886,10 @@
         </p:sp>
         <p:sp>
           <p:nvSpPr>
-            <p:cNvPr id="26" name="Freeform 19">
+            <p:cNvPr id="108" name="Freeform 19">
               <a:extLst>
                 <a:ext uri="{FF2B5EF4-FFF2-40B4-BE49-F238E27FC236}">
-                  <a16:creationId xmlns:a16="http://schemas.microsoft.com/office/drawing/2014/main" id="{BFB24C59-0439-4A08-B2D7-11CBD9E230B0}"/>
+                  <a16:creationId xmlns:a16="http://schemas.microsoft.com/office/drawing/2014/main" id="{73F22E98-36D4-4717-BD18-7D82C5C6C2B0}"/>
                 </a:ext>
                 <a:ext uri="{C183D7F6-B498-43B3-948B-1728B52AA6E4}">
                   <adec:decorative xmlns:adec="http://schemas.microsoft.com/office/drawing/2017/decorative" val="1"/>
@@ -17192,10 +23959,10 @@
         </p:sp>
         <p:sp>
           <p:nvSpPr>
-            <p:cNvPr id="27" name="Freeform 20">
+            <p:cNvPr id="109" name="Freeform 20">
               <a:extLst>
                 <a:ext uri="{FF2B5EF4-FFF2-40B4-BE49-F238E27FC236}">
-                  <a16:creationId xmlns:a16="http://schemas.microsoft.com/office/drawing/2014/main" id="{55E56104-C1D3-474D-8F49-E66410000393}"/>
+                  <a16:creationId xmlns:a16="http://schemas.microsoft.com/office/drawing/2014/main" id="{8D514B26-F1E3-4FC5-9971-32D9BD659CD1}"/>
                 </a:ext>
                 <a:ext uri="{C183D7F6-B498-43B3-948B-1728B52AA6E4}">
                   <adec:decorative xmlns:adec="http://schemas.microsoft.com/office/drawing/2017/decorative" val="1"/>
@@ -17260,10 +24027,10 @@
         </p:sp>
         <p:sp>
           <p:nvSpPr>
-            <p:cNvPr id="28" name="Freeform 21">
+            <p:cNvPr id="110" name="Freeform 21">
               <a:extLst>
                 <a:ext uri="{FF2B5EF4-FFF2-40B4-BE49-F238E27FC236}">
-                  <a16:creationId xmlns:a16="http://schemas.microsoft.com/office/drawing/2014/main" id="{17D49068-5D60-449A-95AE-939E83EB9679}"/>
+                  <a16:creationId xmlns:a16="http://schemas.microsoft.com/office/drawing/2014/main" id="{625A493F-B70E-453E-879D-AF04AAC5009C}"/>
                 </a:ext>
                 <a:ext uri="{C183D7F6-B498-43B3-948B-1728B52AA6E4}">
                   <adec:decorative xmlns:adec="http://schemas.microsoft.com/office/drawing/2017/decorative" val="1"/>
@@ -17328,10 +24095,10 @@
         </p:sp>
         <p:sp>
           <p:nvSpPr>
-            <p:cNvPr id="29" name="Freeform 22">
+            <p:cNvPr id="111" name="Freeform 22">
               <a:extLst>
                 <a:ext uri="{FF2B5EF4-FFF2-40B4-BE49-F238E27FC236}">
-                  <a16:creationId xmlns:a16="http://schemas.microsoft.com/office/drawing/2014/main" id="{4D4CF5CD-E36E-43E6-8712-A4880FFEA1B4}"/>
+                  <a16:creationId xmlns:a16="http://schemas.microsoft.com/office/drawing/2014/main" id="{F7B5899C-8596-4D71-8853-45318E1116AF}"/>
                 </a:ext>
                 <a:ext uri="{C183D7F6-B498-43B3-948B-1728B52AA6E4}">
                   <adec:decorative xmlns:adec="http://schemas.microsoft.com/office/drawing/2017/decorative" val="1"/>
@@ -17396,10 +24163,10 @@
         </p:sp>
         <p:sp>
           <p:nvSpPr>
-            <p:cNvPr id="30" name="Freeform 23">
+            <p:cNvPr id="112" name="Freeform 23">
               <a:extLst>
                 <a:ext uri="{FF2B5EF4-FFF2-40B4-BE49-F238E27FC236}">
-                  <a16:creationId xmlns:a16="http://schemas.microsoft.com/office/drawing/2014/main" id="{56A4EB06-C425-440E-BFF0-2D0E82E70DE3}"/>
+                  <a16:creationId xmlns:a16="http://schemas.microsoft.com/office/drawing/2014/main" id="{3B9C14FC-56CE-46EA-B8CA-5AC43CEEBC84}"/>
                 </a:ext>
                 <a:ext uri="{C183D7F6-B498-43B3-948B-1728B52AA6E4}">
                   <adec:decorative xmlns:adec="http://schemas.microsoft.com/office/drawing/2017/decorative" val="1"/>
@@ -17465,10 +24232,10 @@
       </p:grpSp>
       <p:grpSp>
         <p:nvGrpSpPr>
-          <p:cNvPr id="65" name="Group 31">
+          <p:cNvPr id="114" name="Group 113">
             <a:extLst>
               <a:ext uri="{FF2B5EF4-FFF2-40B4-BE49-F238E27FC236}">
-                <a16:creationId xmlns:a16="http://schemas.microsoft.com/office/drawing/2014/main" id="{AF2E2BED-E728-4BDF-A0D9-965E2E6CE3CA}"/>
+                <a16:creationId xmlns:a16="http://schemas.microsoft.com/office/drawing/2014/main" id="{F20A4E56-ACC6-4224-90CA-D55AFD87063B}"/>
               </a:ext>
               <a:ext uri="{C183D7F6-B498-43B3-948B-1728B52AA6E4}">
                 <adec:decorative xmlns:adec="http://schemas.microsoft.com/office/drawing/2017/decorative" val="1"/>
@@ -17496,10 +24263,10 @@
         </p:grpSpPr>
         <p:sp>
           <p:nvSpPr>
-            <p:cNvPr id="33" name="Rectangle 32">
+            <p:cNvPr id="115" name="Rectangle 114">
               <a:extLst>
                 <a:ext uri="{FF2B5EF4-FFF2-40B4-BE49-F238E27FC236}">
-                  <a16:creationId xmlns:a16="http://schemas.microsoft.com/office/drawing/2014/main" id="{4D555CD5-B818-433B-91B0-050C20215ED0}"/>
+                  <a16:creationId xmlns:a16="http://schemas.microsoft.com/office/drawing/2014/main" id="{AC651636-2851-41D1-8CA5-308118F36F81}"/>
                 </a:ext>
                 <a:ext uri="{C183D7F6-B498-43B3-948B-1728B52AA6E4}">
                   <adec:decorative xmlns:adec="http://schemas.microsoft.com/office/drawing/2017/decorative" val="1"/>
@@ -17549,10 +24316,10 @@
         </p:sp>
         <p:sp>
           <p:nvSpPr>
-            <p:cNvPr id="34" name="Isosceles Triangle 33">
+            <p:cNvPr id="116" name="Isosceles Triangle 115">
               <a:extLst>
                 <a:ext uri="{FF2B5EF4-FFF2-40B4-BE49-F238E27FC236}">
-                  <a16:creationId xmlns:a16="http://schemas.microsoft.com/office/drawing/2014/main" id="{942D9584-E3E3-42F2-A08D-053C795536F7}"/>
+                  <a16:creationId xmlns:a16="http://schemas.microsoft.com/office/drawing/2014/main" id="{59909CA5-DB2C-4B0F-A986-58751C05A5E8}"/>
                 </a:ext>
                 <a:ext uri="{C183D7F6-B498-43B3-948B-1728B52AA6E4}">
                   <adec:decorative xmlns:adec="http://schemas.microsoft.com/office/drawing/2017/decorative" val="1"/>
@@ -17602,10 +24369,10 @@
         </p:sp>
         <p:sp>
           <p:nvSpPr>
-            <p:cNvPr id="35" name="Rectangle 34">
+            <p:cNvPr id="117" name="Rectangle 116">
               <a:extLst>
                 <a:ext uri="{FF2B5EF4-FFF2-40B4-BE49-F238E27FC236}">
-                  <a16:creationId xmlns:a16="http://schemas.microsoft.com/office/drawing/2014/main" id="{82A66E12-53B9-47C5-AA58-6A50081950D0}"/>
+                  <a16:creationId xmlns:a16="http://schemas.microsoft.com/office/drawing/2014/main" id="{8C7AC88B-4F8C-418E-9D03-D36DE2792A9D}"/>
                 </a:ext>
                 <a:ext uri="{C183D7F6-B498-43B3-948B-1728B52AA6E4}">
                   <adec:decorative xmlns:adec="http://schemas.microsoft.com/office/drawing/2017/decorative" val="1"/>
@@ -17656,10 +24423,10 @@
       </p:grpSp>
       <p:sp useBgFill="1">
         <p:nvSpPr>
-          <p:cNvPr id="66" name="Rectangle 36">
+          <p:cNvPr id="119" name="Rectangle 118">
             <a:extLst>
               <a:ext uri="{FF2B5EF4-FFF2-40B4-BE49-F238E27FC236}">
-                <a16:creationId xmlns:a16="http://schemas.microsoft.com/office/drawing/2014/main" id="{16D77659-9698-419A-ACF5-1E5AC65361E7}"/>
+                <a16:creationId xmlns:a16="http://schemas.microsoft.com/office/drawing/2014/main" id="{8A1FB2DD-F939-4CBA-ABDB-29E35D8BEA93}"/>
               </a:ext>
               <a:ext uri="{C183D7F6-B498-43B3-948B-1728B52AA6E4}">
                 <adec:decorative xmlns:adec="http://schemas.microsoft.com/office/drawing/2017/decorative" val="1"/>
@@ -17716,10 +24483,10 @@
       </p:sp>
       <p:grpSp>
         <p:nvGrpSpPr>
-          <p:cNvPr id="67" name="Group 38">
+          <p:cNvPr id="121" name="Group 120">
             <a:extLst>
               <a:ext uri="{FF2B5EF4-FFF2-40B4-BE49-F238E27FC236}">
-                <a16:creationId xmlns:a16="http://schemas.microsoft.com/office/drawing/2014/main" id="{36707270-7F99-49E7-9A0D-163372443D83}"/>
+                <a16:creationId xmlns:a16="http://schemas.microsoft.com/office/drawing/2014/main" id="{A2306E72-4678-4841-A0F6-AFEECD9F4BF0}"/>
               </a:ext>
               <a:ext uri="{C183D7F6-B498-43B3-948B-1728B52AA6E4}">
                 <adec:decorative xmlns:adec="http://schemas.microsoft.com/office/drawing/2017/decorative" val="1"/>
@@ -17747,10 +24514,10 @@
         </p:grpSpPr>
         <p:sp>
           <p:nvSpPr>
-            <p:cNvPr id="68" name="Freeform 5">
+            <p:cNvPr id="122" name="Freeform 5">
               <a:extLst>
                 <a:ext uri="{FF2B5EF4-FFF2-40B4-BE49-F238E27FC236}">
-                  <a16:creationId xmlns:a16="http://schemas.microsoft.com/office/drawing/2014/main" id="{111294BD-48EE-40D8-A6DA-65E59DE386E0}"/>
+                  <a16:creationId xmlns:a16="http://schemas.microsoft.com/office/drawing/2014/main" id="{8E5FF42C-D098-4EE3-B636-744F9A2705ED}"/>
                 </a:ext>
                 <a:ext uri="{C183D7F6-B498-43B3-948B-1728B52AA6E4}">
                   <adec:decorative xmlns:adec="http://schemas.microsoft.com/office/drawing/2017/decorative" val="1"/>
@@ -17870,10 +24637,10 @@
         </p:sp>
         <p:sp>
           <p:nvSpPr>
-            <p:cNvPr id="69" name="Freeform 6">
+            <p:cNvPr id="123" name="Freeform 6">
               <a:extLst>
                 <a:ext uri="{FF2B5EF4-FFF2-40B4-BE49-F238E27FC236}">
-                  <a16:creationId xmlns:a16="http://schemas.microsoft.com/office/drawing/2014/main" id="{AC3864A1-AE73-421C-B2EC-6FFB885AC930}"/>
+                  <a16:creationId xmlns:a16="http://schemas.microsoft.com/office/drawing/2014/main" id="{D3A105A7-0F44-492C-A33A-D5661AD9753A}"/>
                 </a:ext>
                 <a:ext uri="{C183D7F6-B498-43B3-948B-1728B52AA6E4}">
                   <adec:decorative xmlns:adec="http://schemas.microsoft.com/office/drawing/2017/decorative" val="1"/>
@@ -17993,10 +24760,10 @@
         </p:sp>
         <p:sp>
           <p:nvSpPr>
-            <p:cNvPr id="70" name="Freeform 7">
+            <p:cNvPr id="124" name="Freeform 7">
               <a:extLst>
                 <a:ext uri="{FF2B5EF4-FFF2-40B4-BE49-F238E27FC236}">
-                  <a16:creationId xmlns:a16="http://schemas.microsoft.com/office/drawing/2014/main" id="{2A35337D-1ABF-4B84-AB16-664EB8EB78BA}"/>
+                  <a16:creationId xmlns:a16="http://schemas.microsoft.com/office/drawing/2014/main" id="{42B5C533-8981-49E3-A535-D0CADF93119C}"/>
                 </a:ext>
                 <a:ext uri="{C183D7F6-B498-43B3-948B-1728B52AA6E4}">
                   <adec:decorative xmlns:adec="http://schemas.microsoft.com/office/drawing/2017/decorative" val="1"/>
@@ -18126,10 +24893,10 @@
         </p:sp>
         <p:sp>
           <p:nvSpPr>
-            <p:cNvPr id="71" name="Freeform 8">
+            <p:cNvPr id="125" name="Freeform 8">
               <a:extLst>
                 <a:ext uri="{FF2B5EF4-FFF2-40B4-BE49-F238E27FC236}">
-                  <a16:creationId xmlns:a16="http://schemas.microsoft.com/office/drawing/2014/main" id="{DC9E3582-4826-4508-AD50-281B98C101BB}"/>
+                  <a16:creationId xmlns:a16="http://schemas.microsoft.com/office/drawing/2014/main" id="{D39599A7-F061-4457-8C3F-62809355A478}"/>
                 </a:ext>
                 <a:ext uri="{C183D7F6-B498-43B3-948B-1728B52AA6E4}">
                   <adec:decorative xmlns:adec="http://schemas.microsoft.com/office/drawing/2017/decorative" val="1"/>
@@ -18239,10 +25006,10 @@
         </p:sp>
         <p:sp>
           <p:nvSpPr>
-            <p:cNvPr id="72" name="Freeform 9">
+            <p:cNvPr id="126" name="Freeform 9">
               <a:extLst>
                 <a:ext uri="{FF2B5EF4-FFF2-40B4-BE49-F238E27FC236}">
-                  <a16:creationId xmlns:a16="http://schemas.microsoft.com/office/drawing/2014/main" id="{2B0C3E26-42CD-4DE0-B3C4-94381B4E2DA6}"/>
+                  <a16:creationId xmlns:a16="http://schemas.microsoft.com/office/drawing/2014/main" id="{A6B43EB1-CA60-4B9E-8D27-9B0887B87764}"/>
                 </a:ext>
                 <a:ext uri="{C183D7F6-B498-43B3-948B-1728B52AA6E4}">
                   <adec:decorative xmlns:adec="http://schemas.microsoft.com/office/drawing/2017/decorative" val="1"/>
@@ -18332,10 +25099,10 @@
         </p:sp>
         <p:sp>
           <p:nvSpPr>
-            <p:cNvPr id="73" name="Freeform 10">
+            <p:cNvPr id="127" name="Freeform 10">
               <a:extLst>
                 <a:ext uri="{FF2B5EF4-FFF2-40B4-BE49-F238E27FC236}">
-                  <a16:creationId xmlns:a16="http://schemas.microsoft.com/office/drawing/2014/main" id="{7E743A97-B3F8-41E0-A370-7DF59130788B}"/>
+                  <a16:creationId xmlns:a16="http://schemas.microsoft.com/office/drawing/2014/main" id="{08D2414E-0DA7-4C56-95E1-F3926EED88B7}"/>
                 </a:ext>
                 <a:ext uri="{C183D7F6-B498-43B3-948B-1728B52AA6E4}">
                   <adec:decorative xmlns:adec="http://schemas.microsoft.com/office/drawing/2017/decorative" val="1"/>
@@ -18445,10 +25212,10 @@
         </p:sp>
         <p:sp>
           <p:nvSpPr>
-            <p:cNvPr id="74" name="Freeform 11">
+            <p:cNvPr id="128" name="Freeform 11">
               <a:extLst>
                 <a:ext uri="{FF2B5EF4-FFF2-40B4-BE49-F238E27FC236}">
-                  <a16:creationId xmlns:a16="http://schemas.microsoft.com/office/drawing/2014/main" id="{78854814-E8CE-46BC-80C2-29F88EA7312E}"/>
+                  <a16:creationId xmlns:a16="http://schemas.microsoft.com/office/drawing/2014/main" id="{19966D48-4ACC-4AC0-9C9D-49F57671CF21}"/>
                 </a:ext>
                 <a:ext uri="{C183D7F6-B498-43B3-948B-1728B52AA6E4}">
                   <adec:decorative xmlns:adec="http://schemas.microsoft.com/office/drawing/2017/decorative" val="1"/>
@@ -18548,10 +25315,10 @@
         </p:sp>
         <p:sp>
           <p:nvSpPr>
-            <p:cNvPr id="75" name="Freeform 12">
+            <p:cNvPr id="129" name="Freeform 12">
               <a:extLst>
                 <a:ext uri="{FF2B5EF4-FFF2-40B4-BE49-F238E27FC236}">
-                  <a16:creationId xmlns:a16="http://schemas.microsoft.com/office/drawing/2014/main" id="{90704826-A788-44F9-BF1E-3ABA653B1CC3}"/>
+                  <a16:creationId xmlns:a16="http://schemas.microsoft.com/office/drawing/2014/main" id="{15EC7369-59DF-4C60-B0E3-ECF88497AF6E}"/>
                 </a:ext>
                 <a:ext uri="{C183D7F6-B498-43B3-948B-1728B52AA6E4}">
                   <adec:decorative xmlns:adec="http://schemas.microsoft.com/office/drawing/2017/decorative" val="1"/>
@@ -18641,10 +25408,10 @@
         </p:sp>
         <p:sp>
           <p:nvSpPr>
-            <p:cNvPr id="76" name="Freeform 13">
+            <p:cNvPr id="130" name="Freeform 13">
               <a:extLst>
                 <a:ext uri="{FF2B5EF4-FFF2-40B4-BE49-F238E27FC236}">
-                  <a16:creationId xmlns:a16="http://schemas.microsoft.com/office/drawing/2014/main" id="{377CD025-F779-43A0-9179-7B96B69DFC84}"/>
+                  <a16:creationId xmlns:a16="http://schemas.microsoft.com/office/drawing/2014/main" id="{81EB7200-856D-431E-BB9C-51206BE1D70C}"/>
                 </a:ext>
                 <a:ext uri="{C183D7F6-B498-43B3-948B-1728B52AA6E4}">
                   <adec:decorative xmlns:adec="http://schemas.microsoft.com/office/drawing/2017/decorative" val="1"/>
@@ -18744,10 +25511,10 @@
         </p:sp>
         <p:sp>
           <p:nvSpPr>
-            <p:cNvPr id="77" name="Freeform 14">
+            <p:cNvPr id="131" name="Freeform 14">
               <a:extLst>
                 <a:ext uri="{FF2B5EF4-FFF2-40B4-BE49-F238E27FC236}">
-                  <a16:creationId xmlns:a16="http://schemas.microsoft.com/office/drawing/2014/main" id="{C854CD22-88F5-4ED4-B0C7-7DB645401503}"/>
+                  <a16:creationId xmlns:a16="http://schemas.microsoft.com/office/drawing/2014/main" id="{8BA702C9-BDE5-4D2B-B486-68C8730EE890}"/>
                 </a:ext>
                 <a:ext uri="{C183D7F6-B498-43B3-948B-1728B52AA6E4}">
                   <adec:decorative xmlns:adec="http://schemas.microsoft.com/office/drawing/2017/decorative" val="1"/>
@@ -18837,10 +25604,10 @@
         </p:sp>
         <p:sp>
           <p:nvSpPr>
-            <p:cNvPr id="78" name="Freeform 15">
+            <p:cNvPr id="132" name="Freeform 15">
               <a:extLst>
                 <a:ext uri="{FF2B5EF4-FFF2-40B4-BE49-F238E27FC236}">
-                  <a16:creationId xmlns:a16="http://schemas.microsoft.com/office/drawing/2014/main" id="{4ACF8F2A-C88B-46AD-8BF0-A84757304F4E}"/>
+                  <a16:creationId xmlns:a16="http://schemas.microsoft.com/office/drawing/2014/main" id="{D46F8467-DA99-4476-A5FB-FB9382911349}"/>
                 </a:ext>
                 <a:ext uri="{C183D7F6-B498-43B3-948B-1728B52AA6E4}">
                   <adec:decorative xmlns:adec="http://schemas.microsoft.com/office/drawing/2017/decorative" val="1"/>
@@ -18940,10 +25707,10 @@
         </p:sp>
         <p:sp>
           <p:nvSpPr>
-            <p:cNvPr id="79" name="Freeform 16">
+            <p:cNvPr id="133" name="Freeform 16">
               <a:extLst>
                 <a:ext uri="{FF2B5EF4-FFF2-40B4-BE49-F238E27FC236}">
-                  <a16:creationId xmlns:a16="http://schemas.microsoft.com/office/drawing/2014/main" id="{8B569164-6E36-4A4F-93CF-C852B2C211A6}"/>
+                  <a16:creationId xmlns:a16="http://schemas.microsoft.com/office/drawing/2014/main" id="{D1D3F243-9E9C-4242-967D-A546E642E19E}"/>
                 </a:ext>
                 <a:ext uri="{C183D7F6-B498-43B3-948B-1728B52AA6E4}">
                   <adec:decorative xmlns:adec="http://schemas.microsoft.com/office/drawing/2017/decorative" val="1"/>
@@ -19033,10 +25800,10 @@
         </p:sp>
         <p:sp>
           <p:nvSpPr>
-            <p:cNvPr id="80" name="Freeform 17">
+            <p:cNvPr id="134" name="Freeform 17">
               <a:extLst>
                 <a:ext uri="{FF2B5EF4-FFF2-40B4-BE49-F238E27FC236}">
-                  <a16:creationId xmlns:a16="http://schemas.microsoft.com/office/drawing/2014/main" id="{B19E609B-527F-4898-AF65-FCC311A85618}"/>
+                  <a16:creationId xmlns:a16="http://schemas.microsoft.com/office/drawing/2014/main" id="{06917902-FC8A-4D60-8048-3DFBD3E2E859}"/>
                 </a:ext>
                 <a:ext uri="{C183D7F6-B498-43B3-948B-1728B52AA6E4}">
                   <adec:decorative xmlns:adec="http://schemas.microsoft.com/office/drawing/2017/decorative" val="1"/>
@@ -19136,10 +25903,10 @@
         </p:sp>
         <p:sp>
           <p:nvSpPr>
-            <p:cNvPr id="81" name="Freeform 18">
+            <p:cNvPr id="135" name="Freeform 18">
               <a:extLst>
                 <a:ext uri="{FF2B5EF4-FFF2-40B4-BE49-F238E27FC236}">
-                  <a16:creationId xmlns:a16="http://schemas.microsoft.com/office/drawing/2014/main" id="{B17F6462-AAE0-47DA-944B-A4E420FE76DE}"/>
+                  <a16:creationId xmlns:a16="http://schemas.microsoft.com/office/drawing/2014/main" id="{995A7C48-2EB6-4969-B323-7D607A3E093F}"/>
                 </a:ext>
                 <a:ext uri="{C183D7F6-B498-43B3-948B-1728B52AA6E4}">
                   <adec:decorative xmlns:adec="http://schemas.microsoft.com/office/drawing/2017/decorative" val="1"/>
@@ -19239,10 +26006,10 @@
         </p:sp>
         <p:sp>
           <p:nvSpPr>
-            <p:cNvPr id="82" name="Freeform 19">
+            <p:cNvPr id="136" name="Freeform 19">
               <a:extLst>
                 <a:ext uri="{FF2B5EF4-FFF2-40B4-BE49-F238E27FC236}">
-                  <a16:creationId xmlns:a16="http://schemas.microsoft.com/office/drawing/2014/main" id="{402B9DEC-138A-4EEF-825B-72E268844ED4}"/>
+                  <a16:creationId xmlns:a16="http://schemas.microsoft.com/office/drawing/2014/main" id="{71E39251-94EA-466C-8167-2552A4CA1A68}"/>
                 </a:ext>
                 <a:ext uri="{C183D7F6-B498-43B3-948B-1728B52AA6E4}">
                   <adec:decorative xmlns:adec="http://schemas.microsoft.com/office/drawing/2017/decorative" val="1"/>
@@ -19342,10 +26109,10 @@
         </p:sp>
         <p:sp>
           <p:nvSpPr>
-            <p:cNvPr id="83" name="Freeform 20">
+            <p:cNvPr id="137" name="Freeform 20">
               <a:extLst>
                 <a:ext uri="{FF2B5EF4-FFF2-40B4-BE49-F238E27FC236}">
-                  <a16:creationId xmlns:a16="http://schemas.microsoft.com/office/drawing/2014/main" id="{5053ACE3-64C0-45A3-9DA0-9FEDDC923268}"/>
+                  <a16:creationId xmlns:a16="http://schemas.microsoft.com/office/drawing/2014/main" id="{F9AEAFF2-BFAC-48E1-8038-788124020857}"/>
                 </a:ext>
                 <a:ext uri="{C183D7F6-B498-43B3-948B-1728B52AA6E4}">
                   <adec:decorative xmlns:adec="http://schemas.microsoft.com/office/drawing/2017/decorative" val="1"/>
@@ -19435,10 +26202,10 @@
         </p:sp>
         <p:sp>
           <p:nvSpPr>
-            <p:cNvPr id="84" name="Freeform 21">
+            <p:cNvPr id="138" name="Freeform 21">
               <a:extLst>
                 <a:ext uri="{FF2B5EF4-FFF2-40B4-BE49-F238E27FC236}">
-                  <a16:creationId xmlns:a16="http://schemas.microsoft.com/office/drawing/2014/main" id="{06142E98-71A8-4BEE-88D0-73AFFAA152AD}"/>
+                  <a16:creationId xmlns:a16="http://schemas.microsoft.com/office/drawing/2014/main" id="{F87BFF95-3D1E-45B2-945C-CFAFEC3D6429}"/>
                 </a:ext>
                 <a:ext uri="{C183D7F6-B498-43B3-948B-1728B52AA6E4}">
                   <adec:decorative xmlns:adec="http://schemas.microsoft.com/office/drawing/2017/decorative" val="1"/>
@@ -19528,10 +26295,10 @@
         </p:sp>
         <p:sp>
           <p:nvSpPr>
-            <p:cNvPr id="85" name="Freeform 22">
+            <p:cNvPr id="139" name="Freeform 22">
               <a:extLst>
                 <a:ext uri="{FF2B5EF4-FFF2-40B4-BE49-F238E27FC236}">
-                  <a16:creationId xmlns:a16="http://schemas.microsoft.com/office/drawing/2014/main" id="{642ED77A-A8FF-4709-B703-AE681AD8E7A5}"/>
+                  <a16:creationId xmlns:a16="http://schemas.microsoft.com/office/drawing/2014/main" id="{E79531B4-B233-4802-8EDF-96C75D0421EE}"/>
                 </a:ext>
                 <a:ext uri="{C183D7F6-B498-43B3-948B-1728B52AA6E4}">
                   <adec:decorative xmlns:adec="http://schemas.microsoft.com/office/drawing/2017/decorative" val="1"/>
@@ -19621,10 +26388,10 @@
         </p:sp>
         <p:sp>
           <p:nvSpPr>
-            <p:cNvPr id="86" name="Freeform 23">
+            <p:cNvPr id="140" name="Freeform 23">
               <a:extLst>
                 <a:ext uri="{FF2B5EF4-FFF2-40B4-BE49-F238E27FC236}">
-                  <a16:creationId xmlns:a16="http://schemas.microsoft.com/office/drawing/2014/main" id="{D7BE1FEA-7C1E-41F1-A0E3-F316AB6EF127}"/>
+                  <a16:creationId xmlns:a16="http://schemas.microsoft.com/office/drawing/2014/main" id="{01E8A3D8-8FFF-4C3A-BA7F-D11B1C61619C}"/>
                 </a:ext>
                 <a:ext uri="{C183D7F6-B498-43B3-948B-1728B52AA6E4}">
                   <adec:decorative xmlns:adec="http://schemas.microsoft.com/office/drawing/2017/decorative" val="1"/>
@@ -19713,44 +26480,12 @@
           </p:txBody>
         </p:sp>
       </p:grpSp>
-      <p:pic>
-        <p:nvPicPr>
-          <p:cNvPr id="6" name="Picture 5" descr="Table&#10;&#10;Description automatically generated">
-            <a:extLst>
-              <a:ext uri="{FF2B5EF4-FFF2-40B4-BE49-F238E27FC236}">
-                <a16:creationId xmlns:a16="http://schemas.microsoft.com/office/drawing/2014/main" id="{F22C9188-E0A3-5743-9F38-73EDCD824D79}"/>
-              </a:ext>
-            </a:extLst>
-          </p:cNvPr>
-          <p:cNvPicPr>
-            <a:picLocks noChangeAspect="1"/>
-          </p:cNvPicPr>
-          <p:nvPr/>
-        </p:nvPicPr>
-        <p:blipFill rotWithShape="1">
-          <a:blip r:embed="rId2"/>
-          <a:srcRect t="6117" r="-1" b="24546"/>
-          <a:stretch/>
-        </p:blipFill>
-        <p:spPr>
-          <a:xfrm>
-            <a:off x="1" y="10"/>
-            <a:ext cx="12191695" cy="4120995"/>
-          </a:xfrm>
-          <a:prstGeom prst="rect">
-            <a:avLst/>
-          </a:prstGeom>
-          <a:ln w="12700">
-            <a:noFill/>
-          </a:ln>
-        </p:spPr>
-      </p:pic>
       <p:grpSp>
         <p:nvGrpSpPr>
-          <p:cNvPr id="87" name="Group 59">
+          <p:cNvPr id="142" name="Group 141">
             <a:extLst>
               <a:ext uri="{FF2B5EF4-FFF2-40B4-BE49-F238E27FC236}">
-                <a16:creationId xmlns:a16="http://schemas.microsoft.com/office/drawing/2014/main" id="{85976A4B-3862-4DD9-BBF1-1F77773F1351}"/>
+                <a16:creationId xmlns:a16="http://schemas.microsoft.com/office/drawing/2014/main" id="{B4BB06CC-48BD-4621-A671-5502A7BF0BAF}"/>
               </a:ext>
               <a:ext uri="{C183D7F6-B498-43B3-948B-1728B52AA6E4}">
                 <adec:decorative xmlns:adec="http://schemas.microsoft.com/office/drawing/2017/decorative" val="1"/>
@@ -19770,18 +26505,18 @@
         </p:nvGrpSpPr>
         <p:grpSpPr>
           <a:xfrm>
-            <a:off x="1" y="4206292"/>
-            <a:ext cx="12192755" cy="1771275"/>
-            <a:chOff x="1" y="3893141"/>
-            <a:chExt cx="12192755" cy="1771275"/>
+            <a:off x="807084" y="1186483"/>
+            <a:ext cx="3822597" cy="4477933"/>
+            <a:chOff x="807084" y="1186483"/>
+            <a:chExt cx="3822597" cy="4477933"/>
           </a:xfrm>
         </p:grpSpPr>
         <p:sp>
           <p:nvSpPr>
-            <p:cNvPr id="61" name="Isosceles Triangle 39">
+            <p:cNvPr id="143" name="Rectangle 142">
               <a:extLst>
                 <a:ext uri="{FF2B5EF4-FFF2-40B4-BE49-F238E27FC236}">
-                  <a16:creationId xmlns:a16="http://schemas.microsoft.com/office/drawing/2014/main" id="{4E26DA03-9EA7-4CA6-BAAA-1D0604CB1A29}"/>
+                  <a16:creationId xmlns:a16="http://schemas.microsoft.com/office/drawing/2014/main" id="{A13B6631-6FCE-48BF-B70E-387713DF4C89}"/>
                 </a:ext>
                 <a:ext uri="{C183D7F6-B498-43B3-948B-1728B52AA6E4}">
                   <adec:decorative xmlns:adec="http://schemas.microsoft.com/office/drawing/2017/decorative" val="1"/>
@@ -19798,11 +26533,11 @@
             </p:nvPr>
           </p:nvSpPr>
           <p:spPr>
-            <a:xfrm rot="10800000">
-              <a:off x="5892384" y="5313353"/>
-              <a:ext cx="407233" cy="351063"/>
-            </a:xfrm>
-            <a:prstGeom prst="triangle">
+            <a:xfrm>
+              <a:off x="807531" y="1186483"/>
+              <a:ext cx="3821702" cy="716184"/>
+            </a:xfrm>
+            <a:prstGeom prst="rect">
               <a:avLst/>
             </a:prstGeom>
             <a:solidFill>
@@ -19839,10 +26574,10 @@
         </p:sp>
         <p:sp>
           <p:nvSpPr>
-            <p:cNvPr id="88" name="Rectangle 61">
+            <p:cNvPr id="144" name="Isosceles Triangle 39">
               <a:extLst>
                 <a:ext uri="{FF2B5EF4-FFF2-40B4-BE49-F238E27FC236}">
-                  <a16:creationId xmlns:a16="http://schemas.microsoft.com/office/drawing/2014/main" id="{7EE11675-3E2F-4EF8-B41A-0733199FB5F0}"/>
+                  <a16:creationId xmlns:a16="http://schemas.microsoft.com/office/drawing/2014/main" id="{DDB93067-F481-441A-A376-C0E7513B592D}"/>
                 </a:ext>
                 <a:ext uri="{C183D7F6-B498-43B3-948B-1728B52AA6E4}">
                   <adec:decorative xmlns:adec="http://schemas.microsoft.com/office/drawing/2017/decorative" val="1"/>
@@ -19859,11 +26594,11 @@
             </p:nvPr>
           </p:nvSpPr>
           <p:spPr>
-            <a:xfrm>
-              <a:off x="1" y="3893141"/>
-              <a:ext cx="12192755" cy="1420210"/>
-            </a:xfrm>
-            <a:prstGeom prst="rect">
+            <a:xfrm rot="10800000">
+              <a:off x="2514766" y="5313353"/>
+              <a:ext cx="407233" cy="351063"/>
+            </a:xfrm>
+            <a:prstGeom prst="triangle">
               <a:avLst/>
             </a:prstGeom>
             <a:solidFill>
@@ -19898,6 +26633,67 @@
             </a:p>
           </p:txBody>
         </p:sp>
+        <p:sp>
+          <p:nvSpPr>
+            <p:cNvPr id="145" name="Rectangle 144">
+              <a:extLst>
+                <a:ext uri="{FF2B5EF4-FFF2-40B4-BE49-F238E27FC236}">
+                  <a16:creationId xmlns:a16="http://schemas.microsoft.com/office/drawing/2014/main" id="{B2CBF682-D16A-42C2-8992-90C6D1CF799A}"/>
+                </a:ext>
+                <a:ext uri="{C183D7F6-B498-43B3-948B-1728B52AA6E4}">
+                  <adec:decorative xmlns:adec="http://schemas.microsoft.com/office/drawing/2017/decorative" val="1"/>
+                </a:ext>
+              </a:extLst>
+            </p:cNvPr>
+            <p:cNvSpPr/>
+            <p:nvPr>
+              <p:extLst>
+                <p:ext uri="{386F3935-93C4-4BCD-93E2-E3B085C9AB24}">
+                  <p16:designElem xmlns:p16="http://schemas.microsoft.com/office/powerpoint/2015/main" val="1"/>
+                </p:ext>
+              </p:extLst>
+            </p:nvPr>
+          </p:nvSpPr>
+          <p:spPr>
+            <a:xfrm>
+              <a:off x="807084" y="1991156"/>
+              <a:ext cx="3822597" cy="3322196"/>
+            </a:xfrm>
+            <a:prstGeom prst="rect">
+              <a:avLst/>
+            </a:prstGeom>
+            <a:solidFill>
+              <a:schemeClr val="accent1"/>
+            </a:solidFill>
+            <a:ln>
+              <a:noFill/>
+            </a:ln>
+          </p:spPr>
+          <p:style>
+            <a:lnRef idx="2">
+              <a:schemeClr val="accent1">
+                <a:shade val="50000"/>
+              </a:schemeClr>
+            </a:lnRef>
+            <a:fillRef idx="1">
+              <a:schemeClr val="accent1"/>
+            </a:fillRef>
+            <a:effectRef idx="0">
+              <a:schemeClr val="accent1"/>
+            </a:effectRef>
+            <a:fontRef idx="minor">
+              <a:schemeClr val="lt1"/>
+            </a:fontRef>
+          </p:style>
+          <p:txBody>
+            <a:bodyPr rtlCol="0" anchor="ctr"/>
+            <a:lstStyle/>
+            <a:p>
+              <a:pPr algn="ctr"/>
+              <a:endParaRPr lang="en-US"/>
+            </a:p>
+          </p:txBody>
+        </p:sp>
       </p:grpSp>
       <p:sp>
         <p:nvSpPr>
@@ -19917,8 +26713,8 @@
         </p:nvSpPr>
         <p:spPr>
           <a:xfrm>
-            <a:off x="1683982" y="4293388"/>
-            <a:ext cx="8833655" cy="727748"/>
+            <a:off x="895415" y="2075504"/>
+            <a:ext cx="3654569" cy="2042725"/>
           </a:xfrm>
         </p:spPr>
         <p:txBody>
@@ -19933,12 +26729,112 @@
               </a:lnSpc>
             </a:pPr>
             <a:r>
-              <a:rPr lang="en-US" sz="3700"/>
-              <a:t>Rules Mined for Non-Average Changes</a:t>
+              <a:rPr lang="en-US" sz="4200" dirty="0"/>
+              <a:t>Rules Mined for Steep Changes</a:t>
             </a:r>
           </a:p>
         </p:txBody>
       </p:sp>
+      <p:sp>
+        <p:nvSpPr>
+          <p:cNvPr id="147" name="Rectangle 146">
+            <a:extLst>
+              <a:ext uri="{FF2B5EF4-FFF2-40B4-BE49-F238E27FC236}">
+                <a16:creationId xmlns:a16="http://schemas.microsoft.com/office/drawing/2014/main" id="{A7B753C6-0598-4947-9B65-3AD74C778E9E}"/>
+              </a:ext>
+              <a:ext uri="{C183D7F6-B498-43B3-948B-1728B52AA6E4}">
+                <adec:decorative xmlns:adec="http://schemas.microsoft.com/office/drawing/2017/decorative" val="1"/>
+              </a:ext>
+            </a:extLst>
+          </p:cNvPr>
+          <p:cNvSpPr>
+            <a:spLocks noGrp="1" noRot="1" noChangeAspect="1" noMove="1" noResize="1" noEditPoints="1" noAdjustHandles="1" noChangeArrowheads="1" noChangeShapeType="1" noTextEdit="1"/>
+          </p:cNvSpPr>
+          <p:nvPr>
+            <p:extLst>
+              <p:ext uri="{386F3935-93C4-4BCD-93E2-E3B085C9AB24}">
+                <p16:designElem xmlns:p16="http://schemas.microsoft.com/office/powerpoint/2015/main" val="1"/>
+              </p:ext>
+            </p:extLst>
+          </p:nvPr>
+        </p:nvSpPr>
+        <p:spPr>
+          <a:xfrm>
+            <a:off x="5440150" y="-6706"/>
+            <a:ext cx="6751849" cy="6871125"/>
+          </a:xfrm>
+          <a:prstGeom prst="rect">
+            <a:avLst/>
+          </a:prstGeom>
+          <a:solidFill>
+            <a:schemeClr val="bg1"/>
+          </a:solidFill>
+          <a:ln w="9525">
+            <a:solidFill>
+              <a:schemeClr val="tx1">
+                <a:alpha val="20000"/>
+              </a:schemeClr>
+            </a:solidFill>
+          </a:ln>
+        </p:spPr>
+        <p:style>
+          <a:lnRef idx="2">
+            <a:schemeClr val="accent1">
+              <a:shade val="50000"/>
+            </a:schemeClr>
+          </a:lnRef>
+          <a:fillRef idx="1">
+            <a:schemeClr val="accent1"/>
+          </a:fillRef>
+          <a:effectRef idx="0">
+            <a:schemeClr val="accent1"/>
+          </a:effectRef>
+          <a:fontRef idx="minor">
+            <a:schemeClr val="lt1"/>
+          </a:fontRef>
+        </p:style>
+        <p:txBody>
+          <a:bodyPr rtlCol="0" anchor="ctr"/>
+          <a:lstStyle/>
+          <a:p>
+            <a:pPr algn="ctr"/>
+            <a:endParaRPr lang="en-US"/>
+          </a:p>
+        </p:txBody>
+      </p:sp>
+      <p:pic>
+        <p:nvPicPr>
+          <p:cNvPr id="3" name="Picture 2">
+            <a:extLst>
+              <a:ext uri="{FF2B5EF4-FFF2-40B4-BE49-F238E27FC236}">
+                <a16:creationId xmlns:a16="http://schemas.microsoft.com/office/drawing/2014/main" id="{F7A707B9-3FFA-964F-9D40-DBC855C7723F}"/>
+              </a:ext>
+            </a:extLst>
+          </p:cNvPr>
+          <p:cNvPicPr>
+            <a:picLocks noChangeAspect="1"/>
+          </p:cNvPicPr>
+          <p:nvPr/>
+        </p:nvPicPr>
+        <p:blipFill>
+          <a:blip r:embed="rId2"/>
+          <a:stretch>
+            <a:fillRect/>
+          </a:stretch>
+        </p:blipFill>
+        <p:spPr>
+          <a:xfrm>
+            <a:off x="5757262" y="1023697"/>
+            <a:ext cx="6120318" cy="4819750"/>
+          </a:xfrm>
+          <a:prstGeom prst="rect">
+            <a:avLst/>
+          </a:prstGeom>
+          <a:ln w="9525">
+            <a:noFill/>
+          </a:ln>
+        </p:spPr>
+      </p:pic>
     </p:spTree>
     <p:extLst>
       <p:ext uri="{BB962C8B-B14F-4D97-AF65-F5344CB8AC3E}">
